--- a/课程PPT/23.JS标准内置对象-非构造器（JSON）.pptx
+++ b/课程PPT/23.JS标准内置对象-非构造器（JSON）.pptx
@@ -5,18 +5,18 @@
     <p:sldMasterId id="2147483648" r:id="rId1"/>
   </p:sldMasterIdLst>
   <p:notesMasterIdLst>
-    <p:notesMasterId r:id="rId11"/>
+    <p:notesMasterId r:id="rId5"/>
   </p:notesMasterIdLst>
   <p:sldIdLst>
-    <p:sldId id="1226" r:id="rId2"/>
-    <p:sldId id="1227" r:id="rId3"/>
-    <p:sldId id="1231" r:id="rId4"/>
-    <p:sldId id="1237" r:id="rId5"/>
-    <p:sldId id="1238" r:id="rId6"/>
-    <p:sldId id="1239" r:id="rId7"/>
-    <p:sldId id="1240" r:id="rId8"/>
-    <p:sldId id="1229" r:id="rId9"/>
-    <p:sldId id="1228" r:id="rId10"/>
+    <p:sldId id="1226" r:id="rId3"/>
+    <p:sldId id="1227" r:id="rId4"/>
+    <p:sldId id="1231" r:id="rId6"/>
+    <p:sldId id="1237" r:id="rId7"/>
+    <p:sldId id="1238" r:id="rId8"/>
+    <p:sldId id="1239" r:id="rId9"/>
+    <p:sldId id="1240" r:id="rId10"/>
+    <p:sldId id="1229" r:id="rId11"/>
+    <p:sldId id="1228" r:id="rId12"/>
   </p:sldIdLst>
   <p:sldSz cx="12192000" cy="6858000"/>
   <p:notesSz cx="6797675" cy="9928225"/>
@@ -335,6 +335,7 @@
               <a:rPr lang="zh-CN" altLang="zh-CN" noProof="0" smtClean="0"/>
               <a:t>                                                   </a:t>
             </a:r>
+            <a:endParaRPr lang="zh-CN" altLang="zh-CN" noProof="0" smtClean="0"/>
           </a:p>
           <a:p>
             <a:pPr lvl="1"/>
@@ -342,6 +343,7 @@
               <a:rPr lang="zh-CN" altLang="zh-CN" noProof="0" smtClean="0"/>
               <a:t>               </a:t>
             </a:r>
+            <a:endParaRPr lang="zh-CN" altLang="zh-CN" noProof="0" smtClean="0"/>
           </a:p>
           <a:p>
             <a:pPr lvl="2"/>
@@ -349,6 +351,7 @@
               <a:rPr lang="zh-CN" altLang="zh-CN" noProof="0" smtClean="0"/>
               <a:t>                </a:t>
             </a:r>
+            <a:endParaRPr lang="zh-CN" altLang="zh-CN" noProof="0" smtClean="0"/>
           </a:p>
           <a:p>
             <a:pPr lvl="3"/>
@@ -356,6 +359,7 @@
               <a:rPr lang="zh-CN" altLang="zh-CN" noProof="0" smtClean="0"/>
               <a:t>                </a:t>
             </a:r>
+            <a:endParaRPr lang="zh-CN" altLang="zh-CN" noProof="0" smtClean="0"/>
           </a:p>
           <a:p>
             <a:pPr lvl="4"/>
@@ -363,6 +367,7 @@
               <a:rPr lang="zh-CN" altLang="zh-CN" noProof="0" smtClean="0"/>
               <a:t>                </a:t>
             </a:r>
+            <a:endParaRPr lang="zh-CN" altLang="zh-CN" noProof="0" smtClean="0"/>
           </a:p>
         </p:txBody>
       </p:sp>
@@ -445,18 +450,12 @@
           <a:p>
             <a:fld id="{D9AFD278-84AA-4CAA-9049-809825956FE0}" type="slidenum">
               <a:rPr lang="en-US" altLang="zh-CN"/>
-              <a:t>‹#›</a:t>
             </a:fld>
             <a:endParaRPr lang="zh-CN" altLang="zh-CN"/>
           </a:p>
         </p:txBody>
       </p:sp>
     </p:spTree>
-    <p:extLst>
-      <p:ext uri="{BB962C8B-B14F-4D97-AF65-F5344CB8AC3E}">
-        <p14:creationId xmlns:p14="http://schemas.microsoft.com/office/powerpoint/2010/main" val="2421489976"/>
-      </p:ext>
-    </p:extLst>
   </p:cSld>
   <p:clrMap bg1="lt1" tx1="dk1" bg2="lt2" tx2="dk2" accent1="accent1" accent2="accent2" accent3="accent3" accent4="accent4" accent5="accent5" accent6="accent6" hlink="hlink" folHlink="folHlink"/>
   <p:notesStyle>
@@ -1046,6 +1045,7 @@
               <a:rPr lang="zh-CN" altLang="en-US" dirty="0" smtClean="0"/>
               <a:t>单击此处编辑母版文本样式</a:t>
             </a:r>
+            <a:endParaRPr lang="zh-CN" altLang="en-US" dirty="0" smtClean="0"/>
           </a:p>
           <a:p>
             <a:pPr lvl="1"/>
@@ -1053,6 +1053,7 @@
               <a:rPr lang="zh-CN" altLang="en-US" dirty="0" smtClean="0"/>
               <a:t>第二级</a:t>
             </a:r>
+            <a:endParaRPr lang="zh-CN" altLang="en-US" dirty="0" smtClean="0"/>
           </a:p>
           <a:p>
             <a:pPr lvl="2"/>
@@ -1060,6 +1061,7 @@
               <a:rPr lang="zh-CN" altLang="en-US" dirty="0" smtClean="0"/>
               <a:t>第三级</a:t>
             </a:r>
+            <a:endParaRPr lang="zh-CN" altLang="en-US" dirty="0" smtClean="0"/>
           </a:p>
           <a:p>
             <a:pPr lvl="3"/>
@@ -1067,6 +1069,7 @@
               <a:rPr lang="zh-CN" altLang="en-US" dirty="0" smtClean="0"/>
               <a:t>第四级</a:t>
             </a:r>
+            <a:endParaRPr lang="zh-CN" altLang="en-US" dirty="0" smtClean="0"/>
           </a:p>
         </p:txBody>
       </p:sp>
@@ -1128,6 +1131,7 @@
               <a:rPr lang="zh-CN" altLang="en-US" dirty="0" smtClean="0"/>
               <a:t>单击此处编辑母版文本样式</a:t>
             </a:r>
+            <a:endParaRPr lang="zh-CN" altLang="en-US" dirty="0" smtClean="0"/>
           </a:p>
         </p:txBody>
       </p:sp>
@@ -1184,7 +1188,6 @@
           <a:p>
             <a:fld id="{2030C94F-1E7C-47E3-9C60-176A530B03BF}" type="slidenum">
               <a:rPr lang="en-US" altLang="zh-CN"/>
-              <a:t>‹#›</a:t>
             </a:fld>
             <a:endParaRPr lang="zh-CN" altLang="zh-CN" sz="3200" b="0"/>
           </a:p>
@@ -1275,6 +1278,7 @@
               <a:rPr lang="zh-CN" altLang="en-US" dirty="0" smtClean="0"/>
               <a:t>单击此处编辑母版文本样式</a:t>
             </a:r>
+            <a:endParaRPr lang="zh-CN" altLang="en-US" dirty="0" smtClean="0"/>
           </a:p>
           <a:p>
             <a:pPr lvl="1"/>
@@ -1282,6 +1286,7 @@
               <a:rPr lang="zh-CN" altLang="en-US" dirty="0" smtClean="0"/>
               <a:t>第二级</a:t>
             </a:r>
+            <a:endParaRPr lang="zh-CN" altLang="en-US" dirty="0" smtClean="0"/>
           </a:p>
           <a:p>
             <a:pPr lvl="2"/>
@@ -1289,6 +1294,7 @@
               <a:rPr lang="zh-CN" altLang="en-US" dirty="0" smtClean="0"/>
               <a:t>第三级</a:t>
             </a:r>
+            <a:endParaRPr lang="zh-CN" altLang="en-US" dirty="0" smtClean="0"/>
           </a:p>
           <a:p>
             <a:pPr lvl="3"/>
@@ -1296,6 +1302,7 @@
               <a:rPr lang="zh-CN" altLang="en-US" dirty="0" smtClean="0"/>
               <a:t>第四级</a:t>
             </a:r>
+            <a:endParaRPr lang="zh-CN" altLang="en-US" dirty="0" smtClean="0"/>
           </a:p>
         </p:txBody>
       </p:sp>
@@ -1353,6 +1360,7 @@
               <a:rPr lang="zh-CN" altLang="en-US" dirty="0" smtClean="0"/>
               <a:t>单击此处编辑母版文本样式</a:t>
             </a:r>
+            <a:endParaRPr lang="zh-CN" altLang="en-US" dirty="0" smtClean="0"/>
           </a:p>
         </p:txBody>
       </p:sp>
@@ -1434,6 +1442,7 @@
               <a:rPr lang="zh-CN" altLang="en-US" dirty="0" smtClean="0"/>
               <a:t>单击此处编辑母版文本样式</a:t>
             </a:r>
+            <a:endParaRPr lang="zh-CN" altLang="en-US" dirty="0" smtClean="0"/>
           </a:p>
           <a:p>
             <a:pPr lvl="1"/>
@@ -1441,6 +1450,7 @@
               <a:rPr lang="zh-CN" altLang="en-US" dirty="0" smtClean="0"/>
               <a:t>第二级</a:t>
             </a:r>
+            <a:endParaRPr lang="zh-CN" altLang="en-US" dirty="0" smtClean="0"/>
           </a:p>
           <a:p>
             <a:pPr lvl="2"/>
@@ -1448,6 +1458,7 @@
               <a:rPr lang="zh-CN" altLang="en-US" dirty="0" smtClean="0"/>
               <a:t>第三级</a:t>
             </a:r>
+            <a:endParaRPr lang="zh-CN" altLang="en-US" dirty="0" smtClean="0"/>
           </a:p>
           <a:p>
             <a:pPr lvl="3"/>
@@ -1455,6 +1466,7 @@
               <a:rPr lang="zh-CN" altLang="en-US" dirty="0" smtClean="0"/>
               <a:t>第四级</a:t>
             </a:r>
+            <a:endParaRPr lang="zh-CN" altLang="en-US" dirty="0" smtClean="0"/>
           </a:p>
         </p:txBody>
       </p:sp>
@@ -1512,6 +1524,7 @@
               <a:rPr lang="zh-CN" altLang="en-US" dirty="0" smtClean="0"/>
               <a:t>单击此处编辑母版文本样式</a:t>
             </a:r>
+            <a:endParaRPr lang="zh-CN" altLang="en-US" dirty="0" smtClean="0"/>
           </a:p>
         </p:txBody>
       </p:sp>
@@ -1593,6 +1606,7 @@
               <a:rPr lang="zh-CN" altLang="en-US" dirty="0" smtClean="0"/>
               <a:t>单击此处编辑母版文本样式</a:t>
             </a:r>
+            <a:endParaRPr lang="zh-CN" altLang="en-US" dirty="0" smtClean="0"/>
           </a:p>
           <a:p>
             <a:pPr lvl="1"/>
@@ -1600,6 +1614,7 @@
               <a:rPr lang="zh-CN" altLang="en-US" dirty="0" smtClean="0"/>
               <a:t>第二级</a:t>
             </a:r>
+            <a:endParaRPr lang="zh-CN" altLang="en-US" dirty="0" smtClean="0"/>
           </a:p>
           <a:p>
             <a:pPr lvl="2"/>
@@ -1607,6 +1622,7 @@
               <a:rPr lang="zh-CN" altLang="en-US" dirty="0" smtClean="0"/>
               <a:t>第三级</a:t>
             </a:r>
+            <a:endParaRPr lang="zh-CN" altLang="en-US" dirty="0" smtClean="0"/>
           </a:p>
           <a:p>
             <a:pPr lvl="3"/>
@@ -1614,6 +1630,7 @@
               <a:rPr lang="zh-CN" altLang="en-US" dirty="0" smtClean="0"/>
               <a:t>第四级</a:t>
             </a:r>
+            <a:endParaRPr lang="zh-CN" altLang="en-US" dirty="0" smtClean="0"/>
           </a:p>
         </p:txBody>
       </p:sp>
@@ -1671,6 +1688,7 @@
               <a:rPr lang="zh-CN" altLang="en-US" dirty="0" smtClean="0"/>
               <a:t>单击此处编辑母版文本样式</a:t>
             </a:r>
+            <a:endParaRPr lang="zh-CN" altLang="en-US" dirty="0" smtClean="0"/>
           </a:p>
         </p:txBody>
       </p:sp>
@@ -1752,6 +1770,7 @@
               <a:rPr lang="zh-CN" altLang="en-US" dirty="0" smtClean="0"/>
               <a:t>单击此处编辑母版文本样式</a:t>
             </a:r>
+            <a:endParaRPr lang="zh-CN" altLang="en-US" dirty="0" smtClean="0"/>
           </a:p>
           <a:p>
             <a:pPr lvl="1"/>
@@ -1759,6 +1778,7 @@
               <a:rPr lang="zh-CN" altLang="en-US" dirty="0" smtClean="0"/>
               <a:t>第二级</a:t>
             </a:r>
+            <a:endParaRPr lang="zh-CN" altLang="en-US" dirty="0" smtClean="0"/>
           </a:p>
           <a:p>
             <a:pPr lvl="2"/>
@@ -1766,6 +1786,7 @@
               <a:rPr lang="zh-CN" altLang="en-US" dirty="0" smtClean="0"/>
               <a:t>第三级</a:t>
             </a:r>
+            <a:endParaRPr lang="zh-CN" altLang="en-US" dirty="0" smtClean="0"/>
           </a:p>
           <a:p>
             <a:pPr lvl="3"/>
@@ -1773,6 +1794,7 @@
               <a:rPr lang="zh-CN" altLang="en-US" dirty="0" smtClean="0"/>
               <a:t>第四级</a:t>
             </a:r>
+            <a:endParaRPr lang="zh-CN" altLang="en-US" dirty="0" smtClean="0"/>
           </a:p>
         </p:txBody>
       </p:sp>
@@ -1830,6 +1852,7 @@
               <a:rPr lang="zh-CN" altLang="en-US" dirty="0" smtClean="0"/>
               <a:t>单击此处编辑母版文本样式</a:t>
             </a:r>
+            <a:endParaRPr lang="zh-CN" altLang="en-US" dirty="0" smtClean="0"/>
           </a:p>
         </p:txBody>
       </p:sp>
@@ -1911,6 +1934,7 @@
               <a:rPr lang="zh-CN" altLang="en-US" dirty="0" smtClean="0"/>
               <a:t>单击此处编辑母版文本样式</a:t>
             </a:r>
+            <a:endParaRPr lang="zh-CN" altLang="en-US" dirty="0" smtClean="0"/>
           </a:p>
           <a:p>
             <a:pPr lvl="1"/>
@@ -1918,6 +1942,7 @@
               <a:rPr lang="zh-CN" altLang="en-US" dirty="0" smtClean="0"/>
               <a:t>第二级</a:t>
             </a:r>
+            <a:endParaRPr lang="zh-CN" altLang="en-US" dirty="0" smtClean="0"/>
           </a:p>
           <a:p>
             <a:pPr lvl="2"/>
@@ -1925,6 +1950,7 @@
               <a:rPr lang="zh-CN" altLang="en-US" dirty="0" smtClean="0"/>
               <a:t>第三级</a:t>
             </a:r>
+            <a:endParaRPr lang="zh-CN" altLang="en-US" dirty="0" smtClean="0"/>
           </a:p>
           <a:p>
             <a:pPr lvl="3"/>
@@ -1932,6 +1958,7 @@
               <a:rPr lang="zh-CN" altLang="en-US" dirty="0" smtClean="0"/>
               <a:t>第四级</a:t>
             </a:r>
+            <a:endParaRPr lang="zh-CN" altLang="en-US" dirty="0" smtClean="0"/>
           </a:p>
         </p:txBody>
       </p:sp>
@@ -1989,6 +2016,7 @@
               <a:rPr lang="zh-CN" altLang="en-US" dirty="0" smtClean="0"/>
               <a:t>单击此处编辑母版文本样式</a:t>
             </a:r>
+            <a:endParaRPr lang="zh-CN" altLang="en-US" dirty="0" smtClean="0"/>
           </a:p>
         </p:txBody>
       </p:sp>
@@ -2070,6 +2098,7 @@
               <a:rPr lang="zh-CN" altLang="en-US" dirty="0" smtClean="0"/>
               <a:t>单击此处编辑母版文本样式</a:t>
             </a:r>
+            <a:endParaRPr lang="zh-CN" altLang="en-US" dirty="0" smtClean="0"/>
           </a:p>
           <a:p>
             <a:pPr lvl="1"/>
@@ -2077,6 +2106,7 @@
               <a:rPr lang="zh-CN" altLang="en-US" dirty="0" smtClean="0"/>
               <a:t>第二级</a:t>
             </a:r>
+            <a:endParaRPr lang="zh-CN" altLang="en-US" dirty="0" smtClean="0"/>
           </a:p>
           <a:p>
             <a:pPr lvl="2"/>
@@ -2084,6 +2114,7 @@
               <a:rPr lang="zh-CN" altLang="en-US" dirty="0" smtClean="0"/>
               <a:t>第三级</a:t>
             </a:r>
+            <a:endParaRPr lang="zh-CN" altLang="en-US" dirty="0" smtClean="0"/>
           </a:p>
           <a:p>
             <a:pPr lvl="3"/>
@@ -2091,6 +2122,7 @@
               <a:rPr lang="zh-CN" altLang="en-US" dirty="0" smtClean="0"/>
               <a:t>第四级</a:t>
             </a:r>
+            <a:endParaRPr lang="zh-CN" altLang="en-US" dirty="0" smtClean="0"/>
           </a:p>
         </p:txBody>
       </p:sp>
@@ -2148,6 +2180,7 @@
               <a:rPr lang="zh-CN" altLang="en-US" dirty="0" smtClean="0"/>
               <a:t>单击此处编辑母版文本样式</a:t>
             </a:r>
+            <a:endParaRPr lang="zh-CN" altLang="en-US" dirty="0" smtClean="0"/>
           </a:p>
         </p:txBody>
       </p:sp>
@@ -2229,6 +2262,7 @@
               <a:rPr lang="zh-CN" altLang="en-US" dirty="0" smtClean="0"/>
               <a:t>单击此处编辑母版文本样式</a:t>
             </a:r>
+            <a:endParaRPr lang="zh-CN" altLang="en-US" dirty="0" smtClean="0"/>
           </a:p>
           <a:p>
             <a:pPr lvl="1"/>
@@ -2236,6 +2270,7 @@
               <a:rPr lang="zh-CN" altLang="en-US" dirty="0" smtClean="0"/>
               <a:t>第二级</a:t>
             </a:r>
+            <a:endParaRPr lang="zh-CN" altLang="en-US" dirty="0" smtClean="0"/>
           </a:p>
           <a:p>
             <a:pPr lvl="2"/>
@@ -2243,6 +2278,7 @@
               <a:rPr lang="zh-CN" altLang="en-US" dirty="0" smtClean="0"/>
               <a:t>第三级</a:t>
             </a:r>
+            <a:endParaRPr lang="zh-CN" altLang="en-US" dirty="0" smtClean="0"/>
           </a:p>
           <a:p>
             <a:pPr lvl="3"/>
@@ -2250,6 +2286,7 @@
               <a:rPr lang="zh-CN" altLang="en-US" dirty="0" smtClean="0"/>
               <a:t>第四级</a:t>
             </a:r>
+            <a:endParaRPr lang="zh-CN" altLang="en-US" dirty="0" smtClean="0"/>
           </a:p>
         </p:txBody>
       </p:sp>
@@ -2311,6 +2348,7 @@
               <a:rPr lang="zh-CN" altLang="en-US" dirty="0" smtClean="0"/>
               <a:t>单击此处编辑母版文本样式</a:t>
             </a:r>
+            <a:endParaRPr lang="zh-CN" altLang="en-US" dirty="0" smtClean="0"/>
           </a:p>
         </p:txBody>
       </p:sp>
@@ -2328,7 +2366,7 @@
     <p:bg bwMode="auto">
       <p:bgPr>
         <a:blipFill dpi="0" rotWithShape="0">
-          <a:blip r:embed="rId11"/>
+          <a:blip r:embed="rId10"/>
           <a:srcRect/>
           <a:stretch>
             <a:fillRect/>
@@ -2387,7 +2425,6 @@
           <a:p>
             <a:fld id="{43A45880-9E2A-43E4-955C-AEB11E14255E}" type="slidenum">
               <a:rPr lang="en-US" altLang="zh-CN"/>
-              <a:t>‹#›</a:t>
             </a:fld>
             <a:endParaRPr lang="zh-CN" altLang="zh-CN"/>
           </a:p>
@@ -2402,7 +2439,7 @@
           <p:nvPr/>
         </p:nvPicPr>
         <p:blipFill>
-          <a:blip r:embed="rId12">
+          <a:blip r:embed="rId11">
             <a:extLst>
               <a:ext uri="{28A0092B-C50C-407E-A947-70E740481C1C}">
                 <a14:useLocalDpi xmlns:a14="http://schemas.microsoft.com/office/drawing/2010/main" val="0"/>
@@ -2456,7 +2493,7 @@
           <p:nvPr/>
         </p:nvPicPr>
         <p:blipFill>
-          <a:blip r:embed="rId13">
+          <a:blip r:embed="rId12">
             <a:extLst>
               <a:ext uri="{28A0092B-C50C-407E-A947-70E740481C1C}">
                 <a14:useLocalDpi xmlns:a14="http://schemas.microsoft.com/office/drawing/2010/main" val="0"/>
@@ -2969,7 +3006,7 @@
           <p:nvPr/>
         </p:nvPicPr>
         <p:blipFill>
-          <a:blip r:embed="rId2">
+          <a:blip r:embed="rId1">
             <a:extLst>
               <a:ext uri="{28A0092B-C50C-407E-A947-70E740481C1C}">
                 <a14:useLocalDpi xmlns:a14="http://schemas.microsoft.com/office/drawing/2010/main" val="0"/>
@@ -3259,7 +3296,7 @@
           <p:nvPr/>
         </p:nvPicPr>
         <p:blipFill>
-          <a:blip r:embed="rId3">
+          <a:blip r:embed="rId2">
             <a:extLst>
               <a:ext uri="{28A0092B-C50C-407E-A947-70E740481C1C}">
                 <a14:useLocalDpi xmlns:a14="http://schemas.microsoft.com/office/drawing/2010/main" val="0"/>
@@ -3517,6 +3554,12 @@
               </a:rPr>
               <a:t>简介</a:t>
             </a:r>
+            <a:endParaRPr lang="zh-CN" altLang="en-US" sz="2800" b="1">
+              <a:solidFill>
+                <a:srgbClr val="FF0000"/>
+              </a:solidFill>
+              <a:sym typeface="+mn-ea"/>
+            </a:endParaRPr>
           </a:p>
           <a:p>
             <a:pPr algn="l">
@@ -3553,6 +3596,12 @@
               </a:rPr>
               <a:t>对象方法</a:t>
             </a:r>
+            <a:endParaRPr lang="zh-CN" altLang="en-US" sz="2800" b="1">
+              <a:solidFill>
+                <a:schemeClr val="tx1"/>
+              </a:solidFill>
+              <a:sym typeface="+mn-ea"/>
+            </a:endParaRPr>
           </a:p>
           <a:p>
             <a:pPr algn="l">
@@ -3589,6 +3638,12 @@
               </a:rPr>
               <a:t>案例</a:t>
             </a:r>
+            <a:endParaRPr lang="zh-CN" altLang="en-US" sz="2800" b="1">
+              <a:solidFill>
+                <a:schemeClr val="tx1"/>
+              </a:solidFill>
+              <a:sym typeface="+mn-ea"/>
+            </a:endParaRPr>
           </a:p>
         </p:txBody>
       </p:sp>
@@ -3938,15 +3993,6 @@
               </a:rPr>
               <a:t>等，都是来作为数据的载体）</a:t>
             </a:r>
-            <a:r>
-              <a:rPr lang="zh-CN" sz="2000" dirty="0">
-                <a:solidFill>
-                  <a:schemeClr val="tx1"/>
-                </a:solidFill>
-                <a:sym typeface="+mn-ea"/>
-              </a:rPr>
-              <a:t/>
-            </a:r>
             <a:br>
               <a:rPr lang="zh-CN" sz="2000" dirty="0">
                 <a:solidFill>
@@ -4036,15 +4082,6 @@
               </a:rPr>
               <a:t>存储和传输数据</a:t>
             </a:r>
-            <a:r>
-              <a:rPr lang="zh-CN" altLang="en-US" sz="2000" dirty="0">
-                <a:solidFill>
-                  <a:schemeClr val="tx1"/>
-                </a:solidFill>
-                <a:sym typeface="+mn-ea"/>
-              </a:rPr>
-              <a:t/>
-            </a:r>
             <a:br>
               <a:rPr lang="zh-CN" altLang="en-US" sz="2000" dirty="0">
                 <a:solidFill>
@@ -4097,6 +4134,12 @@
               </a:rPr>
               <a:t>易于读写和解析，并可有效地提升网络传输效率（轻量）</a:t>
             </a:r>
+            <a:endParaRPr lang="zh-CN" altLang="en-US" sz="2000" dirty="0">
+              <a:solidFill>
+                <a:schemeClr val="tx1"/>
+              </a:solidFill>
+              <a:sym typeface="+mn-ea"/>
+            </a:endParaRPr>
           </a:p>
           <a:p>
             <a:pPr>
@@ -4165,15 +4208,6 @@
                 <a:sym typeface="+mn-ea"/>
               </a:rPr>
               <a:t>中一切都是对象（如何理解这句话），任何支持的类型都可以通过对象来表示</a:t>
-            </a:r>
-            <a:r>
-              <a:rPr lang="en-US" altLang="zh-CN" sz="2000" dirty="0">
-                <a:solidFill>
-                  <a:schemeClr val="tx1"/>
-                </a:solidFill>
-                <a:sym typeface="+mn-ea"/>
-              </a:rPr>
-              <a:t/>
             </a:r>
             <a:br>
               <a:rPr lang="en-US" altLang="zh-CN" sz="2000" dirty="0">
@@ -4282,6 +4316,7 @@
               <a:rPr lang="zh-CN" altLang="en-US" dirty="0"/>
               <a:t>简介</a:t>
             </a:r>
+            <a:endParaRPr lang="zh-CN" altLang="en-US" dirty="0"/>
           </a:p>
         </p:txBody>
       </p:sp>
@@ -4364,7 +4399,7 @@
           <p:nvPr/>
         </p:nvPicPr>
         <p:blipFill>
-          <a:blip r:embed="rId3"/>
+          <a:blip r:embed="rId1"/>
           <a:stretch>
             <a:fillRect/>
           </a:stretch>
@@ -4996,6 +5031,12 @@
               </a:rPr>
               <a:t>简介</a:t>
             </a:r>
+            <a:endParaRPr lang="zh-CN" altLang="en-US" sz="2800" b="1">
+              <a:solidFill>
+                <a:schemeClr val="tx1"/>
+              </a:solidFill>
+              <a:sym typeface="+mn-ea"/>
+            </a:endParaRPr>
           </a:p>
           <a:p>
             <a:pPr algn="l">
@@ -5032,6 +5073,12 @@
               </a:rPr>
               <a:t>对象方法</a:t>
             </a:r>
+            <a:endParaRPr lang="zh-CN" altLang="en-US" sz="2800" b="1">
+              <a:solidFill>
+                <a:schemeClr val="accent3"/>
+              </a:solidFill>
+              <a:sym typeface="+mn-ea"/>
+            </a:endParaRPr>
           </a:p>
           <a:p>
             <a:pPr algn="l">
@@ -5068,6 +5115,12 @@
               </a:rPr>
               <a:t>案例</a:t>
             </a:r>
+            <a:endParaRPr lang="zh-CN" altLang="en-US" sz="2800" b="1">
+              <a:solidFill>
+                <a:schemeClr val="tx1"/>
+              </a:solidFill>
+              <a:sym typeface="+mn-ea"/>
+            </a:endParaRPr>
           </a:p>
         </p:txBody>
       </p:sp>
@@ -5364,15 +5417,6 @@
               </a:rPr>
               <a:t>.stringify(value,replacer?,space?)</a:t>
             </a:r>
-            <a:r>
-              <a:rPr sz="3200" dirty="0">
-                <a:solidFill>
-                  <a:schemeClr val="tx1"/>
-                </a:solidFill>
-                <a:sym typeface="+mn-ea"/>
-              </a:rPr>
-              <a:t/>
-            </a:r>
             <a:br>
               <a:rPr sz="3200" dirty="0">
                 <a:solidFill>
@@ -5416,15 +5460,6 @@
               </a:rPr>
               <a:t>JSON.parse(text,reviver?)</a:t>
             </a:r>
-            <a:r>
-              <a:rPr lang="zh-CN" altLang="en-US" sz="3200" dirty="0">
-                <a:solidFill>
-                  <a:schemeClr val="tx1"/>
-                </a:solidFill>
-                <a:sym typeface="+mn-ea"/>
-              </a:rPr>
-              <a:t/>
-            </a:r>
             <a:br>
               <a:rPr lang="zh-CN" altLang="en-US" sz="3200" dirty="0">
                 <a:solidFill>
@@ -5433,15 +5468,6 @@
                 <a:sym typeface="+mn-ea"/>
               </a:rPr>
             </a:br>
-            <a:r>
-              <a:rPr lang="en-US" altLang="zh-CN" sz="2000" dirty="0">
-                <a:solidFill>
-                  <a:schemeClr val="tx1"/>
-                </a:solidFill>
-                <a:sym typeface="+mn-ea"/>
-              </a:rPr>
-              <a:t/>
-            </a:r>
             <a:br>
               <a:rPr lang="en-US" altLang="zh-CN" sz="2000" dirty="0">
                 <a:solidFill>
@@ -5496,6 +5522,7 @@
               <a:rPr lang="zh-CN" altLang="en-US" dirty="0"/>
               <a:t>对象方法</a:t>
             </a:r>
+            <a:endParaRPr lang="zh-CN" altLang="en-US" dirty="0"/>
           </a:p>
         </p:txBody>
       </p:sp>
@@ -5578,7 +5605,7 @@
           <p:nvPr/>
         </p:nvPicPr>
         <p:blipFill>
-          <a:blip r:embed="rId3"/>
+          <a:blip r:embed="rId1"/>
           <a:stretch>
             <a:fillRect/>
           </a:stretch>
@@ -5602,7 +5629,7 @@
           <p:nvPr/>
         </p:nvPicPr>
         <p:blipFill>
-          <a:blip r:embed="rId4"/>
+          <a:blip r:embed="rId2"/>
           <a:stretch>
             <a:fillRect/>
           </a:stretch>
@@ -6307,6 +6334,12 @@
               </a:rPr>
               <a:t>简介</a:t>
             </a:r>
+            <a:endParaRPr lang="zh-CN" altLang="en-US" sz="2800" b="1">
+              <a:solidFill>
+                <a:schemeClr val="tx1"/>
+              </a:solidFill>
+              <a:sym typeface="+mn-ea"/>
+            </a:endParaRPr>
           </a:p>
           <a:p>
             <a:pPr algn="l">
@@ -6343,6 +6376,12 @@
               </a:rPr>
               <a:t>对象方法</a:t>
             </a:r>
+            <a:endParaRPr lang="zh-CN" altLang="en-US" sz="2800" b="1">
+              <a:solidFill>
+                <a:schemeClr val="tx1"/>
+              </a:solidFill>
+              <a:sym typeface="+mn-ea"/>
+            </a:endParaRPr>
           </a:p>
           <a:p>
             <a:pPr algn="l">
@@ -6379,6 +6418,12 @@
               </a:rPr>
               <a:t>案例</a:t>
             </a:r>
+            <a:endParaRPr lang="zh-CN" altLang="en-US" sz="2800" b="1">
+              <a:solidFill>
+                <a:srgbClr val="FF0000"/>
+              </a:solidFill>
+              <a:sym typeface="+mn-ea"/>
+            </a:endParaRPr>
           </a:p>
         </p:txBody>
       </p:sp>
@@ -6693,15 +6738,6 @@
               </a:rPr>
               <a:t>前后端之间的数据传输</a:t>
             </a:r>
-            <a:r>
-              <a:rPr lang="zh-CN" altLang="en-US" sz="3200" dirty="0">
-                <a:solidFill>
-                  <a:schemeClr val="tx1"/>
-                </a:solidFill>
-                <a:sym typeface="+mn-ea"/>
-              </a:rPr>
-              <a:t/>
-            </a:r>
             <a:br>
               <a:rPr lang="zh-CN" altLang="en-US" sz="3200" dirty="0">
                 <a:solidFill>
@@ -6710,15 +6746,6 @@
                 <a:sym typeface="+mn-ea"/>
               </a:rPr>
             </a:br>
-            <a:r>
-              <a:rPr lang="en-US" altLang="zh-CN" sz="2000" dirty="0">
-                <a:solidFill>
-                  <a:schemeClr val="tx1"/>
-                </a:solidFill>
-                <a:sym typeface="+mn-ea"/>
-              </a:rPr>
-              <a:t/>
-            </a:r>
             <a:br>
               <a:rPr lang="en-US" altLang="zh-CN" sz="2000" dirty="0">
                 <a:solidFill>
@@ -6773,6 +6800,7 @@
               <a:rPr lang="zh-CN" altLang="en-US" dirty="0"/>
               <a:t>案例</a:t>
             </a:r>
+            <a:endParaRPr lang="zh-CN" altLang="en-US" dirty="0"/>
           </a:p>
         </p:txBody>
       </p:sp>
@@ -6785,7 +6813,7 @@
           <p:nvPr/>
         </p:nvPicPr>
         <p:blipFill>
-          <a:blip r:embed="rId3"/>
+          <a:blip r:embed="rId1"/>
           <a:stretch>
             <a:fillRect/>
           </a:stretch>
@@ -6809,14 +6837,14 @@
           <p:nvPr/>
         </p:nvPicPr>
         <p:blipFill>
-          <a:blip r:embed="rId4"/>
+          <a:blip r:embed="rId2"/>
           <a:stretch>
             <a:fillRect/>
           </a:stretch>
         </p:blipFill>
         <p:spPr>
           <a:xfrm>
-            <a:off x="1424940" y="1704975"/>
+            <a:off x="1449705" y="1561465"/>
             <a:ext cx="9669145" cy="4904740"/>
           </a:xfrm>
           <a:prstGeom prst="rect">
@@ -7344,6 +7372,12 @@
               </a:rPr>
               <a:t>复习本章内容</a:t>
             </a:r>
+            <a:endParaRPr lang="zh-CN" altLang="en-US" sz="3200" dirty="0">
+              <a:solidFill>
+                <a:schemeClr val="tx1"/>
+              </a:solidFill>
+              <a:sym typeface="+mn-ea"/>
+            </a:endParaRPr>
           </a:p>
           <a:p>
             <a:pPr>
@@ -7460,6 +7494,7 @@
               <a:rPr lang="zh-CN" altLang="en-US" dirty="0"/>
               <a:t>作业</a:t>
             </a:r>
+            <a:endParaRPr lang="zh-CN" altLang="en-US" dirty="0"/>
           </a:p>
         </p:txBody>
       </p:sp>
@@ -7504,7 +7539,7 @@
           <p:nvPr/>
         </p:nvPicPr>
         <p:blipFill>
-          <a:blip r:embed="rId2">
+          <a:blip r:embed="rId1">
             <a:extLst>
               <a:ext uri="{28A0092B-C50C-407E-A947-70E740481C1C}">
                 <a14:useLocalDpi xmlns:a14="http://schemas.microsoft.com/office/drawing/2010/main" val="0"/>
@@ -7622,7 +7657,7 @@
           <p:nvPr/>
         </p:nvPicPr>
         <p:blipFill>
-          <a:blip r:embed="rId3">
+          <a:blip r:embed="rId2">
             <a:extLst>
               <a:ext uri="{28A0092B-C50C-407E-A947-70E740481C1C}">
                 <a14:useLocalDpi xmlns:a14="http://schemas.microsoft.com/office/drawing/2010/main" val="0"/>
@@ -8016,10 +8051,9 @@
       </a:lstStyle>
     </a:lnDef>
   </a:objectDefaults>
-  <a:extraClrSchemeLst/>
   <a:extLst>
     <a:ext uri="{05A4C25C-085E-4340-85A3-A5531E510DB2}">
-      <thm15:themeFamily xmlns="" xmlns:thm15="http://schemas.microsoft.com/office/thememl/2012/main" name="Office Theme" id="{62F939B6-93AF-4DB8-9C6B-D6C7DFDC589F}" vid="{4A3C46E8-61CC-4603-A589-7422A47A8E4A}"/>
+      <thm15:themeFamily xmlns:thm15="http://schemas.microsoft.com/office/thememl/2012/main" name="Office Theme" id="{62F939B6-93AF-4DB8-9C6B-D6C7DFDC589F}" vid="{4A3C46E8-61CC-4603-A589-7422A47A8E4A}"/>
     </a:ext>
   </a:extLst>
 </a:theme>
@@ -8303,11 +8337,9 @@
       </a:bgFillStyleLst>
     </a:fmtScheme>
   </a:themeElements>
-  <a:objectDefaults/>
-  <a:extraClrSchemeLst/>
   <a:extLst>
     <a:ext uri="{05A4C25C-085E-4340-85A3-A5531E510DB2}">
-      <thm15:themeFamily xmlns="" xmlns:thm15="http://schemas.microsoft.com/office/thememl/2012/main" name="Office Theme" id="{62F939B6-93AF-4DB8-9C6B-D6C7DFDC589F}" vid="{4A3C46E8-61CC-4603-A589-7422A47A8E4A}"/>
+      <thm15:themeFamily xmlns:thm15="http://schemas.microsoft.com/office/thememl/2012/main" name="Office Theme" id="{62F939B6-93AF-4DB8-9C6B-D6C7DFDC589F}" vid="{4A3C46E8-61CC-4603-A589-7422A47A8E4A}"/>
     </a:ext>
   </a:extLst>
 </a:theme>

--- a/课程PPT/23.JS标准内置对象-非构造器（JSON）.pptx
+++ b/课程PPT/23.JS标准内置对象-非构造器（JSON）.pptx
@@ -13,10 +13,11 @@
     <p:sldId id="1231" r:id="rId6"/>
     <p:sldId id="1237" r:id="rId7"/>
     <p:sldId id="1238" r:id="rId8"/>
-    <p:sldId id="1239" r:id="rId9"/>
-    <p:sldId id="1240" r:id="rId10"/>
-    <p:sldId id="1229" r:id="rId11"/>
-    <p:sldId id="1228" r:id="rId12"/>
+    <p:sldId id="1243" r:id="rId9"/>
+    <p:sldId id="1239" r:id="rId10"/>
+    <p:sldId id="1240" r:id="rId11"/>
+    <p:sldId id="1229" r:id="rId12"/>
+    <p:sldId id="1228" r:id="rId13"/>
   </p:sldIdLst>
   <p:sldSz cx="12192000" cy="6858000"/>
   <p:notesSz cx="6797675" cy="9928225"/>
@@ -920,6 +921,62 @@
 </file>
 
 <file path=ppt/notesSlides/notesSlide7.xml><?xml version="1.0" encoding="utf-8"?>
+<p:notes xmlns:a="http://schemas.openxmlformats.org/drawingml/2006/main" xmlns:r="http://schemas.openxmlformats.org/officeDocument/2006/relationships" xmlns:p="http://schemas.openxmlformats.org/presentationml/2006/main">
+  <p:cSld>
+    <p:spTree>
+      <p:nvGrpSpPr>
+        <p:cNvPr id="1" name=""/>
+        <p:cNvGrpSpPr/>
+        <p:nvPr/>
+      </p:nvGrpSpPr>
+      <p:grpSpPr>
+        <a:xfrm>
+          <a:off x="0" y="0"/>
+          <a:ext cx="0" cy="0"/>
+          <a:chOff x="0" y="0"/>
+          <a:chExt cx="0" cy="0"/>
+        </a:xfrm>
+      </p:grpSpPr>
+      <p:sp>
+        <p:nvSpPr>
+          <p:cNvPr id="2" name="幻灯片图像占位符 1"/>
+          <p:cNvSpPr>
+            <a:spLocks noGrp="1" noRot="1" noChangeAspect="1"/>
+          </p:cNvSpPr>
+          <p:nvPr>
+            <p:ph type="sldImg" idx="2"/>
+          </p:nvPr>
+        </p:nvSpPr>
+        <p:spPr/>
+      </p:sp>
+      <p:sp>
+        <p:nvSpPr>
+          <p:cNvPr id="3" name="文本占位符 2"/>
+          <p:cNvSpPr>
+            <a:spLocks noGrp="1"/>
+          </p:cNvSpPr>
+          <p:nvPr>
+            <p:ph type="body" idx="3"/>
+          </p:nvPr>
+        </p:nvSpPr>
+        <p:spPr/>
+        <p:txBody>
+          <a:bodyPr/>
+          <a:lstStyle/>
+          <a:p>
+            <a:endParaRPr lang="zh-CN" altLang="en-US"/>
+          </a:p>
+        </p:txBody>
+      </p:sp>
+    </p:spTree>
+  </p:cSld>
+  <p:clrMapOvr>
+    <a:masterClrMapping/>
+  </p:clrMapOvr>
+</p:notes>
+</file>
+
+<file path=ppt/notesSlides/notesSlide8.xml><?xml version="1.0" encoding="utf-8"?>
 <p:notes xmlns:a="http://schemas.openxmlformats.org/drawingml/2006/main" xmlns:r="http://schemas.openxmlformats.org/officeDocument/2006/relationships" xmlns:p="http://schemas.openxmlformats.org/presentationml/2006/main">
   <p:cSld>
     <p:spTree>
@@ -3357,6 +3414,210 @@
 </p:sld>
 </file>
 
+<file path=ppt/slides/slide10.xml><?xml version="1.0" encoding="utf-8"?>
+<p:sld xmlns:a="http://schemas.openxmlformats.org/drawingml/2006/main" xmlns:r="http://schemas.openxmlformats.org/officeDocument/2006/relationships" xmlns:p="http://schemas.openxmlformats.org/presentationml/2006/main">
+  <p:cSld>
+    <p:spTree>
+      <p:nvGrpSpPr>
+        <p:cNvPr id="1" name=""/>
+        <p:cNvGrpSpPr/>
+        <p:nvPr/>
+      </p:nvGrpSpPr>
+      <p:grpSpPr>
+        <a:xfrm>
+          <a:off x="0" y="0"/>
+          <a:ext cx="0" cy="0"/>
+          <a:chOff x="0" y="0"/>
+          <a:chExt cx="0" cy="0"/>
+        </a:xfrm>
+      </p:grpSpPr>
+      <p:pic>
+        <p:nvPicPr>
+          <p:cNvPr id="38914" name="Picture 5"/>
+          <p:cNvPicPr>
+            <a:picLocks noChangeAspect="1" noChangeArrowheads="1"/>
+          </p:cNvPicPr>
+          <p:nvPr/>
+        </p:nvPicPr>
+        <p:blipFill>
+          <a:blip r:embed="rId1">
+            <a:extLst>
+              <a:ext uri="{28A0092B-C50C-407E-A947-70E740481C1C}">
+                <a14:useLocalDpi xmlns:a14="http://schemas.microsoft.com/office/drawing/2010/main" val="0"/>
+              </a:ext>
+            </a:extLst>
+          </a:blip>
+          <a:srcRect/>
+          <a:stretch>
+            <a:fillRect/>
+          </a:stretch>
+        </p:blipFill>
+        <p:spPr bwMode="auto">
+          <a:xfrm>
+            <a:off x="0" y="0"/>
+            <a:ext cx="12192000" cy="6858000"/>
+          </a:xfrm>
+          <a:prstGeom prst="rect">
+            <a:avLst/>
+          </a:prstGeom>
+          <a:noFill/>
+          <a:ln>
+            <a:noFill/>
+          </a:ln>
+          <a:extLst>
+            <a:ext uri="{909E8E84-426E-40DD-AFC4-6F175D3DCCD1}">
+              <a14:hiddenFill xmlns:a14="http://schemas.microsoft.com/office/drawing/2010/main">
+                <a:solidFill>
+                  <a:srgbClr val="FFFFFF"/>
+                </a:solidFill>
+              </a14:hiddenFill>
+            </a:ext>
+            <a:ext uri="{91240B29-F687-4F45-9708-019B960494DF}">
+              <a14:hiddenLine xmlns:a14="http://schemas.microsoft.com/office/drawing/2010/main" w="9525">
+                <a:solidFill>
+                  <a:srgbClr val="000000"/>
+                </a:solidFill>
+                <a:miter lim="800000"/>
+                <a:headEnd/>
+                <a:tailEnd/>
+              </a14:hiddenLine>
+            </a:ext>
+          </a:extLst>
+        </p:spPr>
+      </p:pic>
+      <p:sp>
+        <p:nvSpPr>
+          <p:cNvPr id="38915" name="Rectangle 6"/>
+          <p:cNvSpPr>
+            <a:spLocks noGrp="1" noChangeArrowheads="1"/>
+          </p:cNvSpPr>
+          <p:nvPr>
+            <p:ph type="ctrTitle" idx="4294967295"/>
+          </p:nvPr>
+        </p:nvSpPr>
+        <p:spPr bwMode="auto">
+          <a:xfrm>
+            <a:off x="2547041" y="3068835"/>
+            <a:ext cx="7097918" cy="1285875"/>
+          </a:xfrm>
+          <a:prstGeom prst="rect">
+            <a:avLst/>
+          </a:prstGeom>
+          <a:noFill/>
+          <a:extLst>
+            <a:ext uri="{909E8E84-426E-40DD-AFC4-6F175D3DCCD1}">
+              <a14:hiddenFill xmlns:a14="http://schemas.microsoft.com/office/drawing/2010/main">
+                <a:solidFill>
+                  <a:srgbClr val="FFFFFF"/>
+                </a:solidFill>
+              </a14:hiddenFill>
+            </a:ext>
+            <a:ext uri="{91240B29-F687-4F45-9708-019B960494DF}">
+              <a14:hiddenLine xmlns:a14="http://schemas.microsoft.com/office/drawing/2010/main" w="9525">
+                <a:solidFill>
+                  <a:srgbClr val="000000"/>
+                </a:solidFill>
+                <a:miter lim="800000"/>
+                <a:headEnd/>
+                <a:tailEnd/>
+              </a14:hiddenLine>
+            </a:ext>
+          </a:extLst>
+        </p:spPr>
+        <p:txBody>
+          <a:bodyPr anchor="b"/>
+          <a:lstStyle/>
+          <a:p>
+            <a:pPr algn="ctr" eaLnBrk="1" hangingPunct="1"/>
+            <a:r>
+              <a:rPr kumimoji="0" lang="en-US" altLang="zh-CN" sz="5400" dirty="0"/>
+              <a:t>Thank </a:t>
+            </a:r>
+            <a:r>
+              <a:rPr kumimoji="0" lang="en-US" altLang="zh-CN" sz="5400" dirty="0">
+                <a:solidFill>
+                  <a:srgbClr val="FF0000"/>
+                </a:solidFill>
+              </a:rPr>
+              <a:t>You</a:t>
+            </a:r>
+            <a:r>
+              <a:rPr kumimoji="0" lang="zh-CN" altLang="en-US" sz="5400" dirty="0"/>
+              <a:t>！</a:t>
+            </a:r>
+            <a:endParaRPr kumimoji="0" lang="zh-CN" altLang="zh-CN" sz="5400" dirty="0"/>
+          </a:p>
+        </p:txBody>
+      </p:sp>
+      <p:pic>
+        <p:nvPicPr>
+          <p:cNvPr id="38916" name="图片 3" descr="软院logo横版.png"/>
+          <p:cNvPicPr>
+            <a:picLocks noChangeAspect="1"/>
+          </p:cNvPicPr>
+          <p:nvPr/>
+        </p:nvPicPr>
+        <p:blipFill>
+          <a:blip r:embed="rId2">
+            <a:extLst>
+              <a:ext uri="{28A0092B-C50C-407E-A947-70E740481C1C}">
+                <a14:useLocalDpi xmlns:a14="http://schemas.microsoft.com/office/drawing/2010/main" val="0"/>
+              </a:ext>
+            </a:extLst>
+          </a:blip>
+          <a:srcRect/>
+          <a:stretch>
+            <a:fillRect/>
+          </a:stretch>
+        </p:blipFill>
+        <p:spPr bwMode="auto">
+          <a:xfrm>
+            <a:off x="2062164" y="5927725"/>
+            <a:ext cx="3381375" cy="527050"/>
+          </a:xfrm>
+          <a:prstGeom prst="rect">
+            <a:avLst/>
+          </a:prstGeom>
+          <a:noFill/>
+          <a:ln>
+            <a:noFill/>
+          </a:ln>
+          <a:extLst>
+            <a:ext uri="{909E8E84-426E-40DD-AFC4-6F175D3DCCD1}">
+              <a14:hiddenFill xmlns:a14="http://schemas.microsoft.com/office/drawing/2010/main">
+                <a:solidFill>
+                  <a:srgbClr val="FFFFFF"/>
+                </a:solidFill>
+              </a14:hiddenFill>
+            </a:ext>
+            <a:ext uri="{91240B29-F687-4F45-9708-019B960494DF}">
+              <a14:hiddenLine xmlns:a14="http://schemas.microsoft.com/office/drawing/2010/main" w="9525">
+                <a:solidFill>
+                  <a:srgbClr val="000000"/>
+                </a:solidFill>
+                <a:miter lim="800000"/>
+                <a:headEnd/>
+                <a:tailEnd/>
+              </a14:hiddenLine>
+            </a:ext>
+          </a:extLst>
+        </p:spPr>
+      </p:pic>
+    </p:spTree>
+  </p:cSld>
+  <p:clrMapOvr>
+    <a:masterClrMapping/>
+  </p:clrMapOvr>
+  <p:timing>
+    <p:tnLst>
+      <p:par>
+        <p:cTn id="1" dur="indefinite" restart="never" nodeType="tmRoot"/>
+      </p:par>
+    </p:tnLst>
+  </p:timing>
+</p:sld>
+</file>
+
 <file path=ppt/slides/slide2.xml><?xml version="1.0" encoding="utf-8"?>
 <p:sld xmlns:a="http://schemas.openxmlformats.org/drawingml/2006/main" xmlns:r="http://schemas.openxmlformats.org/officeDocument/2006/relationships" xmlns:p="http://schemas.openxmlformats.org/presentationml/2006/main">
   <p:cSld>
@@ -3991,7 +4252,7 @@
                 </a:solidFill>
                 <a:sym typeface="+mn-ea"/>
               </a:rPr>
-              <a:t>等，都是来作为数据的载体）</a:t>
+              <a:t>等，也可作为数据的载体）</a:t>
             </a:r>
             <a:br>
               <a:rPr lang="zh-CN" sz="2000" dirty="0">
@@ -4008,7 +4269,7 @@
                 </a:solidFill>
                 <a:sym typeface="+mn-ea"/>
               </a:rPr>
-              <a:t>- </a:t>
+              <a:t>- JSON</a:t>
             </a:r>
             <a:r>
               <a:rPr lang="zh-CN" altLang="en-US" sz="2000" dirty="0">
@@ -4017,25 +4278,16 @@
                 </a:solidFill>
                 <a:sym typeface="+mn-ea"/>
               </a:rPr>
-              <a:t>基于 ECMAScrip</a:t>
-            </a:r>
-            <a:r>
-              <a:rPr lang="en-US" altLang="zh-CN" sz="2000" dirty="0">
+              <a:t>的</a:t>
+            </a:r>
+            <a:r>
+              <a:rPr lang="zh-CN" altLang="en-US" sz="2000" dirty="0">
                 <a:solidFill>
                   <a:schemeClr val="tx1"/>
                 </a:solidFill>
                 <a:sym typeface="+mn-ea"/>
               </a:rPr>
-              <a:t>t</a:t>
-            </a:r>
-            <a:r>
-              <a:rPr lang="zh-CN" altLang="en-US" sz="2000" dirty="0">
-                <a:solidFill>
-                  <a:schemeClr val="tx1"/>
-                </a:solidFill>
-                <a:sym typeface="+mn-ea"/>
-              </a:rPr>
-              <a:t>的一个子集，使用完全</a:t>
+              <a:t>使用完全</a:t>
             </a:r>
             <a:r>
               <a:rPr lang="zh-CN" altLang="en-US" sz="2000" dirty="0">
@@ -4356,7 +4608,7 @@
                   <a:srgbClr val="FF0000"/>
                 </a:solidFill>
               </a:rPr>
-              <a:t>Demo2 JSON</a:t>
+              <a:t>Demo02 JSON</a:t>
             </a:r>
             <a:r>
               <a:rPr lang="zh-CN" altLang="en-US" sz="2000">
@@ -6156,6 +6408,786 @@
       </p:grpSpPr>
       <p:sp>
         <p:nvSpPr>
+          <p:cNvPr id="2" name="内容占位符 1"/>
+          <p:cNvSpPr>
+            <a:spLocks noGrp="1"/>
+          </p:cNvSpPr>
+          <p:nvPr>
+            <p:ph sz="quarter" idx="10"/>
+          </p:nvPr>
+        </p:nvSpPr>
+        <p:spPr>
+          <a:xfrm>
+            <a:off x="927735" y="783590"/>
+            <a:ext cx="10781665" cy="5269230"/>
+          </a:xfrm>
+        </p:spPr>
+        <p:txBody>
+          <a:bodyPr/>
+          <a:lstStyle/>
+          <a:p>
+            <a:pPr>
+              <a:lnSpc>
+                <a:spcPct val="150000"/>
+              </a:lnSpc>
+            </a:pPr>
+            <a:r>
+              <a:rPr sz="3200" dirty="0">
+                <a:solidFill>
+                  <a:schemeClr val="tx1"/>
+                </a:solidFill>
+                <a:sym typeface="+mn-ea"/>
+              </a:rPr>
+              <a:t>JSON</a:t>
+            </a:r>
+            <a:r>
+              <a:rPr lang="en-US" sz="3200" dirty="0">
+                <a:solidFill>
+                  <a:schemeClr val="tx1"/>
+                </a:solidFill>
+                <a:sym typeface="+mn-ea"/>
+              </a:rPr>
+              <a:t>.stringify(value,replacer?,space?)</a:t>
+            </a:r>
+            <a:br>
+              <a:rPr sz="3200" dirty="0">
+                <a:solidFill>
+                  <a:schemeClr val="tx1"/>
+                </a:solidFill>
+                <a:sym typeface="+mn-ea"/>
+              </a:rPr>
+            </a:br>
+            <a:endParaRPr sz="3200" dirty="0">
+              <a:solidFill>
+                <a:schemeClr val="tx1"/>
+              </a:solidFill>
+              <a:sym typeface="+mn-ea"/>
+            </a:endParaRPr>
+          </a:p>
+          <a:p>
+            <a:pPr>
+              <a:lnSpc>
+                <a:spcPct val="150000"/>
+              </a:lnSpc>
+            </a:pPr>
+            <a:endParaRPr lang="zh-CN" altLang="en-US" sz="3200" dirty="0">
+              <a:solidFill>
+                <a:schemeClr val="tx1"/>
+              </a:solidFill>
+              <a:sym typeface="+mn-ea"/>
+            </a:endParaRPr>
+          </a:p>
+          <a:p>
+            <a:pPr>
+              <a:lnSpc>
+                <a:spcPct val="150000"/>
+              </a:lnSpc>
+            </a:pPr>
+            <a:r>
+              <a:rPr lang="en-US" altLang="zh-CN" sz="3200" dirty="0">
+                <a:solidFill>
+                  <a:schemeClr val="tx1"/>
+                </a:solidFill>
+                <a:sym typeface="+mn-ea"/>
+              </a:rPr>
+              <a:t>JSON.parse(text,reviver?)</a:t>
+            </a:r>
+            <a:br>
+              <a:rPr lang="zh-CN" altLang="en-US" sz="3200" dirty="0">
+                <a:solidFill>
+                  <a:schemeClr val="tx1"/>
+                </a:solidFill>
+                <a:sym typeface="+mn-ea"/>
+              </a:rPr>
+            </a:br>
+            <a:br>
+              <a:rPr lang="en-US" altLang="zh-CN" sz="2000" dirty="0">
+                <a:solidFill>
+                  <a:schemeClr val="tx1"/>
+                </a:solidFill>
+                <a:sym typeface="+mn-ea"/>
+              </a:rPr>
+            </a:br>
+            <a:endParaRPr lang="zh-CN" altLang="en-US" sz="2000" dirty="0">
+              <a:solidFill>
+                <a:schemeClr val="tx1"/>
+              </a:solidFill>
+              <a:sym typeface="+mn-ea"/>
+            </a:endParaRPr>
+          </a:p>
+          <a:p>
+            <a:pPr marL="0" indent="0">
+              <a:lnSpc>
+                <a:spcPct val="160000"/>
+              </a:lnSpc>
+              <a:buNone/>
+            </a:pPr>
+            <a:endParaRPr lang="en-US" altLang="zh-CN" sz="1800" dirty="0">
+              <a:solidFill>
+                <a:schemeClr val="tx1"/>
+              </a:solidFill>
+              <a:sym typeface="+mn-ea"/>
+            </a:endParaRPr>
+          </a:p>
+        </p:txBody>
+      </p:sp>
+      <p:sp>
+        <p:nvSpPr>
+          <p:cNvPr id="3" name="内容占位符 2"/>
+          <p:cNvSpPr>
+            <a:spLocks noGrp="1"/>
+          </p:cNvSpPr>
+          <p:nvPr>
+            <p:ph sz="quarter" idx="11"/>
+          </p:nvPr>
+        </p:nvSpPr>
+        <p:spPr/>
+        <p:txBody>
+          <a:bodyPr/>
+          <a:lstStyle/>
+          <a:p>
+            <a:r>
+              <a:rPr lang="en-US" dirty="0"/>
+              <a:t>JSON</a:t>
+            </a:r>
+            <a:r>
+              <a:rPr lang="zh-CN" altLang="en-US" dirty="0"/>
+              <a:t>对象方法</a:t>
+            </a:r>
+            <a:endParaRPr lang="zh-CN" altLang="en-US" dirty="0"/>
+          </a:p>
+        </p:txBody>
+      </p:sp>
+      <p:sp>
+        <p:nvSpPr>
+          <p:cNvPr id="6" name="文本框 5"/>
+          <p:cNvSpPr txBox="1"/>
+          <p:nvPr/>
+        </p:nvSpPr>
+        <p:spPr>
+          <a:xfrm>
+            <a:off x="5575300" y="6196330"/>
+            <a:ext cx="5033010" cy="398780"/>
+          </a:xfrm>
+          <a:prstGeom prst="rect">
+            <a:avLst/>
+          </a:prstGeom>
+          <a:noFill/>
+        </p:spPr>
+        <p:txBody>
+          <a:bodyPr wrap="square" rtlCol="0">
+            <a:spAutoFit/>
+          </a:bodyPr>
+          <a:lstStyle/>
+          <a:p>
+            <a:r>
+              <a:rPr lang="zh-CN" altLang="en-US" sz="2000">
+                <a:solidFill>
+                  <a:srgbClr val="FF0000"/>
+                </a:solidFill>
+              </a:rPr>
+              <a:t>参见实例</a:t>
+            </a:r>
+            <a:r>
+              <a:rPr lang="en-US" altLang="zh-CN" sz="2000">
+                <a:solidFill>
+                  <a:srgbClr val="FF0000"/>
+                </a:solidFill>
+              </a:rPr>
+              <a:t>Demo3 JSON</a:t>
+            </a:r>
+            <a:r>
+              <a:rPr lang="zh-CN" altLang="en-US" sz="2000">
+                <a:solidFill>
+                  <a:srgbClr val="FF0000"/>
+                </a:solidFill>
+              </a:rPr>
+              <a:t>对象方法</a:t>
+            </a:r>
+            <a:r>
+              <a:rPr lang="en-US" altLang="zh-CN" sz="2000">
+                <a:solidFill>
+                  <a:srgbClr val="FF0000"/>
+                </a:solidFill>
+              </a:rPr>
+              <a:t> </a:t>
+            </a:r>
+            <a:r>
+              <a:rPr lang="zh-CN" altLang="en-US" sz="2000">
+                <a:solidFill>
+                  <a:srgbClr val="FF0000"/>
+                </a:solidFill>
+              </a:rPr>
+              <a:t> </a:t>
+            </a:r>
+            <a:endParaRPr lang="en-US" altLang="zh-CN" sz="2000">
+              <a:solidFill>
+                <a:srgbClr val="FF0000"/>
+              </a:solidFill>
+            </a:endParaRPr>
+          </a:p>
+        </p:txBody>
+      </p:sp>
+      <p:pic>
+        <p:nvPicPr>
+          <p:cNvPr id="4" name="图片 3"/>
+          <p:cNvPicPr>
+            <a:picLocks noChangeAspect="1"/>
+          </p:cNvPicPr>
+          <p:nvPr/>
+        </p:nvPicPr>
+        <p:blipFill>
+          <a:blip r:embed="rId1"/>
+          <a:stretch>
+            <a:fillRect/>
+          </a:stretch>
+        </p:blipFill>
+        <p:spPr>
+          <a:xfrm>
+            <a:off x="1162685" y="1713865"/>
+            <a:ext cx="9244965" cy="1470660"/>
+          </a:xfrm>
+          <a:prstGeom prst="rect">
+            <a:avLst/>
+          </a:prstGeom>
+        </p:spPr>
+      </p:pic>
+      <p:pic>
+        <p:nvPicPr>
+          <p:cNvPr id="5" name="图片 4"/>
+          <p:cNvPicPr>
+            <a:picLocks noChangeAspect="1"/>
+          </p:cNvPicPr>
+          <p:nvPr/>
+        </p:nvPicPr>
+        <p:blipFill>
+          <a:blip r:embed="rId2"/>
+          <a:stretch>
+            <a:fillRect/>
+          </a:stretch>
+        </p:blipFill>
+        <p:spPr>
+          <a:xfrm>
+            <a:off x="1162685" y="4126230"/>
+            <a:ext cx="10454640" cy="1355090"/>
+          </a:xfrm>
+          <a:prstGeom prst="rect">
+            <a:avLst/>
+          </a:prstGeom>
+        </p:spPr>
+      </p:pic>
+    </p:spTree>
+  </p:cSld>
+  <p:clrMapOvr>
+    <a:masterClrMapping/>
+  </p:clrMapOvr>
+  <p:timing>
+    <p:tnLst>
+      <p:par>
+        <p:cTn id="1" dur="indefinite" restart="never" nodeType="tmRoot">
+          <p:childTnLst>
+            <p:seq concurrent="1" nextAc="seek">
+              <p:cTn id="2" dur="indefinite" nodeType="mainSeq">
+                <p:childTnLst>
+                  <p:par>
+                    <p:cTn id="3" fill="hold">
+                      <p:stCondLst>
+                        <p:cond delay="indefinite"/>
+                      </p:stCondLst>
+                      <p:childTnLst>
+                        <p:par>
+                          <p:cTn id="4" fill="hold">
+                            <p:stCondLst>
+                              <p:cond delay="0"/>
+                            </p:stCondLst>
+                            <p:childTnLst>
+                              <p:par>
+                                <p:cTn id="5" presetID="2" presetClass="entr" presetSubtype="4" fill="hold" nodeType="clickEffect">
+                                  <p:stCondLst>
+                                    <p:cond delay="0"/>
+                                  </p:stCondLst>
+                                  <p:childTnLst>
+                                    <p:set>
+                                      <p:cBhvr>
+                                        <p:cTn id="6" dur="1" fill="hold">
+                                          <p:stCondLst>
+                                            <p:cond delay="0"/>
+                                          </p:stCondLst>
+                                        </p:cTn>
+                                        <p:tgtEl>
+                                          <p:spTgt spid="2">
+                                            <p:txEl>
+                                              <p:pRg st="0" end="0"/>
+                                            </p:txEl>
+                                          </p:spTgt>
+                                        </p:tgtEl>
+                                        <p:attrNameLst>
+                                          <p:attrName>style.visibility</p:attrName>
+                                        </p:attrNameLst>
+                                      </p:cBhvr>
+                                      <p:to>
+                                        <p:strVal val="visible"/>
+                                      </p:to>
+                                    </p:set>
+                                    <p:anim calcmode="lin" valueType="num">
+                                      <p:cBhvr additive="base">
+                                        <p:cTn id="7" dur="500" fill="hold"/>
+                                        <p:tgtEl>
+                                          <p:spTgt spid="2">
+                                            <p:txEl>
+                                              <p:pRg st="0" end="0"/>
+                                            </p:txEl>
+                                          </p:spTgt>
+                                        </p:tgtEl>
+                                        <p:attrNameLst>
+                                          <p:attrName>ppt_x</p:attrName>
+                                        </p:attrNameLst>
+                                      </p:cBhvr>
+                                      <p:tavLst>
+                                        <p:tav tm="0">
+                                          <p:val>
+                                            <p:strVal val="#ppt_x"/>
+                                          </p:val>
+                                        </p:tav>
+                                        <p:tav tm="100000">
+                                          <p:val>
+                                            <p:strVal val="#ppt_x"/>
+                                          </p:val>
+                                        </p:tav>
+                                      </p:tavLst>
+                                    </p:anim>
+                                    <p:anim calcmode="lin" valueType="num">
+                                      <p:cBhvr additive="base">
+                                        <p:cTn id="8" dur="500" fill="hold"/>
+                                        <p:tgtEl>
+                                          <p:spTgt spid="2">
+                                            <p:txEl>
+                                              <p:pRg st="0" end="0"/>
+                                            </p:txEl>
+                                          </p:spTgt>
+                                        </p:tgtEl>
+                                        <p:attrNameLst>
+                                          <p:attrName>ppt_y</p:attrName>
+                                        </p:attrNameLst>
+                                      </p:cBhvr>
+                                      <p:tavLst>
+                                        <p:tav tm="0">
+                                          <p:val>
+                                            <p:strVal val="1+#ppt_h/2"/>
+                                          </p:val>
+                                        </p:tav>
+                                        <p:tav tm="100000">
+                                          <p:val>
+                                            <p:strVal val="#ppt_y"/>
+                                          </p:val>
+                                        </p:tav>
+                                      </p:tavLst>
+                                    </p:anim>
+                                  </p:childTnLst>
+                                </p:cTn>
+                              </p:par>
+                            </p:childTnLst>
+                          </p:cTn>
+                        </p:par>
+                        <p:par>
+                          <p:cTn id="9" fill="hold">
+                            <p:stCondLst>
+                              <p:cond delay="500"/>
+                            </p:stCondLst>
+                            <p:childTnLst>
+                              <p:par>
+                                <p:cTn id="10" presetID="2" presetClass="entr" presetSubtype="4" fill="hold" nodeType="afterEffect">
+                                  <p:stCondLst>
+                                    <p:cond delay="0"/>
+                                  </p:stCondLst>
+                                  <p:childTnLst>
+                                    <p:set>
+                                      <p:cBhvr>
+                                        <p:cTn id="11" dur="1" fill="hold">
+                                          <p:stCondLst>
+                                            <p:cond delay="0"/>
+                                          </p:stCondLst>
+                                        </p:cTn>
+                                        <p:tgtEl>
+                                          <p:spTgt spid="4"/>
+                                        </p:tgtEl>
+                                        <p:attrNameLst>
+                                          <p:attrName>style.visibility</p:attrName>
+                                        </p:attrNameLst>
+                                      </p:cBhvr>
+                                      <p:to>
+                                        <p:strVal val="visible"/>
+                                      </p:to>
+                                    </p:set>
+                                    <p:anim calcmode="lin" valueType="num">
+                                      <p:cBhvr additive="base">
+                                        <p:cTn id="12" dur="500" fill="hold"/>
+                                        <p:tgtEl>
+                                          <p:spTgt spid="4"/>
+                                        </p:tgtEl>
+                                        <p:attrNameLst>
+                                          <p:attrName>ppt_x</p:attrName>
+                                        </p:attrNameLst>
+                                      </p:cBhvr>
+                                      <p:tavLst>
+                                        <p:tav tm="0">
+                                          <p:val>
+                                            <p:strVal val="#ppt_x"/>
+                                          </p:val>
+                                        </p:tav>
+                                        <p:tav tm="100000">
+                                          <p:val>
+                                            <p:strVal val="#ppt_x"/>
+                                          </p:val>
+                                        </p:tav>
+                                      </p:tavLst>
+                                    </p:anim>
+                                    <p:anim calcmode="lin" valueType="num">
+                                      <p:cBhvr additive="base">
+                                        <p:cTn id="13" dur="500" fill="hold"/>
+                                        <p:tgtEl>
+                                          <p:spTgt spid="4"/>
+                                        </p:tgtEl>
+                                        <p:attrNameLst>
+                                          <p:attrName>ppt_y</p:attrName>
+                                        </p:attrNameLst>
+                                      </p:cBhvr>
+                                      <p:tavLst>
+                                        <p:tav tm="0">
+                                          <p:val>
+                                            <p:strVal val="1+#ppt_h/2"/>
+                                          </p:val>
+                                        </p:tav>
+                                        <p:tav tm="100000">
+                                          <p:val>
+                                            <p:strVal val="#ppt_y"/>
+                                          </p:val>
+                                        </p:tav>
+                                      </p:tavLst>
+                                    </p:anim>
+                                  </p:childTnLst>
+                                </p:cTn>
+                              </p:par>
+                            </p:childTnLst>
+                          </p:cTn>
+                        </p:par>
+                      </p:childTnLst>
+                    </p:cTn>
+                  </p:par>
+                  <p:par>
+                    <p:cTn id="14" fill="hold">
+                      <p:stCondLst>
+                        <p:cond delay="indefinite"/>
+                      </p:stCondLst>
+                      <p:childTnLst>
+                        <p:par>
+                          <p:cTn id="15" fill="hold">
+                            <p:stCondLst>
+                              <p:cond delay="0"/>
+                            </p:stCondLst>
+                            <p:childTnLst>
+                              <p:par>
+                                <p:cTn id="16" presetID="2" presetClass="entr" presetSubtype="4" fill="hold" nodeType="clickEffect">
+                                  <p:stCondLst>
+                                    <p:cond delay="0"/>
+                                  </p:stCondLst>
+                                  <p:childTnLst>
+                                    <p:set>
+                                      <p:cBhvr>
+                                        <p:cTn id="17" dur="1" fill="hold">
+                                          <p:stCondLst>
+                                            <p:cond delay="0"/>
+                                          </p:stCondLst>
+                                        </p:cTn>
+                                        <p:tgtEl>
+                                          <p:spTgt spid="2">
+                                            <p:txEl>
+                                              <p:pRg st="2" end="2"/>
+                                            </p:txEl>
+                                          </p:spTgt>
+                                        </p:tgtEl>
+                                        <p:attrNameLst>
+                                          <p:attrName>style.visibility</p:attrName>
+                                        </p:attrNameLst>
+                                      </p:cBhvr>
+                                      <p:to>
+                                        <p:strVal val="visible"/>
+                                      </p:to>
+                                    </p:set>
+                                    <p:anim calcmode="lin" valueType="num">
+                                      <p:cBhvr additive="base">
+                                        <p:cTn id="18" dur="500" fill="hold"/>
+                                        <p:tgtEl>
+                                          <p:spTgt spid="2">
+                                            <p:txEl>
+                                              <p:pRg st="2" end="2"/>
+                                            </p:txEl>
+                                          </p:spTgt>
+                                        </p:tgtEl>
+                                        <p:attrNameLst>
+                                          <p:attrName>ppt_x</p:attrName>
+                                        </p:attrNameLst>
+                                      </p:cBhvr>
+                                      <p:tavLst>
+                                        <p:tav tm="0">
+                                          <p:val>
+                                            <p:strVal val="#ppt_x"/>
+                                          </p:val>
+                                        </p:tav>
+                                        <p:tav tm="100000">
+                                          <p:val>
+                                            <p:strVal val="#ppt_x"/>
+                                          </p:val>
+                                        </p:tav>
+                                      </p:tavLst>
+                                    </p:anim>
+                                    <p:anim calcmode="lin" valueType="num">
+                                      <p:cBhvr additive="base">
+                                        <p:cTn id="19" dur="500" fill="hold"/>
+                                        <p:tgtEl>
+                                          <p:spTgt spid="2">
+                                            <p:txEl>
+                                              <p:pRg st="2" end="2"/>
+                                            </p:txEl>
+                                          </p:spTgt>
+                                        </p:tgtEl>
+                                        <p:attrNameLst>
+                                          <p:attrName>ppt_y</p:attrName>
+                                        </p:attrNameLst>
+                                      </p:cBhvr>
+                                      <p:tavLst>
+                                        <p:tav tm="0">
+                                          <p:val>
+                                            <p:strVal val="1+#ppt_h/2"/>
+                                          </p:val>
+                                        </p:tav>
+                                        <p:tav tm="100000">
+                                          <p:val>
+                                            <p:strVal val="#ppt_y"/>
+                                          </p:val>
+                                        </p:tav>
+                                      </p:tavLst>
+                                    </p:anim>
+                                  </p:childTnLst>
+                                </p:cTn>
+                              </p:par>
+                            </p:childTnLst>
+                          </p:cTn>
+                        </p:par>
+                        <p:par>
+                          <p:cTn id="20" fill="hold">
+                            <p:stCondLst>
+                              <p:cond delay="500"/>
+                            </p:stCondLst>
+                            <p:childTnLst>
+                              <p:par>
+                                <p:cTn id="21" presetID="2" presetClass="entr" presetSubtype="4" fill="hold" nodeType="afterEffect">
+                                  <p:stCondLst>
+                                    <p:cond delay="0"/>
+                                  </p:stCondLst>
+                                  <p:childTnLst>
+                                    <p:set>
+                                      <p:cBhvr>
+                                        <p:cTn id="22" dur="1" fill="hold">
+                                          <p:stCondLst>
+                                            <p:cond delay="0"/>
+                                          </p:stCondLst>
+                                        </p:cTn>
+                                        <p:tgtEl>
+                                          <p:spTgt spid="5"/>
+                                        </p:tgtEl>
+                                        <p:attrNameLst>
+                                          <p:attrName>style.visibility</p:attrName>
+                                        </p:attrNameLst>
+                                      </p:cBhvr>
+                                      <p:to>
+                                        <p:strVal val="visible"/>
+                                      </p:to>
+                                    </p:set>
+                                    <p:anim calcmode="lin" valueType="num">
+                                      <p:cBhvr additive="base">
+                                        <p:cTn id="23" dur="500" fill="hold"/>
+                                        <p:tgtEl>
+                                          <p:spTgt spid="5"/>
+                                        </p:tgtEl>
+                                        <p:attrNameLst>
+                                          <p:attrName>ppt_x</p:attrName>
+                                        </p:attrNameLst>
+                                      </p:cBhvr>
+                                      <p:tavLst>
+                                        <p:tav tm="0">
+                                          <p:val>
+                                            <p:strVal val="#ppt_x"/>
+                                          </p:val>
+                                        </p:tav>
+                                        <p:tav tm="100000">
+                                          <p:val>
+                                            <p:strVal val="#ppt_x"/>
+                                          </p:val>
+                                        </p:tav>
+                                      </p:tavLst>
+                                    </p:anim>
+                                    <p:anim calcmode="lin" valueType="num">
+                                      <p:cBhvr additive="base">
+                                        <p:cTn id="24" dur="500" fill="hold"/>
+                                        <p:tgtEl>
+                                          <p:spTgt spid="5"/>
+                                        </p:tgtEl>
+                                        <p:attrNameLst>
+                                          <p:attrName>ppt_y</p:attrName>
+                                        </p:attrNameLst>
+                                      </p:cBhvr>
+                                      <p:tavLst>
+                                        <p:tav tm="0">
+                                          <p:val>
+                                            <p:strVal val="1+#ppt_h/2"/>
+                                          </p:val>
+                                        </p:tav>
+                                        <p:tav tm="100000">
+                                          <p:val>
+                                            <p:strVal val="#ppt_y"/>
+                                          </p:val>
+                                        </p:tav>
+                                      </p:tavLst>
+                                    </p:anim>
+                                  </p:childTnLst>
+                                </p:cTn>
+                              </p:par>
+                            </p:childTnLst>
+                          </p:cTn>
+                        </p:par>
+                        <p:par>
+                          <p:cTn id="25" fill="hold">
+                            <p:stCondLst>
+                              <p:cond delay="1000"/>
+                            </p:stCondLst>
+                            <p:childTnLst>
+                              <p:par>
+                                <p:cTn id="26" presetID="2" presetClass="entr" presetSubtype="4" fill="hold" grpId="0" nodeType="afterEffect">
+                                  <p:stCondLst>
+                                    <p:cond delay="0"/>
+                                  </p:stCondLst>
+                                  <p:childTnLst>
+                                    <p:set>
+                                      <p:cBhvr>
+                                        <p:cTn id="27" dur="1" fill="hold">
+                                          <p:stCondLst>
+                                            <p:cond delay="0"/>
+                                          </p:stCondLst>
+                                        </p:cTn>
+                                        <p:tgtEl>
+                                          <p:spTgt spid="6"/>
+                                        </p:tgtEl>
+                                        <p:attrNameLst>
+                                          <p:attrName>style.visibility</p:attrName>
+                                        </p:attrNameLst>
+                                      </p:cBhvr>
+                                      <p:to>
+                                        <p:strVal val="visible"/>
+                                      </p:to>
+                                    </p:set>
+                                    <p:anim calcmode="lin" valueType="num">
+                                      <p:cBhvr additive="base">
+                                        <p:cTn id="28" dur="500" fill="hold"/>
+                                        <p:tgtEl>
+                                          <p:spTgt spid="6"/>
+                                        </p:tgtEl>
+                                        <p:attrNameLst>
+                                          <p:attrName>ppt_x</p:attrName>
+                                        </p:attrNameLst>
+                                      </p:cBhvr>
+                                      <p:tavLst>
+                                        <p:tav tm="0">
+                                          <p:val>
+                                            <p:strVal val="#ppt_x"/>
+                                          </p:val>
+                                        </p:tav>
+                                        <p:tav tm="100000">
+                                          <p:val>
+                                            <p:strVal val="#ppt_x"/>
+                                          </p:val>
+                                        </p:tav>
+                                      </p:tavLst>
+                                    </p:anim>
+                                    <p:anim calcmode="lin" valueType="num">
+                                      <p:cBhvr additive="base">
+                                        <p:cTn id="29" dur="500" fill="hold"/>
+                                        <p:tgtEl>
+                                          <p:spTgt spid="6"/>
+                                        </p:tgtEl>
+                                        <p:attrNameLst>
+                                          <p:attrName>ppt_y</p:attrName>
+                                        </p:attrNameLst>
+                                      </p:cBhvr>
+                                      <p:tavLst>
+                                        <p:tav tm="0">
+                                          <p:val>
+                                            <p:strVal val="1+#ppt_h/2"/>
+                                          </p:val>
+                                        </p:tav>
+                                        <p:tav tm="100000">
+                                          <p:val>
+                                            <p:strVal val="#ppt_y"/>
+                                          </p:val>
+                                        </p:tav>
+                                      </p:tavLst>
+                                    </p:anim>
+                                  </p:childTnLst>
+                                </p:cTn>
+                              </p:par>
+                            </p:childTnLst>
+                          </p:cTn>
+                        </p:par>
+                      </p:childTnLst>
+                    </p:cTn>
+                  </p:par>
+                </p:childTnLst>
+              </p:cTn>
+              <p:prevCondLst>
+                <p:cond evt="onPrev" delay="0">
+                  <p:tgtEl>
+                    <p:sldTgt/>
+                  </p:tgtEl>
+                </p:cond>
+              </p:prevCondLst>
+              <p:nextCondLst>
+                <p:cond evt="onNext" delay="0">
+                  <p:tgtEl>
+                    <p:sldTgt/>
+                  </p:tgtEl>
+                </p:cond>
+              </p:nextCondLst>
+            </p:seq>
+          </p:childTnLst>
+        </p:cTn>
+      </p:par>
+    </p:tnLst>
+    <p:bldLst>
+      <p:bldP spid="6" grpId="0"/>
+    </p:bldLst>
+  </p:timing>
+</p:sld>
+</file>
+
+<file path=ppt/slides/slide7.xml><?xml version="1.0" encoding="utf-8"?>
+<p:sld xmlns:a="http://schemas.openxmlformats.org/drawingml/2006/main" xmlns:r="http://schemas.openxmlformats.org/officeDocument/2006/relationships" xmlns:p="http://schemas.openxmlformats.org/presentationml/2006/main">
+  <p:cSld>
+    <p:spTree>
+      <p:nvGrpSpPr>
+        <p:cNvPr id="1" name=""/>
+        <p:cNvGrpSpPr/>
+        <p:nvPr/>
+      </p:nvGrpSpPr>
+      <p:grpSpPr>
+        <a:xfrm>
+          <a:off x="0" y="0"/>
+          <a:ext cx="0" cy="0"/>
+          <a:chOff x="0" y="0"/>
+          <a:chExt cx="0" cy="0"/>
+        </a:xfrm>
+      </p:grpSpPr>
+      <p:sp>
+        <p:nvSpPr>
           <p:cNvPr id="5123" name="AutoShape 6"/>
           <p:cNvSpPr>
             <a:spLocks noChangeArrowheads="1"/>
@@ -6660,7 +7692,7 @@
 </p:sld>
 </file>
 
-<file path=ppt/slides/slide7.xml><?xml version="1.0" encoding="utf-8"?>
+<file path=ppt/slides/slide8.xml><?xml version="1.0" encoding="utf-8"?>
 <p:sld xmlns:a="http://schemas.openxmlformats.org/drawingml/2006/main" xmlns:r="http://schemas.openxmlformats.org/officeDocument/2006/relationships" xmlns:p="http://schemas.openxmlformats.org/presentationml/2006/main">
   <p:cSld>
     <p:spTree>
@@ -7321,7 +8353,7 @@
 </p:sld>
 </file>
 
-<file path=ppt/slides/slide8.xml><?xml version="1.0" encoding="utf-8"?>
+<file path=ppt/slides/slide9.xml><?xml version="1.0" encoding="utf-8"?>
 <p:sld xmlns:a="http://schemas.openxmlformats.org/drawingml/2006/main" xmlns:r="http://schemas.openxmlformats.org/officeDocument/2006/relationships" xmlns:p="http://schemas.openxmlformats.org/presentationml/2006/main">
   <p:cSld>
     <p:spTree>
@@ -7498,210 +8530,6 @@
           </a:p>
         </p:txBody>
       </p:sp>
-    </p:spTree>
-  </p:cSld>
-  <p:clrMapOvr>
-    <a:masterClrMapping/>
-  </p:clrMapOvr>
-  <p:timing>
-    <p:tnLst>
-      <p:par>
-        <p:cTn id="1" dur="indefinite" restart="never" nodeType="tmRoot"/>
-      </p:par>
-    </p:tnLst>
-  </p:timing>
-</p:sld>
-</file>
-
-<file path=ppt/slides/slide9.xml><?xml version="1.0" encoding="utf-8"?>
-<p:sld xmlns:a="http://schemas.openxmlformats.org/drawingml/2006/main" xmlns:r="http://schemas.openxmlformats.org/officeDocument/2006/relationships" xmlns:p="http://schemas.openxmlformats.org/presentationml/2006/main">
-  <p:cSld>
-    <p:spTree>
-      <p:nvGrpSpPr>
-        <p:cNvPr id="1" name=""/>
-        <p:cNvGrpSpPr/>
-        <p:nvPr/>
-      </p:nvGrpSpPr>
-      <p:grpSpPr>
-        <a:xfrm>
-          <a:off x="0" y="0"/>
-          <a:ext cx="0" cy="0"/>
-          <a:chOff x="0" y="0"/>
-          <a:chExt cx="0" cy="0"/>
-        </a:xfrm>
-      </p:grpSpPr>
-      <p:pic>
-        <p:nvPicPr>
-          <p:cNvPr id="38914" name="Picture 5"/>
-          <p:cNvPicPr>
-            <a:picLocks noChangeAspect="1" noChangeArrowheads="1"/>
-          </p:cNvPicPr>
-          <p:nvPr/>
-        </p:nvPicPr>
-        <p:blipFill>
-          <a:blip r:embed="rId1">
-            <a:extLst>
-              <a:ext uri="{28A0092B-C50C-407E-A947-70E740481C1C}">
-                <a14:useLocalDpi xmlns:a14="http://schemas.microsoft.com/office/drawing/2010/main" val="0"/>
-              </a:ext>
-            </a:extLst>
-          </a:blip>
-          <a:srcRect/>
-          <a:stretch>
-            <a:fillRect/>
-          </a:stretch>
-        </p:blipFill>
-        <p:spPr bwMode="auto">
-          <a:xfrm>
-            <a:off x="0" y="0"/>
-            <a:ext cx="12192000" cy="6858000"/>
-          </a:xfrm>
-          <a:prstGeom prst="rect">
-            <a:avLst/>
-          </a:prstGeom>
-          <a:noFill/>
-          <a:ln>
-            <a:noFill/>
-          </a:ln>
-          <a:extLst>
-            <a:ext uri="{909E8E84-426E-40DD-AFC4-6F175D3DCCD1}">
-              <a14:hiddenFill xmlns:a14="http://schemas.microsoft.com/office/drawing/2010/main">
-                <a:solidFill>
-                  <a:srgbClr val="FFFFFF"/>
-                </a:solidFill>
-              </a14:hiddenFill>
-            </a:ext>
-            <a:ext uri="{91240B29-F687-4F45-9708-019B960494DF}">
-              <a14:hiddenLine xmlns:a14="http://schemas.microsoft.com/office/drawing/2010/main" w="9525">
-                <a:solidFill>
-                  <a:srgbClr val="000000"/>
-                </a:solidFill>
-                <a:miter lim="800000"/>
-                <a:headEnd/>
-                <a:tailEnd/>
-              </a14:hiddenLine>
-            </a:ext>
-          </a:extLst>
-        </p:spPr>
-      </p:pic>
-      <p:sp>
-        <p:nvSpPr>
-          <p:cNvPr id="38915" name="Rectangle 6"/>
-          <p:cNvSpPr>
-            <a:spLocks noGrp="1" noChangeArrowheads="1"/>
-          </p:cNvSpPr>
-          <p:nvPr>
-            <p:ph type="ctrTitle" idx="4294967295"/>
-          </p:nvPr>
-        </p:nvSpPr>
-        <p:spPr bwMode="auto">
-          <a:xfrm>
-            <a:off x="2547041" y="3068835"/>
-            <a:ext cx="7097918" cy="1285875"/>
-          </a:xfrm>
-          <a:prstGeom prst="rect">
-            <a:avLst/>
-          </a:prstGeom>
-          <a:noFill/>
-          <a:extLst>
-            <a:ext uri="{909E8E84-426E-40DD-AFC4-6F175D3DCCD1}">
-              <a14:hiddenFill xmlns:a14="http://schemas.microsoft.com/office/drawing/2010/main">
-                <a:solidFill>
-                  <a:srgbClr val="FFFFFF"/>
-                </a:solidFill>
-              </a14:hiddenFill>
-            </a:ext>
-            <a:ext uri="{91240B29-F687-4F45-9708-019B960494DF}">
-              <a14:hiddenLine xmlns:a14="http://schemas.microsoft.com/office/drawing/2010/main" w="9525">
-                <a:solidFill>
-                  <a:srgbClr val="000000"/>
-                </a:solidFill>
-                <a:miter lim="800000"/>
-                <a:headEnd/>
-                <a:tailEnd/>
-              </a14:hiddenLine>
-            </a:ext>
-          </a:extLst>
-        </p:spPr>
-        <p:txBody>
-          <a:bodyPr anchor="b"/>
-          <a:lstStyle/>
-          <a:p>
-            <a:pPr algn="ctr" eaLnBrk="1" hangingPunct="1"/>
-            <a:r>
-              <a:rPr kumimoji="0" lang="en-US" altLang="zh-CN" sz="5400" dirty="0"/>
-              <a:t>Thank </a:t>
-            </a:r>
-            <a:r>
-              <a:rPr kumimoji="0" lang="en-US" altLang="zh-CN" sz="5400" dirty="0">
-                <a:solidFill>
-                  <a:srgbClr val="FF0000"/>
-                </a:solidFill>
-              </a:rPr>
-              <a:t>You</a:t>
-            </a:r>
-            <a:r>
-              <a:rPr kumimoji="0" lang="zh-CN" altLang="en-US" sz="5400" dirty="0"/>
-              <a:t>！</a:t>
-            </a:r>
-            <a:endParaRPr kumimoji="0" lang="zh-CN" altLang="zh-CN" sz="5400" dirty="0"/>
-          </a:p>
-        </p:txBody>
-      </p:sp>
-      <p:pic>
-        <p:nvPicPr>
-          <p:cNvPr id="38916" name="图片 3" descr="软院logo横版.png"/>
-          <p:cNvPicPr>
-            <a:picLocks noChangeAspect="1"/>
-          </p:cNvPicPr>
-          <p:nvPr/>
-        </p:nvPicPr>
-        <p:blipFill>
-          <a:blip r:embed="rId2">
-            <a:extLst>
-              <a:ext uri="{28A0092B-C50C-407E-A947-70E740481C1C}">
-                <a14:useLocalDpi xmlns:a14="http://schemas.microsoft.com/office/drawing/2010/main" val="0"/>
-              </a:ext>
-            </a:extLst>
-          </a:blip>
-          <a:srcRect/>
-          <a:stretch>
-            <a:fillRect/>
-          </a:stretch>
-        </p:blipFill>
-        <p:spPr bwMode="auto">
-          <a:xfrm>
-            <a:off x="2062164" y="5927725"/>
-            <a:ext cx="3381375" cy="527050"/>
-          </a:xfrm>
-          <a:prstGeom prst="rect">
-            <a:avLst/>
-          </a:prstGeom>
-          <a:noFill/>
-          <a:ln>
-            <a:noFill/>
-          </a:ln>
-          <a:extLst>
-            <a:ext uri="{909E8E84-426E-40DD-AFC4-6F175D3DCCD1}">
-              <a14:hiddenFill xmlns:a14="http://schemas.microsoft.com/office/drawing/2010/main">
-                <a:solidFill>
-                  <a:srgbClr val="FFFFFF"/>
-                </a:solidFill>
-              </a14:hiddenFill>
-            </a:ext>
-            <a:ext uri="{91240B29-F687-4F45-9708-019B960494DF}">
-              <a14:hiddenLine xmlns:a14="http://schemas.microsoft.com/office/drawing/2010/main" w="9525">
-                <a:solidFill>
-                  <a:srgbClr val="000000"/>
-                </a:solidFill>
-                <a:miter lim="800000"/>
-                <a:headEnd/>
-                <a:tailEnd/>
-              </a14:hiddenLine>
-            </a:ext>
-          </a:extLst>
-        </p:spPr>
-      </p:pic>
     </p:spTree>
   </p:cSld>
   <p:clrMapOvr>

--- a/课程PPT/23.JS标准内置对象-非构造器（JSON）.pptx
+++ b/课程PPT/23.JS标准内置对象-非构造器（JSON）.pptx
@@ -14,10 +14,11 @@
     <p:sldId id="1237" r:id="rId7"/>
     <p:sldId id="1238" r:id="rId8"/>
     <p:sldId id="1243" r:id="rId9"/>
-    <p:sldId id="1239" r:id="rId10"/>
-    <p:sldId id="1240" r:id="rId11"/>
-    <p:sldId id="1229" r:id="rId12"/>
-    <p:sldId id="1228" r:id="rId13"/>
+    <p:sldId id="1244" r:id="rId10"/>
+    <p:sldId id="1239" r:id="rId11"/>
+    <p:sldId id="1240" r:id="rId12"/>
+    <p:sldId id="1229" r:id="rId13"/>
+    <p:sldId id="1228" r:id="rId14"/>
   </p:sldIdLst>
   <p:sldSz cx="12192000" cy="6858000"/>
   <p:notesSz cx="6797675" cy="9928225"/>
@@ -977,6 +978,62 @@
 </file>
 
 <file path=ppt/notesSlides/notesSlide8.xml><?xml version="1.0" encoding="utf-8"?>
+<p:notes xmlns:a="http://schemas.openxmlformats.org/drawingml/2006/main" xmlns:r="http://schemas.openxmlformats.org/officeDocument/2006/relationships" xmlns:p="http://schemas.openxmlformats.org/presentationml/2006/main">
+  <p:cSld>
+    <p:spTree>
+      <p:nvGrpSpPr>
+        <p:cNvPr id="1" name=""/>
+        <p:cNvGrpSpPr/>
+        <p:nvPr/>
+      </p:nvGrpSpPr>
+      <p:grpSpPr>
+        <a:xfrm>
+          <a:off x="0" y="0"/>
+          <a:ext cx="0" cy="0"/>
+          <a:chOff x="0" y="0"/>
+          <a:chExt cx="0" cy="0"/>
+        </a:xfrm>
+      </p:grpSpPr>
+      <p:sp>
+        <p:nvSpPr>
+          <p:cNvPr id="2" name="幻灯片图像占位符 1"/>
+          <p:cNvSpPr>
+            <a:spLocks noGrp="1" noRot="1" noChangeAspect="1"/>
+          </p:cNvSpPr>
+          <p:nvPr>
+            <p:ph type="sldImg" idx="2"/>
+          </p:nvPr>
+        </p:nvSpPr>
+        <p:spPr/>
+      </p:sp>
+      <p:sp>
+        <p:nvSpPr>
+          <p:cNvPr id="3" name="文本占位符 2"/>
+          <p:cNvSpPr>
+            <a:spLocks noGrp="1"/>
+          </p:cNvSpPr>
+          <p:nvPr>
+            <p:ph type="body" idx="3"/>
+          </p:nvPr>
+        </p:nvSpPr>
+        <p:spPr/>
+        <p:txBody>
+          <a:bodyPr/>
+          <a:lstStyle/>
+          <a:p>
+            <a:endParaRPr lang="zh-CN" altLang="en-US"/>
+          </a:p>
+        </p:txBody>
+      </p:sp>
+    </p:spTree>
+  </p:cSld>
+  <p:clrMapOvr>
+    <a:masterClrMapping/>
+  </p:clrMapOvr>
+</p:notes>
+</file>
+
+<file path=ppt/notesSlides/notesSlide9.xml><?xml version="1.0" encoding="utf-8"?>
 <p:notes xmlns:a="http://schemas.openxmlformats.org/drawingml/2006/main" xmlns:r="http://schemas.openxmlformats.org/officeDocument/2006/relationships" xmlns:p="http://schemas.openxmlformats.org/presentationml/2006/main">
   <p:cSld>
     <p:spTree>
@@ -3431,6 +3488,198 @@
           <a:chExt cx="0" cy="0"/>
         </a:xfrm>
       </p:grpSpPr>
+      <p:sp>
+        <p:nvSpPr>
+          <p:cNvPr id="2" name="内容占位符 1"/>
+          <p:cNvSpPr>
+            <a:spLocks noGrp="1"/>
+          </p:cNvSpPr>
+          <p:nvPr>
+            <p:ph sz="quarter" idx="10"/>
+          </p:nvPr>
+        </p:nvSpPr>
+        <p:spPr>
+          <a:xfrm>
+            <a:off x="927735" y="783590"/>
+            <a:ext cx="9776460" cy="5269230"/>
+          </a:xfrm>
+        </p:spPr>
+        <p:txBody>
+          <a:bodyPr/>
+          <a:lstStyle/>
+          <a:p>
+            <a:pPr>
+              <a:lnSpc>
+                <a:spcPct val="150000"/>
+              </a:lnSpc>
+            </a:pPr>
+            <a:r>
+              <a:rPr lang="zh-CN" altLang="en-US" sz="3200" dirty="0">
+                <a:solidFill>
+                  <a:schemeClr val="tx1"/>
+                </a:solidFill>
+                <a:sym typeface="+mn-ea"/>
+              </a:rPr>
+              <a:t>复习本章内容</a:t>
+            </a:r>
+            <a:endParaRPr lang="zh-CN" altLang="en-US" sz="3200" dirty="0">
+              <a:solidFill>
+                <a:schemeClr val="tx1"/>
+              </a:solidFill>
+              <a:sym typeface="+mn-ea"/>
+            </a:endParaRPr>
+          </a:p>
+          <a:p>
+            <a:pPr>
+              <a:lnSpc>
+                <a:spcPct val="150000"/>
+              </a:lnSpc>
+            </a:pPr>
+            <a:r>
+              <a:rPr lang="zh-CN" altLang="en-US" sz="3200" dirty="0">
+                <a:solidFill>
+                  <a:schemeClr val="tx1"/>
+                </a:solidFill>
+                <a:sym typeface="+mn-ea"/>
+              </a:rPr>
+              <a:t>查看深入理解</a:t>
+            </a:r>
+            <a:r>
+              <a:rPr lang="en-US" altLang="zh-CN" sz="3200" dirty="0">
+                <a:solidFill>
+                  <a:schemeClr val="tx1"/>
+                </a:solidFill>
+                <a:sym typeface="+mn-ea"/>
+              </a:rPr>
+              <a:t>JavaScript</a:t>
+            </a:r>
+            <a:r>
+              <a:rPr lang="zh-CN" altLang="en-US" sz="3200" dirty="0">
+                <a:solidFill>
+                  <a:schemeClr val="tx1"/>
+                </a:solidFill>
+                <a:sym typeface="+mn-ea"/>
+              </a:rPr>
+              <a:t>中的</a:t>
+            </a:r>
+            <a:r>
+              <a:rPr lang="en-US" altLang="zh-CN" sz="3200" dirty="0">
+                <a:solidFill>
+                  <a:schemeClr val="tx1"/>
+                </a:solidFill>
+                <a:sym typeface="+mn-ea"/>
+              </a:rPr>
+              <a:t>JSON</a:t>
+            </a:r>
+            <a:r>
+              <a:rPr lang="zh-CN" altLang="en-US" sz="3200" dirty="0">
+                <a:solidFill>
+                  <a:schemeClr val="tx1"/>
+                </a:solidFill>
+                <a:sym typeface="+mn-ea"/>
+              </a:rPr>
+              <a:t>章节</a:t>
+            </a:r>
+            <a:br>
+              <a:rPr lang="zh-CN" altLang="en-US" sz="3200" dirty="0">
+                <a:solidFill>
+                  <a:schemeClr val="tx1"/>
+                </a:solidFill>
+                <a:sym typeface="+mn-ea"/>
+              </a:rPr>
+            </a:br>
+            <a:endParaRPr lang="zh-CN" altLang="en-US" sz="3200" dirty="0">
+              <a:solidFill>
+                <a:schemeClr val="accent3"/>
+              </a:solidFill>
+              <a:sym typeface="+mn-ea"/>
+            </a:endParaRPr>
+          </a:p>
+          <a:p>
+            <a:pPr marL="0" indent="0">
+              <a:lnSpc>
+                <a:spcPct val="150000"/>
+              </a:lnSpc>
+              <a:buNone/>
+            </a:pPr>
+            <a:endParaRPr lang="zh-CN" altLang="en-US" sz="1800" dirty="0">
+              <a:solidFill>
+                <a:schemeClr val="tx1"/>
+              </a:solidFill>
+              <a:sym typeface="+mn-ea"/>
+            </a:endParaRPr>
+          </a:p>
+          <a:p>
+            <a:pPr marL="0" indent="0">
+              <a:lnSpc>
+                <a:spcPct val="160000"/>
+              </a:lnSpc>
+              <a:buNone/>
+            </a:pPr>
+            <a:endParaRPr lang="en-US" altLang="zh-CN" sz="1800" dirty="0">
+              <a:solidFill>
+                <a:schemeClr val="tx1"/>
+              </a:solidFill>
+              <a:sym typeface="+mn-ea"/>
+            </a:endParaRPr>
+          </a:p>
+        </p:txBody>
+      </p:sp>
+      <p:sp>
+        <p:nvSpPr>
+          <p:cNvPr id="3" name="内容占位符 2"/>
+          <p:cNvSpPr>
+            <a:spLocks noGrp="1"/>
+          </p:cNvSpPr>
+          <p:nvPr>
+            <p:ph sz="quarter" idx="11"/>
+          </p:nvPr>
+        </p:nvSpPr>
+        <p:spPr/>
+        <p:txBody>
+          <a:bodyPr/>
+          <a:lstStyle/>
+          <a:p>
+            <a:r>
+              <a:rPr lang="zh-CN" altLang="en-US" dirty="0"/>
+              <a:t>作业</a:t>
+            </a:r>
+            <a:endParaRPr lang="zh-CN" altLang="en-US" dirty="0"/>
+          </a:p>
+        </p:txBody>
+      </p:sp>
+    </p:spTree>
+  </p:cSld>
+  <p:clrMapOvr>
+    <a:masterClrMapping/>
+  </p:clrMapOvr>
+  <p:timing>
+    <p:tnLst>
+      <p:par>
+        <p:cTn id="1" dur="indefinite" restart="never" nodeType="tmRoot"/>
+      </p:par>
+    </p:tnLst>
+  </p:timing>
+</p:sld>
+</file>
+
+<file path=ppt/slides/slide11.xml><?xml version="1.0" encoding="utf-8"?>
+<p:sld xmlns:a="http://schemas.openxmlformats.org/drawingml/2006/main" xmlns:r="http://schemas.openxmlformats.org/officeDocument/2006/relationships" xmlns:p="http://schemas.openxmlformats.org/presentationml/2006/main">
+  <p:cSld>
+    <p:spTree>
+      <p:nvGrpSpPr>
+        <p:cNvPr id="1" name=""/>
+        <p:cNvGrpSpPr/>
+        <p:nvPr/>
+      </p:nvGrpSpPr>
+      <p:grpSpPr>
+        <a:xfrm>
+          <a:off x="0" y="0"/>
+          <a:ext cx="0" cy="0"/>
+          <a:chOff x="0" y="0"/>
+          <a:chExt cx="0" cy="0"/>
+        </a:xfrm>
+      </p:grpSpPr>
       <p:pic>
         <p:nvPicPr>
           <p:cNvPr id="38914" name="Picture 5"/>
@@ -5667,7 +5916,7 @@
                 </a:solidFill>
                 <a:sym typeface="+mn-ea"/>
               </a:rPr>
-              <a:t>.stringify(value,replacer?,space?)</a:t>
+              <a:t>.stringify(value[, replacer [, space]])</a:t>
             </a:r>
             <a:br>
               <a:rPr sz="3200" dirty="0">
@@ -5710,7 +5959,7 @@
                 </a:solidFill>
                 <a:sym typeface="+mn-ea"/>
               </a:rPr>
-              <a:t>JSON.parse(text,reviver?)</a:t>
+              <a:t>JSON.parse(text[, reviver])</a:t>
             </a:r>
             <a:br>
               <a:rPr lang="zh-CN" altLang="en-US" sz="3200" dirty="0">
@@ -5772,7 +6021,7 @@
             </a:r>
             <a:r>
               <a:rPr lang="zh-CN" altLang="en-US" dirty="0"/>
-              <a:t>对象方法</a:t>
+              <a:t>对象方法（基本用法）</a:t>
             </a:r>
             <a:endParaRPr lang="zh-CN" altLang="en-US" dirty="0"/>
           </a:p>
@@ -6447,50 +6696,25 @@
                 </a:solidFill>
                 <a:sym typeface="+mn-ea"/>
               </a:rPr>
-              <a:t>.stringify(value,replacer?,space?)</a:t>
-            </a:r>
-            <a:br>
-              <a:rPr sz="3200" dirty="0">
+              <a:t>.stringify(</a:t>
+            </a:r>
+            <a:r>
+              <a:rPr lang="en-US" sz="3200" dirty="0">
                 <a:solidFill>
                   <a:schemeClr val="tx1"/>
                 </a:solidFill>
                 <a:sym typeface="+mn-ea"/>
               </a:rPr>
-            </a:br>
-            <a:endParaRPr sz="3200" dirty="0">
-              <a:solidFill>
-                <a:schemeClr val="tx1"/>
-              </a:solidFill>
-              <a:sym typeface="+mn-ea"/>
-            </a:endParaRPr>
-          </a:p>
-          <a:p>
-            <a:pPr>
-              <a:lnSpc>
-                <a:spcPct val="150000"/>
-              </a:lnSpc>
-            </a:pPr>
-            <a:endParaRPr lang="zh-CN" altLang="en-US" sz="3200" dirty="0">
-              <a:solidFill>
-                <a:schemeClr val="tx1"/>
-              </a:solidFill>
-              <a:sym typeface="+mn-ea"/>
-            </a:endParaRPr>
-          </a:p>
-          <a:p>
-            <a:pPr>
-              <a:lnSpc>
-                <a:spcPct val="150000"/>
-              </a:lnSpc>
-            </a:pPr>
-            <a:r>
-              <a:rPr lang="en-US" altLang="zh-CN" sz="3200" dirty="0">
+              <a:t>value[, replacer [, space]]</a:t>
+            </a:r>
+            <a:r>
+              <a:rPr lang="en-US" sz="3200" dirty="0">
                 <a:solidFill>
                   <a:schemeClr val="tx1"/>
                 </a:solidFill>
                 <a:sym typeface="+mn-ea"/>
               </a:rPr>
-              <a:t>JSON.parse(text,reviver?)</a:t>
+              <a:t>)</a:t>
             </a:r>
             <a:br>
               <a:rPr lang="zh-CN" altLang="en-US" sz="3200" dirty="0">
@@ -6552,7 +6776,7 @@
             </a:r>
             <a:r>
               <a:rPr lang="zh-CN" altLang="en-US" dirty="0"/>
-              <a:t>对象方法</a:t>
+              <a:t>对象方法（进阶）</a:t>
             </a:r>
             <a:endParaRPr lang="zh-CN" altLang="en-US" dirty="0"/>
           </a:p>
@@ -6630,7 +6854,7 @@
       </p:sp>
       <p:pic>
         <p:nvPicPr>
-          <p:cNvPr id="4" name="图片 3"/>
+          <p:cNvPr id="7" name="图片 6" descr="OQH344ZHSNT0F$@1EJG[0RB"/>
           <p:cNvPicPr>
             <a:picLocks noChangeAspect="1"/>
           </p:cNvPicPr>
@@ -6644,32 +6868,8 @@
         </p:blipFill>
         <p:spPr>
           <a:xfrm>
-            <a:off x="1162685" y="1713865"/>
-            <a:ext cx="9244965" cy="1470660"/>
-          </a:xfrm>
-          <a:prstGeom prst="rect">
-            <a:avLst/>
-          </a:prstGeom>
-        </p:spPr>
-      </p:pic>
-      <p:pic>
-        <p:nvPicPr>
-          <p:cNvPr id="5" name="图片 4"/>
-          <p:cNvPicPr>
-            <a:picLocks noChangeAspect="1"/>
-          </p:cNvPicPr>
-          <p:nvPr/>
-        </p:nvPicPr>
-        <p:blipFill>
-          <a:blip r:embed="rId2"/>
-          <a:stretch>
-            <a:fillRect/>
-          </a:stretch>
-        </p:blipFill>
-        <p:spPr>
-          <a:xfrm>
-            <a:off x="1162685" y="4126230"/>
-            <a:ext cx="10454640" cy="1355090"/>
+            <a:off x="1090930" y="1680845"/>
+            <a:ext cx="8075295" cy="4066540"/>
           </a:xfrm>
           <a:prstGeom prst="rect">
             <a:avLst/>
@@ -6796,7 +6996,7 @@
                             </p:stCondLst>
                             <p:childTnLst>
                               <p:par>
-                                <p:cTn id="10" presetID="2" presetClass="entr" presetSubtype="4" fill="hold" nodeType="afterEffect">
+                                <p:cTn id="10" presetID="2" presetClass="entr" presetSubtype="4" fill="hold" grpId="0" nodeType="afterEffect">
                                   <p:stCondLst>
                                     <p:cond delay="0"/>
                                   </p:stCondLst>
@@ -6804,273 +7004,6 @@
                                     <p:set>
                                       <p:cBhvr>
                                         <p:cTn id="11" dur="1" fill="hold">
-                                          <p:stCondLst>
-                                            <p:cond delay="0"/>
-                                          </p:stCondLst>
-                                        </p:cTn>
-                                        <p:tgtEl>
-                                          <p:spTgt spid="4"/>
-                                        </p:tgtEl>
-                                        <p:attrNameLst>
-                                          <p:attrName>style.visibility</p:attrName>
-                                        </p:attrNameLst>
-                                      </p:cBhvr>
-                                      <p:to>
-                                        <p:strVal val="visible"/>
-                                      </p:to>
-                                    </p:set>
-                                    <p:anim calcmode="lin" valueType="num">
-                                      <p:cBhvr additive="base">
-                                        <p:cTn id="12" dur="500" fill="hold"/>
-                                        <p:tgtEl>
-                                          <p:spTgt spid="4"/>
-                                        </p:tgtEl>
-                                        <p:attrNameLst>
-                                          <p:attrName>ppt_x</p:attrName>
-                                        </p:attrNameLst>
-                                      </p:cBhvr>
-                                      <p:tavLst>
-                                        <p:tav tm="0">
-                                          <p:val>
-                                            <p:strVal val="#ppt_x"/>
-                                          </p:val>
-                                        </p:tav>
-                                        <p:tav tm="100000">
-                                          <p:val>
-                                            <p:strVal val="#ppt_x"/>
-                                          </p:val>
-                                        </p:tav>
-                                      </p:tavLst>
-                                    </p:anim>
-                                    <p:anim calcmode="lin" valueType="num">
-                                      <p:cBhvr additive="base">
-                                        <p:cTn id="13" dur="500" fill="hold"/>
-                                        <p:tgtEl>
-                                          <p:spTgt spid="4"/>
-                                        </p:tgtEl>
-                                        <p:attrNameLst>
-                                          <p:attrName>ppt_y</p:attrName>
-                                        </p:attrNameLst>
-                                      </p:cBhvr>
-                                      <p:tavLst>
-                                        <p:tav tm="0">
-                                          <p:val>
-                                            <p:strVal val="1+#ppt_h/2"/>
-                                          </p:val>
-                                        </p:tav>
-                                        <p:tav tm="100000">
-                                          <p:val>
-                                            <p:strVal val="#ppt_y"/>
-                                          </p:val>
-                                        </p:tav>
-                                      </p:tavLst>
-                                    </p:anim>
-                                  </p:childTnLst>
-                                </p:cTn>
-                              </p:par>
-                            </p:childTnLst>
-                          </p:cTn>
-                        </p:par>
-                      </p:childTnLst>
-                    </p:cTn>
-                  </p:par>
-                  <p:par>
-                    <p:cTn id="14" fill="hold">
-                      <p:stCondLst>
-                        <p:cond delay="indefinite"/>
-                      </p:stCondLst>
-                      <p:childTnLst>
-                        <p:par>
-                          <p:cTn id="15" fill="hold">
-                            <p:stCondLst>
-                              <p:cond delay="0"/>
-                            </p:stCondLst>
-                            <p:childTnLst>
-                              <p:par>
-                                <p:cTn id="16" presetID="2" presetClass="entr" presetSubtype="4" fill="hold" nodeType="clickEffect">
-                                  <p:stCondLst>
-                                    <p:cond delay="0"/>
-                                  </p:stCondLst>
-                                  <p:childTnLst>
-                                    <p:set>
-                                      <p:cBhvr>
-                                        <p:cTn id="17" dur="1" fill="hold">
-                                          <p:stCondLst>
-                                            <p:cond delay="0"/>
-                                          </p:stCondLst>
-                                        </p:cTn>
-                                        <p:tgtEl>
-                                          <p:spTgt spid="2">
-                                            <p:txEl>
-                                              <p:pRg st="2" end="2"/>
-                                            </p:txEl>
-                                          </p:spTgt>
-                                        </p:tgtEl>
-                                        <p:attrNameLst>
-                                          <p:attrName>style.visibility</p:attrName>
-                                        </p:attrNameLst>
-                                      </p:cBhvr>
-                                      <p:to>
-                                        <p:strVal val="visible"/>
-                                      </p:to>
-                                    </p:set>
-                                    <p:anim calcmode="lin" valueType="num">
-                                      <p:cBhvr additive="base">
-                                        <p:cTn id="18" dur="500" fill="hold"/>
-                                        <p:tgtEl>
-                                          <p:spTgt spid="2">
-                                            <p:txEl>
-                                              <p:pRg st="2" end="2"/>
-                                            </p:txEl>
-                                          </p:spTgt>
-                                        </p:tgtEl>
-                                        <p:attrNameLst>
-                                          <p:attrName>ppt_x</p:attrName>
-                                        </p:attrNameLst>
-                                      </p:cBhvr>
-                                      <p:tavLst>
-                                        <p:tav tm="0">
-                                          <p:val>
-                                            <p:strVal val="#ppt_x"/>
-                                          </p:val>
-                                        </p:tav>
-                                        <p:tav tm="100000">
-                                          <p:val>
-                                            <p:strVal val="#ppt_x"/>
-                                          </p:val>
-                                        </p:tav>
-                                      </p:tavLst>
-                                    </p:anim>
-                                    <p:anim calcmode="lin" valueType="num">
-                                      <p:cBhvr additive="base">
-                                        <p:cTn id="19" dur="500" fill="hold"/>
-                                        <p:tgtEl>
-                                          <p:spTgt spid="2">
-                                            <p:txEl>
-                                              <p:pRg st="2" end="2"/>
-                                            </p:txEl>
-                                          </p:spTgt>
-                                        </p:tgtEl>
-                                        <p:attrNameLst>
-                                          <p:attrName>ppt_y</p:attrName>
-                                        </p:attrNameLst>
-                                      </p:cBhvr>
-                                      <p:tavLst>
-                                        <p:tav tm="0">
-                                          <p:val>
-                                            <p:strVal val="1+#ppt_h/2"/>
-                                          </p:val>
-                                        </p:tav>
-                                        <p:tav tm="100000">
-                                          <p:val>
-                                            <p:strVal val="#ppt_y"/>
-                                          </p:val>
-                                        </p:tav>
-                                      </p:tavLst>
-                                    </p:anim>
-                                  </p:childTnLst>
-                                </p:cTn>
-                              </p:par>
-                            </p:childTnLst>
-                          </p:cTn>
-                        </p:par>
-                        <p:par>
-                          <p:cTn id="20" fill="hold">
-                            <p:stCondLst>
-                              <p:cond delay="500"/>
-                            </p:stCondLst>
-                            <p:childTnLst>
-                              <p:par>
-                                <p:cTn id="21" presetID="2" presetClass="entr" presetSubtype="4" fill="hold" nodeType="afterEffect">
-                                  <p:stCondLst>
-                                    <p:cond delay="0"/>
-                                  </p:stCondLst>
-                                  <p:childTnLst>
-                                    <p:set>
-                                      <p:cBhvr>
-                                        <p:cTn id="22" dur="1" fill="hold">
-                                          <p:stCondLst>
-                                            <p:cond delay="0"/>
-                                          </p:stCondLst>
-                                        </p:cTn>
-                                        <p:tgtEl>
-                                          <p:spTgt spid="5"/>
-                                        </p:tgtEl>
-                                        <p:attrNameLst>
-                                          <p:attrName>style.visibility</p:attrName>
-                                        </p:attrNameLst>
-                                      </p:cBhvr>
-                                      <p:to>
-                                        <p:strVal val="visible"/>
-                                      </p:to>
-                                    </p:set>
-                                    <p:anim calcmode="lin" valueType="num">
-                                      <p:cBhvr additive="base">
-                                        <p:cTn id="23" dur="500" fill="hold"/>
-                                        <p:tgtEl>
-                                          <p:spTgt spid="5"/>
-                                        </p:tgtEl>
-                                        <p:attrNameLst>
-                                          <p:attrName>ppt_x</p:attrName>
-                                        </p:attrNameLst>
-                                      </p:cBhvr>
-                                      <p:tavLst>
-                                        <p:tav tm="0">
-                                          <p:val>
-                                            <p:strVal val="#ppt_x"/>
-                                          </p:val>
-                                        </p:tav>
-                                        <p:tav tm="100000">
-                                          <p:val>
-                                            <p:strVal val="#ppt_x"/>
-                                          </p:val>
-                                        </p:tav>
-                                      </p:tavLst>
-                                    </p:anim>
-                                    <p:anim calcmode="lin" valueType="num">
-                                      <p:cBhvr additive="base">
-                                        <p:cTn id="24" dur="500" fill="hold"/>
-                                        <p:tgtEl>
-                                          <p:spTgt spid="5"/>
-                                        </p:tgtEl>
-                                        <p:attrNameLst>
-                                          <p:attrName>ppt_y</p:attrName>
-                                        </p:attrNameLst>
-                                      </p:cBhvr>
-                                      <p:tavLst>
-                                        <p:tav tm="0">
-                                          <p:val>
-                                            <p:strVal val="1+#ppt_h/2"/>
-                                          </p:val>
-                                        </p:tav>
-                                        <p:tav tm="100000">
-                                          <p:val>
-                                            <p:strVal val="#ppt_y"/>
-                                          </p:val>
-                                        </p:tav>
-                                      </p:tavLst>
-                                    </p:anim>
-                                  </p:childTnLst>
-                                </p:cTn>
-                              </p:par>
-                            </p:childTnLst>
-                          </p:cTn>
-                        </p:par>
-                        <p:par>
-                          <p:cTn id="25" fill="hold">
-                            <p:stCondLst>
-                              <p:cond delay="1000"/>
-                            </p:stCondLst>
-                            <p:childTnLst>
-                              <p:par>
-                                <p:cTn id="26" presetID="2" presetClass="entr" presetSubtype="4" fill="hold" grpId="0" nodeType="afterEffect">
-                                  <p:stCondLst>
-                                    <p:cond delay="0"/>
-                                  </p:stCondLst>
-                                  <p:childTnLst>
-                                    <p:set>
-                                      <p:cBhvr>
-                                        <p:cTn id="27" dur="1" fill="hold">
                                           <p:stCondLst>
                                             <p:cond delay="0"/>
                                           </p:stCondLst>
@@ -7088,7 +7021,7 @@
                                     </p:set>
                                     <p:anim calcmode="lin" valueType="num">
                                       <p:cBhvr additive="base">
-                                        <p:cTn id="28" dur="500" fill="hold"/>
+                                        <p:cTn id="12" dur="500" fill="hold"/>
                                         <p:tgtEl>
                                           <p:spTgt spid="6"/>
                                         </p:tgtEl>
@@ -7111,7 +7044,7 @@
                                     </p:anim>
                                     <p:anim calcmode="lin" valueType="num">
                                       <p:cBhvr additive="base">
-                                        <p:cTn id="29" dur="500" fill="hold"/>
+                                        <p:cTn id="13" dur="500" fill="hold"/>
                                         <p:tgtEl>
                                           <p:spTgt spid="6"/>
                                         </p:tgtEl>
@@ -7188,6 +7121,437 @@
       </p:grpSpPr>
       <p:sp>
         <p:nvSpPr>
+          <p:cNvPr id="2" name="内容占位符 1"/>
+          <p:cNvSpPr>
+            <a:spLocks noGrp="1"/>
+          </p:cNvSpPr>
+          <p:nvPr>
+            <p:ph sz="quarter" idx="10"/>
+          </p:nvPr>
+        </p:nvSpPr>
+        <p:spPr>
+          <a:xfrm>
+            <a:off x="927735" y="783590"/>
+            <a:ext cx="10781665" cy="5269230"/>
+          </a:xfrm>
+        </p:spPr>
+        <p:txBody>
+          <a:bodyPr/>
+          <a:lstStyle/>
+          <a:p>
+            <a:pPr>
+              <a:lnSpc>
+                <a:spcPct val="150000"/>
+              </a:lnSpc>
+            </a:pPr>
+            <a:r>
+              <a:rPr lang="en-US" altLang="zh-CN" sz="3200" dirty="0">
+                <a:solidFill>
+                  <a:schemeClr val="tx1"/>
+                </a:solidFill>
+                <a:sym typeface="+mn-ea"/>
+              </a:rPr>
+              <a:t>JSON.parse(</a:t>
+            </a:r>
+            <a:r>
+              <a:rPr lang="en-US" altLang="zh-CN" sz="3200" dirty="0">
+                <a:solidFill>
+                  <a:schemeClr val="tx1"/>
+                </a:solidFill>
+                <a:sym typeface="+mn-ea"/>
+              </a:rPr>
+              <a:t>text[, reviver]</a:t>
+            </a:r>
+            <a:r>
+              <a:rPr lang="en-US" altLang="zh-CN" sz="3200" dirty="0">
+                <a:solidFill>
+                  <a:schemeClr val="tx1"/>
+                </a:solidFill>
+                <a:sym typeface="+mn-ea"/>
+              </a:rPr>
+              <a:t>)</a:t>
+            </a:r>
+            <a:br>
+              <a:rPr lang="zh-CN" altLang="en-US" sz="3200" dirty="0">
+                <a:solidFill>
+                  <a:schemeClr val="tx1"/>
+                </a:solidFill>
+                <a:sym typeface="+mn-ea"/>
+              </a:rPr>
+            </a:br>
+            <a:br>
+              <a:rPr lang="en-US" altLang="zh-CN" sz="2000" dirty="0">
+                <a:solidFill>
+                  <a:schemeClr val="tx1"/>
+                </a:solidFill>
+                <a:sym typeface="+mn-ea"/>
+              </a:rPr>
+            </a:br>
+            <a:endParaRPr lang="zh-CN" altLang="en-US" sz="2000" dirty="0">
+              <a:solidFill>
+                <a:schemeClr val="tx1"/>
+              </a:solidFill>
+              <a:sym typeface="+mn-ea"/>
+            </a:endParaRPr>
+          </a:p>
+          <a:p>
+            <a:pPr marL="0" indent="0">
+              <a:lnSpc>
+                <a:spcPct val="160000"/>
+              </a:lnSpc>
+              <a:buNone/>
+            </a:pPr>
+            <a:endParaRPr lang="en-US" altLang="zh-CN" sz="1800" dirty="0">
+              <a:solidFill>
+                <a:schemeClr val="tx1"/>
+              </a:solidFill>
+              <a:sym typeface="+mn-ea"/>
+            </a:endParaRPr>
+          </a:p>
+        </p:txBody>
+      </p:sp>
+      <p:sp>
+        <p:nvSpPr>
+          <p:cNvPr id="3" name="内容占位符 2"/>
+          <p:cNvSpPr>
+            <a:spLocks noGrp="1"/>
+          </p:cNvSpPr>
+          <p:nvPr>
+            <p:ph sz="quarter" idx="11"/>
+          </p:nvPr>
+        </p:nvSpPr>
+        <p:spPr/>
+        <p:txBody>
+          <a:bodyPr/>
+          <a:lstStyle/>
+          <a:p>
+            <a:r>
+              <a:rPr lang="en-US" dirty="0"/>
+              <a:t>JSON</a:t>
+            </a:r>
+            <a:r>
+              <a:rPr lang="zh-CN" altLang="en-US" dirty="0"/>
+              <a:t>对象方法（进阶）</a:t>
+            </a:r>
+            <a:endParaRPr lang="zh-CN" altLang="en-US" dirty="0"/>
+          </a:p>
+        </p:txBody>
+      </p:sp>
+      <p:sp>
+        <p:nvSpPr>
+          <p:cNvPr id="6" name="文本框 5"/>
+          <p:cNvSpPr txBox="1"/>
+          <p:nvPr/>
+        </p:nvSpPr>
+        <p:spPr>
+          <a:xfrm>
+            <a:off x="5575300" y="6196330"/>
+            <a:ext cx="5033010" cy="398780"/>
+          </a:xfrm>
+          <a:prstGeom prst="rect">
+            <a:avLst/>
+          </a:prstGeom>
+          <a:noFill/>
+        </p:spPr>
+        <p:txBody>
+          <a:bodyPr wrap="square" rtlCol="0">
+            <a:spAutoFit/>
+          </a:bodyPr>
+          <a:lstStyle/>
+          <a:p>
+            <a:r>
+              <a:rPr lang="zh-CN" altLang="en-US" sz="2000">
+                <a:solidFill>
+                  <a:srgbClr val="FF0000"/>
+                </a:solidFill>
+              </a:rPr>
+              <a:t>参见实例</a:t>
+            </a:r>
+            <a:r>
+              <a:rPr lang="en-US" altLang="zh-CN" sz="2000">
+                <a:solidFill>
+                  <a:srgbClr val="FF0000"/>
+                </a:solidFill>
+              </a:rPr>
+              <a:t>Demo3 JSON</a:t>
+            </a:r>
+            <a:r>
+              <a:rPr lang="zh-CN" altLang="en-US" sz="2000">
+                <a:solidFill>
+                  <a:srgbClr val="FF0000"/>
+                </a:solidFill>
+              </a:rPr>
+              <a:t>对象方法</a:t>
+            </a:r>
+            <a:r>
+              <a:rPr lang="en-US" altLang="zh-CN" sz="2000">
+                <a:solidFill>
+                  <a:srgbClr val="FF0000"/>
+                </a:solidFill>
+              </a:rPr>
+              <a:t> </a:t>
+            </a:r>
+            <a:r>
+              <a:rPr lang="zh-CN" altLang="en-US" sz="2000">
+                <a:solidFill>
+                  <a:srgbClr val="FF0000"/>
+                </a:solidFill>
+              </a:rPr>
+              <a:t> </a:t>
+            </a:r>
+            <a:endParaRPr lang="en-US" altLang="zh-CN" sz="2000">
+              <a:solidFill>
+                <a:srgbClr val="FF0000"/>
+              </a:solidFill>
+            </a:endParaRPr>
+          </a:p>
+        </p:txBody>
+      </p:sp>
+    </p:spTree>
+  </p:cSld>
+  <p:clrMapOvr>
+    <a:masterClrMapping/>
+  </p:clrMapOvr>
+  <p:timing>
+    <p:tnLst>
+      <p:par>
+        <p:cTn id="1" dur="indefinite" restart="never" nodeType="tmRoot">
+          <p:childTnLst>
+            <p:seq concurrent="1" nextAc="seek">
+              <p:cTn id="2" dur="indefinite" nodeType="mainSeq">
+                <p:childTnLst>
+                  <p:par>
+                    <p:cTn id="3" fill="hold">
+                      <p:stCondLst>
+                        <p:cond delay="indefinite"/>
+                      </p:stCondLst>
+                      <p:childTnLst>
+                        <p:par>
+                          <p:cTn id="4" fill="hold">
+                            <p:stCondLst>
+                              <p:cond delay="0"/>
+                            </p:stCondLst>
+                            <p:childTnLst>
+                              <p:par>
+                                <p:cTn id="5" presetID="2" presetClass="entr" presetSubtype="4" fill="hold" nodeType="clickEffect">
+                                  <p:stCondLst>
+                                    <p:cond delay="0"/>
+                                  </p:stCondLst>
+                                  <p:childTnLst>
+                                    <p:set>
+                                      <p:cBhvr>
+                                        <p:cTn id="6" dur="1" fill="hold">
+                                          <p:stCondLst>
+                                            <p:cond delay="0"/>
+                                          </p:stCondLst>
+                                        </p:cTn>
+                                        <p:tgtEl>
+                                          <p:spTgt spid="2">
+                                            <p:txEl>
+                                              <p:pRg st="0" end="0"/>
+                                            </p:txEl>
+                                          </p:spTgt>
+                                        </p:tgtEl>
+                                        <p:attrNameLst>
+                                          <p:attrName>style.visibility</p:attrName>
+                                        </p:attrNameLst>
+                                      </p:cBhvr>
+                                      <p:to>
+                                        <p:strVal val="visible"/>
+                                      </p:to>
+                                    </p:set>
+                                    <p:anim calcmode="lin" valueType="num">
+                                      <p:cBhvr additive="base">
+                                        <p:cTn id="7" dur="500" fill="hold"/>
+                                        <p:tgtEl>
+                                          <p:spTgt spid="2">
+                                            <p:txEl>
+                                              <p:pRg st="0" end="0"/>
+                                            </p:txEl>
+                                          </p:spTgt>
+                                        </p:tgtEl>
+                                        <p:attrNameLst>
+                                          <p:attrName>ppt_x</p:attrName>
+                                        </p:attrNameLst>
+                                      </p:cBhvr>
+                                      <p:tavLst>
+                                        <p:tav tm="0">
+                                          <p:val>
+                                            <p:strVal val="#ppt_x"/>
+                                          </p:val>
+                                        </p:tav>
+                                        <p:tav tm="100000">
+                                          <p:val>
+                                            <p:strVal val="#ppt_x"/>
+                                          </p:val>
+                                        </p:tav>
+                                      </p:tavLst>
+                                    </p:anim>
+                                    <p:anim calcmode="lin" valueType="num">
+                                      <p:cBhvr additive="base">
+                                        <p:cTn id="8" dur="500" fill="hold"/>
+                                        <p:tgtEl>
+                                          <p:spTgt spid="2">
+                                            <p:txEl>
+                                              <p:pRg st="0" end="0"/>
+                                            </p:txEl>
+                                          </p:spTgt>
+                                        </p:tgtEl>
+                                        <p:attrNameLst>
+                                          <p:attrName>ppt_y</p:attrName>
+                                        </p:attrNameLst>
+                                      </p:cBhvr>
+                                      <p:tavLst>
+                                        <p:tav tm="0">
+                                          <p:val>
+                                            <p:strVal val="1+#ppt_h/2"/>
+                                          </p:val>
+                                        </p:tav>
+                                        <p:tav tm="100000">
+                                          <p:val>
+                                            <p:strVal val="#ppt_y"/>
+                                          </p:val>
+                                        </p:tav>
+                                      </p:tavLst>
+                                    </p:anim>
+                                  </p:childTnLst>
+                                </p:cTn>
+                              </p:par>
+                            </p:childTnLst>
+                          </p:cTn>
+                        </p:par>
+                        <p:par>
+                          <p:cTn id="9" fill="hold">
+                            <p:stCondLst>
+                              <p:cond delay="500"/>
+                            </p:stCondLst>
+                            <p:childTnLst>
+                              <p:par>
+                                <p:cTn id="10" presetID="2" presetClass="entr" presetSubtype="4" fill="hold" grpId="0" nodeType="afterEffect">
+                                  <p:stCondLst>
+                                    <p:cond delay="0"/>
+                                  </p:stCondLst>
+                                  <p:childTnLst>
+                                    <p:set>
+                                      <p:cBhvr>
+                                        <p:cTn id="11" dur="1" fill="hold">
+                                          <p:stCondLst>
+                                            <p:cond delay="0"/>
+                                          </p:stCondLst>
+                                        </p:cTn>
+                                        <p:tgtEl>
+                                          <p:spTgt spid="6"/>
+                                        </p:tgtEl>
+                                        <p:attrNameLst>
+                                          <p:attrName>style.visibility</p:attrName>
+                                        </p:attrNameLst>
+                                      </p:cBhvr>
+                                      <p:to>
+                                        <p:strVal val="visible"/>
+                                      </p:to>
+                                    </p:set>
+                                    <p:anim calcmode="lin" valueType="num">
+                                      <p:cBhvr additive="base">
+                                        <p:cTn id="12" dur="500" fill="hold"/>
+                                        <p:tgtEl>
+                                          <p:spTgt spid="6"/>
+                                        </p:tgtEl>
+                                        <p:attrNameLst>
+                                          <p:attrName>ppt_x</p:attrName>
+                                        </p:attrNameLst>
+                                      </p:cBhvr>
+                                      <p:tavLst>
+                                        <p:tav tm="0">
+                                          <p:val>
+                                            <p:strVal val="#ppt_x"/>
+                                          </p:val>
+                                        </p:tav>
+                                        <p:tav tm="100000">
+                                          <p:val>
+                                            <p:strVal val="#ppt_x"/>
+                                          </p:val>
+                                        </p:tav>
+                                      </p:tavLst>
+                                    </p:anim>
+                                    <p:anim calcmode="lin" valueType="num">
+                                      <p:cBhvr additive="base">
+                                        <p:cTn id="13" dur="500" fill="hold"/>
+                                        <p:tgtEl>
+                                          <p:spTgt spid="6"/>
+                                        </p:tgtEl>
+                                        <p:attrNameLst>
+                                          <p:attrName>ppt_y</p:attrName>
+                                        </p:attrNameLst>
+                                      </p:cBhvr>
+                                      <p:tavLst>
+                                        <p:tav tm="0">
+                                          <p:val>
+                                            <p:strVal val="1+#ppt_h/2"/>
+                                          </p:val>
+                                        </p:tav>
+                                        <p:tav tm="100000">
+                                          <p:val>
+                                            <p:strVal val="#ppt_y"/>
+                                          </p:val>
+                                        </p:tav>
+                                      </p:tavLst>
+                                    </p:anim>
+                                  </p:childTnLst>
+                                </p:cTn>
+                              </p:par>
+                            </p:childTnLst>
+                          </p:cTn>
+                        </p:par>
+                      </p:childTnLst>
+                    </p:cTn>
+                  </p:par>
+                </p:childTnLst>
+              </p:cTn>
+              <p:prevCondLst>
+                <p:cond evt="onPrev" delay="0">
+                  <p:tgtEl>
+                    <p:sldTgt/>
+                  </p:tgtEl>
+                </p:cond>
+              </p:prevCondLst>
+              <p:nextCondLst>
+                <p:cond evt="onNext" delay="0">
+                  <p:tgtEl>
+                    <p:sldTgt/>
+                  </p:tgtEl>
+                </p:cond>
+              </p:nextCondLst>
+            </p:seq>
+          </p:childTnLst>
+        </p:cTn>
+      </p:par>
+    </p:tnLst>
+    <p:bldLst>
+      <p:bldP spid="6" grpId="0"/>
+    </p:bldLst>
+  </p:timing>
+</p:sld>
+</file>
+
+<file path=ppt/slides/slide8.xml><?xml version="1.0" encoding="utf-8"?>
+<p:sld xmlns:a="http://schemas.openxmlformats.org/drawingml/2006/main" xmlns:r="http://schemas.openxmlformats.org/officeDocument/2006/relationships" xmlns:p="http://schemas.openxmlformats.org/presentationml/2006/main">
+  <p:cSld>
+    <p:spTree>
+      <p:nvGrpSpPr>
+        <p:cNvPr id="1" name=""/>
+        <p:cNvGrpSpPr/>
+        <p:nvPr/>
+      </p:nvGrpSpPr>
+      <p:grpSpPr>
+        <a:xfrm>
+          <a:off x="0" y="0"/>
+          <a:ext cx="0" cy="0"/>
+          <a:chOff x="0" y="0"/>
+          <a:chExt cx="0" cy="0"/>
+        </a:xfrm>
+      </p:grpSpPr>
+      <p:sp>
+        <p:nvSpPr>
           <p:cNvPr id="5123" name="AutoShape 6"/>
           <p:cNvSpPr>
             <a:spLocks noChangeArrowheads="1"/>
@@ -7692,7 +8056,7 @@
 </p:sld>
 </file>
 
-<file path=ppt/slides/slide8.xml><?xml version="1.0" encoding="utf-8"?>
+<file path=ppt/slides/slide9.xml><?xml version="1.0" encoding="utf-8"?>
 <p:sld xmlns:a="http://schemas.openxmlformats.org/drawingml/2006/main" xmlns:r="http://schemas.openxmlformats.org/officeDocument/2006/relationships" xmlns:p="http://schemas.openxmlformats.org/presentationml/2006/main">
   <p:cSld>
     <p:spTree>
@@ -8349,198 +8713,6 @@
     <p:bldLst>
       <p:bldP spid="7" grpId="0"/>
     </p:bldLst>
-  </p:timing>
-</p:sld>
-</file>
-
-<file path=ppt/slides/slide9.xml><?xml version="1.0" encoding="utf-8"?>
-<p:sld xmlns:a="http://schemas.openxmlformats.org/drawingml/2006/main" xmlns:r="http://schemas.openxmlformats.org/officeDocument/2006/relationships" xmlns:p="http://schemas.openxmlformats.org/presentationml/2006/main">
-  <p:cSld>
-    <p:spTree>
-      <p:nvGrpSpPr>
-        <p:cNvPr id="1" name=""/>
-        <p:cNvGrpSpPr/>
-        <p:nvPr/>
-      </p:nvGrpSpPr>
-      <p:grpSpPr>
-        <a:xfrm>
-          <a:off x="0" y="0"/>
-          <a:ext cx="0" cy="0"/>
-          <a:chOff x="0" y="0"/>
-          <a:chExt cx="0" cy="0"/>
-        </a:xfrm>
-      </p:grpSpPr>
-      <p:sp>
-        <p:nvSpPr>
-          <p:cNvPr id="2" name="内容占位符 1"/>
-          <p:cNvSpPr>
-            <a:spLocks noGrp="1"/>
-          </p:cNvSpPr>
-          <p:nvPr>
-            <p:ph sz="quarter" idx="10"/>
-          </p:nvPr>
-        </p:nvSpPr>
-        <p:spPr>
-          <a:xfrm>
-            <a:off x="927735" y="783590"/>
-            <a:ext cx="9776460" cy="5269230"/>
-          </a:xfrm>
-        </p:spPr>
-        <p:txBody>
-          <a:bodyPr/>
-          <a:lstStyle/>
-          <a:p>
-            <a:pPr>
-              <a:lnSpc>
-                <a:spcPct val="150000"/>
-              </a:lnSpc>
-            </a:pPr>
-            <a:r>
-              <a:rPr lang="zh-CN" altLang="en-US" sz="3200" dirty="0">
-                <a:solidFill>
-                  <a:schemeClr val="tx1"/>
-                </a:solidFill>
-                <a:sym typeface="+mn-ea"/>
-              </a:rPr>
-              <a:t>复习本章内容</a:t>
-            </a:r>
-            <a:endParaRPr lang="zh-CN" altLang="en-US" sz="3200" dirty="0">
-              <a:solidFill>
-                <a:schemeClr val="tx1"/>
-              </a:solidFill>
-              <a:sym typeface="+mn-ea"/>
-            </a:endParaRPr>
-          </a:p>
-          <a:p>
-            <a:pPr>
-              <a:lnSpc>
-                <a:spcPct val="150000"/>
-              </a:lnSpc>
-            </a:pPr>
-            <a:r>
-              <a:rPr lang="zh-CN" altLang="en-US" sz="3200" dirty="0">
-                <a:solidFill>
-                  <a:schemeClr val="tx1"/>
-                </a:solidFill>
-                <a:sym typeface="+mn-ea"/>
-              </a:rPr>
-              <a:t>查看深入理解</a:t>
-            </a:r>
-            <a:r>
-              <a:rPr lang="en-US" altLang="zh-CN" sz="3200" dirty="0">
-                <a:solidFill>
-                  <a:schemeClr val="tx1"/>
-                </a:solidFill>
-                <a:sym typeface="+mn-ea"/>
-              </a:rPr>
-              <a:t>JavaScript</a:t>
-            </a:r>
-            <a:r>
-              <a:rPr lang="zh-CN" altLang="en-US" sz="3200" dirty="0">
-                <a:solidFill>
-                  <a:schemeClr val="tx1"/>
-                </a:solidFill>
-                <a:sym typeface="+mn-ea"/>
-              </a:rPr>
-              <a:t>中的</a:t>
-            </a:r>
-            <a:r>
-              <a:rPr lang="en-US" altLang="zh-CN" sz="3200" dirty="0">
-                <a:solidFill>
-                  <a:schemeClr val="tx1"/>
-                </a:solidFill>
-                <a:sym typeface="+mn-ea"/>
-              </a:rPr>
-              <a:t>JSON</a:t>
-            </a:r>
-            <a:r>
-              <a:rPr lang="zh-CN" altLang="en-US" sz="3200" dirty="0">
-                <a:solidFill>
-                  <a:schemeClr val="tx1"/>
-                </a:solidFill>
-                <a:sym typeface="+mn-ea"/>
-              </a:rPr>
-              <a:t>章节</a:t>
-            </a:r>
-            <a:br>
-              <a:rPr lang="zh-CN" altLang="en-US" sz="3200" dirty="0">
-                <a:solidFill>
-                  <a:schemeClr val="tx1"/>
-                </a:solidFill>
-                <a:sym typeface="+mn-ea"/>
-              </a:rPr>
-            </a:br>
-            <a:endParaRPr lang="zh-CN" altLang="en-US" sz="3200" dirty="0">
-              <a:solidFill>
-                <a:schemeClr val="accent3"/>
-              </a:solidFill>
-              <a:sym typeface="+mn-ea"/>
-            </a:endParaRPr>
-          </a:p>
-          <a:p>
-            <a:pPr marL="0" indent="0">
-              <a:lnSpc>
-                <a:spcPct val="150000"/>
-              </a:lnSpc>
-              <a:buNone/>
-            </a:pPr>
-            <a:endParaRPr lang="zh-CN" altLang="en-US" sz="1800" dirty="0">
-              <a:solidFill>
-                <a:schemeClr val="tx1"/>
-              </a:solidFill>
-              <a:sym typeface="+mn-ea"/>
-            </a:endParaRPr>
-          </a:p>
-          <a:p>
-            <a:pPr marL="0" indent="0">
-              <a:lnSpc>
-                <a:spcPct val="160000"/>
-              </a:lnSpc>
-              <a:buNone/>
-            </a:pPr>
-            <a:endParaRPr lang="en-US" altLang="zh-CN" sz="1800" dirty="0">
-              <a:solidFill>
-                <a:schemeClr val="tx1"/>
-              </a:solidFill>
-              <a:sym typeface="+mn-ea"/>
-            </a:endParaRPr>
-          </a:p>
-        </p:txBody>
-      </p:sp>
-      <p:sp>
-        <p:nvSpPr>
-          <p:cNvPr id="3" name="内容占位符 2"/>
-          <p:cNvSpPr>
-            <a:spLocks noGrp="1"/>
-          </p:cNvSpPr>
-          <p:nvPr>
-            <p:ph sz="quarter" idx="11"/>
-          </p:nvPr>
-        </p:nvSpPr>
-        <p:spPr/>
-        <p:txBody>
-          <a:bodyPr/>
-          <a:lstStyle/>
-          <a:p>
-            <a:r>
-              <a:rPr lang="zh-CN" altLang="en-US" dirty="0"/>
-              <a:t>作业</a:t>
-            </a:r>
-            <a:endParaRPr lang="zh-CN" altLang="en-US" dirty="0"/>
-          </a:p>
-        </p:txBody>
-      </p:sp>
-    </p:spTree>
-  </p:cSld>
-  <p:clrMapOvr>
-    <a:masterClrMapping/>
-  </p:clrMapOvr>
-  <p:timing>
-    <p:tnLst>
-      <p:par>
-        <p:cTn id="1" dur="indefinite" restart="never" nodeType="tmRoot"/>
-      </p:par>
-    </p:tnLst>
   </p:timing>
 </p:sld>
 </file>

--- a/课程PPT/23.JS标准内置对象-非构造器（JSON）.pptx
+++ b/课程PPT/23.JS标准内置对象-非构造器（JSON）.pptx
@@ -11,14 +11,15 @@
     <p:sldId id="1226" r:id="rId3"/>
     <p:sldId id="1227" r:id="rId4"/>
     <p:sldId id="1231" r:id="rId6"/>
-    <p:sldId id="1237" r:id="rId7"/>
-    <p:sldId id="1238" r:id="rId8"/>
-    <p:sldId id="1243" r:id="rId9"/>
-    <p:sldId id="1244" r:id="rId10"/>
-    <p:sldId id="1239" r:id="rId11"/>
-    <p:sldId id="1240" r:id="rId12"/>
-    <p:sldId id="1229" r:id="rId13"/>
-    <p:sldId id="1228" r:id="rId14"/>
+    <p:sldId id="1245" r:id="rId7"/>
+    <p:sldId id="1237" r:id="rId8"/>
+    <p:sldId id="1238" r:id="rId9"/>
+    <p:sldId id="1243" r:id="rId10"/>
+    <p:sldId id="1244" r:id="rId11"/>
+    <p:sldId id="1239" r:id="rId12"/>
+    <p:sldId id="1240" r:id="rId13"/>
+    <p:sldId id="1229" r:id="rId14"/>
+    <p:sldId id="1228" r:id="rId15"/>
   </p:sldIdLst>
   <p:sldSz cx="12192000" cy="6858000"/>
   <p:notesSz cx="6797675" cy="9928225"/>
@@ -586,6 +587,62 @@
 </file>
 
 <file path=ppt/notesSlides/notesSlide1.xml><?xml version="1.0" encoding="utf-8"?>
+<p:notes xmlns:a="http://schemas.openxmlformats.org/drawingml/2006/main" xmlns:r="http://schemas.openxmlformats.org/officeDocument/2006/relationships" xmlns:p="http://schemas.openxmlformats.org/presentationml/2006/main">
+  <p:cSld>
+    <p:spTree>
+      <p:nvGrpSpPr>
+        <p:cNvPr id="1" name=""/>
+        <p:cNvGrpSpPr/>
+        <p:nvPr/>
+      </p:nvGrpSpPr>
+      <p:grpSpPr>
+        <a:xfrm>
+          <a:off x="0" y="0"/>
+          <a:ext cx="0" cy="0"/>
+          <a:chOff x="0" y="0"/>
+          <a:chExt cx="0" cy="0"/>
+        </a:xfrm>
+      </p:grpSpPr>
+      <p:sp>
+        <p:nvSpPr>
+          <p:cNvPr id="2" name="幻灯片图像占位符 1"/>
+          <p:cNvSpPr>
+            <a:spLocks noGrp="1" noRot="1" noChangeAspect="1"/>
+          </p:cNvSpPr>
+          <p:nvPr>
+            <p:ph type="sldImg" idx="2"/>
+          </p:nvPr>
+        </p:nvSpPr>
+        <p:spPr/>
+      </p:sp>
+      <p:sp>
+        <p:nvSpPr>
+          <p:cNvPr id="3" name="文本占位符 2"/>
+          <p:cNvSpPr>
+            <a:spLocks noGrp="1"/>
+          </p:cNvSpPr>
+          <p:nvPr>
+            <p:ph type="body" idx="3"/>
+          </p:nvPr>
+        </p:nvSpPr>
+        <p:spPr/>
+        <p:txBody>
+          <a:bodyPr/>
+          <a:lstStyle/>
+          <a:p>
+            <a:endParaRPr lang="zh-CN" altLang="en-US"/>
+          </a:p>
+        </p:txBody>
+      </p:sp>
+    </p:spTree>
+  </p:cSld>
+  <p:clrMapOvr>
+    <a:masterClrMapping/>
+  </p:clrMapOvr>
+</p:notes>
+</file>
+
+<file path=ppt/notesSlides/notesSlide10.xml><?xml version="1.0" encoding="utf-8"?>
 <p:notes xmlns:a="http://schemas.openxmlformats.org/drawingml/2006/main" xmlns:r="http://schemas.openxmlformats.org/officeDocument/2006/relationships" xmlns:p="http://schemas.openxmlformats.org/presentationml/2006/main">
   <p:cSld>
     <p:spTree>
@@ -3501,6 +3558,667 @@
         <p:spPr>
           <a:xfrm>
             <a:off x="927735" y="783590"/>
+            <a:ext cx="10781665" cy="5269230"/>
+          </a:xfrm>
+        </p:spPr>
+        <p:txBody>
+          <a:bodyPr/>
+          <a:lstStyle/>
+          <a:p>
+            <a:pPr>
+              <a:lnSpc>
+                <a:spcPct val="150000"/>
+              </a:lnSpc>
+            </a:pPr>
+            <a:r>
+              <a:rPr sz="3200" dirty="0">
+                <a:solidFill>
+                  <a:schemeClr val="tx1"/>
+                </a:solidFill>
+                <a:sym typeface="+mn-ea"/>
+              </a:rPr>
+              <a:t>JSON</a:t>
+            </a:r>
+            <a:r>
+              <a:rPr lang="zh-CN" sz="3200" dirty="0">
+                <a:solidFill>
+                  <a:schemeClr val="tx1"/>
+                </a:solidFill>
+                <a:sym typeface="+mn-ea"/>
+              </a:rPr>
+              <a:t>案例</a:t>
+            </a:r>
+            <a:r>
+              <a:rPr lang="en-US" altLang="zh-CN" sz="3200" dirty="0">
+                <a:solidFill>
+                  <a:schemeClr val="tx1"/>
+                </a:solidFill>
+                <a:sym typeface="+mn-ea"/>
+              </a:rPr>
+              <a:t>-</a:t>
+            </a:r>
+            <a:r>
+              <a:rPr lang="zh-CN" sz="3200" dirty="0">
+                <a:solidFill>
+                  <a:schemeClr val="tx1"/>
+                </a:solidFill>
+                <a:sym typeface="+mn-ea"/>
+              </a:rPr>
+              <a:t>前后端之间的数据传输</a:t>
+            </a:r>
+            <a:br>
+              <a:rPr lang="zh-CN" altLang="en-US" sz="3200" dirty="0">
+                <a:solidFill>
+                  <a:schemeClr val="tx1"/>
+                </a:solidFill>
+                <a:sym typeface="+mn-ea"/>
+              </a:rPr>
+            </a:br>
+            <a:br>
+              <a:rPr lang="en-US" altLang="zh-CN" sz="2000" dirty="0">
+                <a:solidFill>
+                  <a:schemeClr val="tx1"/>
+                </a:solidFill>
+                <a:sym typeface="+mn-ea"/>
+              </a:rPr>
+            </a:br>
+            <a:endParaRPr lang="zh-CN" altLang="en-US" sz="2000" dirty="0">
+              <a:solidFill>
+                <a:schemeClr val="tx1"/>
+              </a:solidFill>
+              <a:sym typeface="+mn-ea"/>
+            </a:endParaRPr>
+          </a:p>
+          <a:p>
+            <a:pPr marL="0" indent="0">
+              <a:lnSpc>
+                <a:spcPct val="160000"/>
+              </a:lnSpc>
+              <a:buNone/>
+            </a:pPr>
+            <a:endParaRPr lang="en-US" altLang="zh-CN" sz="1800" dirty="0">
+              <a:solidFill>
+                <a:schemeClr val="tx1"/>
+              </a:solidFill>
+              <a:sym typeface="+mn-ea"/>
+            </a:endParaRPr>
+          </a:p>
+        </p:txBody>
+      </p:sp>
+      <p:sp>
+        <p:nvSpPr>
+          <p:cNvPr id="3" name="内容占位符 2"/>
+          <p:cNvSpPr>
+            <a:spLocks noGrp="1"/>
+          </p:cNvSpPr>
+          <p:nvPr>
+            <p:ph sz="quarter" idx="11"/>
+          </p:nvPr>
+        </p:nvSpPr>
+        <p:spPr/>
+        <p:txBody>
+          <a:bodyPr/>
+          <a:lstStyle/>
+          <a:p>
+            <a:r>
+              <a:rPr lang="en-US" dirty="0"/>
+              <a:t>JSON</a:t>
+            </a:r>
+            <a:r>
+              <a:rPr lang="zh-CN" altLang="en-US" dirty="0"/>
+              <a:t>案例</a:t>
+            </a:r>
+            <a:endParaRPr lang="zh-CN" altLang="en-US" dirty="0"/>
+          </a:p>
+        </p:txBody>
+      </p:sp>
+      <p:pic>
+        <p:nvPicPr>
+          <p:cNvPr id="4" name="图片 3"/>
+          <p:cNvPicPr>
+            <a:picLocks noChangeAspect="1"/>
+          </p:cNvPicPr>
+          <p:nvPr/>
+        </p:nvPicPr>
+        <p:blipFill>
+          <a:blip r:embed="rId1"/>
+          <a:stretch>
+            <a:fillRect/>
+          </a:stretch>
+        </p:blipFill>
+        <p:spPr>
+          <a:xfrm>
+            <a:off x="1449705" y="1704975"/>
+            <a:ext cx="8281670" cy="4040505"/>
+          </a:xfrm>
+          <a:prstGeom prst="rect">
+            <a:avLst/>
+          </a:prstGeom>
+        </p:spPr>
+      </p:pic>
+      <p:pic>
+        <p:nvPicPr>
+          <p:cNvPr id="5" name="图片 4"/>
+          <p:cNvPicPr>
+            <a:picLocks noChangeAspect="1"/>
+          </p:cNvPicPr>
+          <p:nvPr/>
+        </p:nvPicPr>
+        <p:blipFill>
+          <a:blip r:embed="rId2"/>
+          <a:stretch>
+            <a:fillRect/>
+          </a:stretch>
+        </p:blipFill>
+        <p:spPr>
+          <a:xfrm>
+            <a:off x="1449705" y="1561465"/>
+            <a:ext cx="9669145" cy="4904740"/>
+          </a:xfrm>
+          <a:prstGeom prst="rect">
+            <a:avLst/>
+          </a:prstGeom>
+        </p:spPr>
+      </p:pic>
+      <p:sp>
+        <p:nvSpPr>
+          <p:cNvPr id="7" name="文本框 6"/>
+          <p:cNvSpPr txBox="1"/>
+          <p:nvPr/>
+        </p:nvSpPr>
+        <p:spPr>
+          <a:xfrm>
+            <a:off x="6850380" y="6323330"/>
+            <a:ext cx="5033010" cy="398780"/>
+          </a:xfrm>
+          <a:prstGeom prst="rect">
+            <a:avLst/>
+          </a:prstGeom>
+          <a:noFill/>
+        </p:spPr>
+        <p:txBody>
+          <a:bodyPr wrap="square" rtlCol="0">
+            <a:spAutoFit/>
+          </a:bodyPr>
+          <a:lstStyle/>
+          <a:p>
+            <a:r>
+              <a:rPr lang="zh-CN" altLang="en-US" sz="2000">
+                <a:solidFill>
+                  <a:srgbClr val="FF0000"/>
+                </a:solidFill>
+              </a:rPr>
+              <a:t>参见</a:t>
+            </a:r>
+            <a:r>
+              <a:rPr lang="en-US" sz="2000">
+                <a:solidFill>
+                  <a:srgbClr val="FF0000"/>
+                </a:solidFill>
+              </a:rPr>
+              <a:t>NodeJsonTest</a:t>
+            </a:r>
+            <a:r>
+              <a:rPr lang="zh-CN" altLang="en-US" sz="2000">
+                <a:solidFill>
+                  <a:srgbClr val="FF0000"/>
+                </a:solidFill>
+              </a:rPr>
+              <a:t>实例</a:t>
+            </a:r>
+            <a:r>
+              <a:rPr lang="en-US" altLang="zh-CN" sz="2000">
+                <a:solidFill>
+                  <a:srgbClr val="FF0000"/>
+                </a:solidFill>
+              </a:rPr>
+              <a:t> </a:t>
+            </a:r>
+            <a:r>
+              <a:rPr lang="zh-CN" altLang="en-US" sz="2000">
+                <a:solidFill>
+                  <a:srgbClr val="FF0000"/>
+                </a:solidFill>
+              </a:rPr>
+              <a:t> </a:t>
+            </a:r>
+            <a:endParaRPr lang="en-US" altLang="zh-CN" sz="2000">
+              <a:solidFill>
+                <a:srgbClr val="FF0000"/>
+              </a:solidFill>
+            </a:endParaRPr>
+          </a:p>
+        </p:txBody>
+      </p:sp>
+    </p:spTree>
+  </p:cSld>
+  <p:clrMapOvr>
+    <a:masterClrMapping/>
+  </p:clrMapOvr>
+  <p:timing>
+    <p:tnLst>
+      <p:par>
+        <p:cTn id="1" dur="indefinite" restart="never" nodeType="tmRoot">
+          <p:childTnLst>
+            <p:seq concurrent="1" nextAc="seek">
+              <p:cTn id="2" dur="indefinite" nodeType="mainSeq">
+                <p:childTnLst>
+                  <p:par>
+                    <p:cTn id="3" fill="hold">
+                      <p:stCondLst>
+                        <p:cond delay="indefinite"/>
+                      </p:stCondLst>
+                      <p:childTnLst>
+                        <p:par>
+                          <p:cTn id="4" fill="hold">
+                            <p:stCondLst>
+                              <p:cond delay="0"/>
+                            </p:stCondLst>
+                            <p:childTnLst>
+                              <p:par>
+                                <p:cTn id="5" presetID="2" presetClass="entr" presetSubtype="4" fill="hold" nodeType="clickEffect">
+                                  <p:stCondLst>
+                                    <p:cond delay="0"/>
+                                  </p:stCondLst>
+                                  <p:childTnLst>
+                                    <p:set>
+                                      <p:cBhvr>
+                                        <p:cTn id="6" dur="1" fill="hold">
+                                          <p:stCondLst>
+                                            <p:cond delay="0"/>
+                                          </p:stCondLst>
+                                        </p:cTn>
+                                        <p:tgtEl>
+                                          <p:spTgt spid="2">
+                                            <p:txEl>
+                                              <p:pRg st="0" end="0"/>
+                                            </p:txEl>
+                                          </p:spTgt>
+                                        </p:tgtEl>
+                                        <p:attrNameLst>
+                                          <p:attrName>style.visibility</p:attrName>
+                                        </p:attrNameLst>
+                                      </p:cBhvr>
+                                      <p:to>
+                                        <p:strVal val="visible"/>
+                                      </p:to>
+                                    </p:set>
+                                    <p:anim calcmode="lin" valueType="num">
+                                      <p:cBhvr additive="base">
+                                        <p:cTn id="7" dur="500" fill="hold"/>
+                                        <p:tgtEl>
+                                          <p:spTgt spid="2">
+                                            <p:txEl>
+                                              <p:pRg st="0" end="0"/>
+                                            </p:txEl>
+                                          </p:spTgt>
+                                        </p:tgtEl>
+                                        <p:attrNameLst>
+                                          <p:attrName>ppt_x</p:attrName>
+                                        </p:attrNameLst>
+                                      </p:cBhvr>
+                                      <p:tavLst>
+                                        <p:tav tm="0">
+                                          <p:val>
+                                            <p:strVal val="#ppt_x"/>
+                                          </p:val>
+                                        </p:tav>
+                                        <p:tav tm="100000">
+                                          <p:val>
+                                            <p:strVal val="#ppt_x"/>
+                                          </p:val>
+                                        </p:tav>
+                                      </p:tavLst>
+                                    </p:anim>
+                                    <p:anim calcmode="lin" valueType="num">
+                                      <p:cBhvr additive="base">
+                                        <p:cTn id="8" dur="500" fill="hold"/>
+                                        <p:tgtEl>
+                                          <p:spTgt spid="2">
+                                            <p:txEl>
+                                              <p:pRg st="0" end="0"/>
+                                            </p:txEl>
+                                          </p:spTgt>
+                                        </p:tgtEl>
+                                        <p:attrNameLst>
+                                          <p:attrName>ppt_y</p:attrName>
+                                        </p:attrNameLst>
+                                      </p:cBhvr>
+                                      <p:tavLst>
+                                        <p:tav tm="0">
+                                          <p:val>
+                                            <p:strVal val="1+#ppt_h/2"/>
+                                          </p:val>
+                                        </p:tav>
+                                        <p:tav tm="100000">
+                                          <p:val>
+                                            <p:strVal val="#ppt_y"/>
+                                          </p:val>
+                                        </p:tav>
+                                      </p:tavLst>
+                                    </p:anim>
+                                  </p:childTnLst>
+                                </p:cTn>
+                              </p:par>
+                            </p:childTnLst>
+                          </p:cTn>
+                        </p:par>
+                        <p:par>
+                          <p:cTn id="9" fill="hold">
+                            <p:stCondLst>
+                              <p:cond delay="500"/>
+                            </p:stCondLst>
+                            <p:childTnLst>
+                              <p:par>
+                                <p:cTn id="10" presetID="2" presetClass="entr" presetSubtype="4" fill="hold" nodeType="afterEffect">
+                                  <p:stCondLst>
+                                    <p:cond delay="0"/>
+                                  </p:stCondLst>
+                                  <p:childTnLst>
+                                    <p:set>
+                                      <p:cBhvr>
+                                        <p:cTn id="11" dur="1" fill="hold">
+                                          <p:stCondLst>
+                                            <p:cond delay="0"/>
+                                          </p:stCondLst>
+                                        </p:cTn>
+                                        <p:tgtEl>
+                                          <p:spTgt spid="4"/>
+                                        </p:tgtEl>
+                                        <p:attrNameLst>
+                                          <p:attrName>style.visibility</p:attrName>
+                                        </p:attrNameLst>
+                                      </p:cBhvr>
+                                      <p:to>
+                                        <p:strVal val="visible"/>
+                                      </p:to>
+                                    </p:set>
+                                    <p:anim calcmode="lin" valueType="num">
+                                      <p:cBhvr additive="base">
+                                        <p:cTn id="12" dur="500" fill="hold"/>
+                                        <p:tgtEl>
+                                          <p:spTgt spid="4"/>
+                                        </p:tgtEl>
+                                        <p:attrNameLst>
+                                          <p:attrName>ppt_x</p:attrName>
+                                        </p:attrNameLst>
+                                      </p:cBhvr>
+                                      <p:tavLst>
+                                        <p:tav tm="0">
+                                          <p:val>
+                                            <p:strVal val="#ppt_x"/>
+                                          </p:val>
+                                        </p:tav>
+                                        <p:tav tm="100000">
+                                          <p:val>
+                                            <p:strVal val="#ppt_x"/>
+                                          </p:val>
+                                        </p:tav>
+                                      </p:tavLst>
+                                    </p:anim>
+                                    <p:anim calcmode="lin" valueType="num">
+                                      <p:cBhvr additive="base">
+                                        <p:cTn id="13" dur="500" fill="hold"/>
+                                        <p:tgtEl>
+                                          <p:spTgt spid="4"/>
+                                        </p:tgtEl>
+                                        <p:attrNameLst>
+                                          <p:attrName>ppt_y</p:attrName>
+                                        </p:attrNameLst>
+                                      </p:cBhvr>
+                                      <p:tavLst>
+                                        <p:tav tm="0">
+                                          <p:val>
+                                            <p:strVal val="1+#ppt_h/2"/>
+                                          </p:val>
+                                        </p:tav>
+                                        <p:tav tm="100000">
+                                          <p:val>
+                                            <p:strVal val="#ppt_y"/>
+                                          </p:val>
+                                        </p:tav>
+                                      </p:tavLst>
+                                    </p:anim>
+                                  </p:childTnLst>
+                                </p:cTn>
+                              </p:par>
+                            </p:childTnLst>
+                          </p:cTn>
+                        </p:par>
+                      </p:childTnLst>
+                    </p:cTn>
+                  </p:par>
+                  <p:par>
+                    <p:cTn id="14" fill="hold">
+                      <p:stCondLst>
+                        <p:cond delay="indefinite"/>
+                      </p:stCondLst>
+                      <p:childTnLst>
+                        <p:par>
+                          <p:cTn id="15" fill="hold">
+                            <p:stCondLst>
+                              <p:cond delay="0"/>
+                            </p:stCondLst>
+                            <p:childTnLst>
+                              <p:par>
+                                <p:cTn id="16" presetID="2" presetClass="entr" presetSubtype="4" fill="hold" nodeType="clickEffect">
+                                  <p:stCondLst>
+                                    <p:cond delay="0"/>
+                                  </p:stCondLst>
+                                  <p:childTnLst>
+                                    <p:set>
+                                      <p:cBhvr>
+                                        <p:cTn id="17" dur="1" fill="hold">
+                                          <p:stCondLst>
+                                            <p:cond delay="0"/>
+                                          </p:stCondLst>
+                                        </p:cTn>
+                                        <p:tgtEl>
+                                          <p:spTgt spid="5"/>
+                                        </p:tgtEl>
+                                        <p:attrNameLst>
+                                          <p:attrName>style.visibility</p:attrName>
+                                        </p:attrNameLst>
+                                      </p:cBhvr>
+                                      <p:to>
+                                        <p:strVal val="visible"/>
+                                      </p:to>
+                                    </p:set>
+                                    <p:anim calcmode="lin" valueType="num">
+                                      <p:cBhvr additive="base">
+                                        <p:cTn id="18" dur="500" fill="hold"/>
+                                        <p:tgtEl>
+                                          <p:spTgt spid="5"/>
+                                        </p:tgtEl>
+                                        <p:attrNameLst>
+                                          <p:attrName>ppt_x</p:attrName>
+                                        </p:attrNameLst>
+                                      </p:cBhvr>
+                                      <p:tavLst>
+                                        <p:tav tm="0">
+                                          <p:val>
+                                            <p:strVal val="#ppt_x"/>
+                                          </p:val>
+                                        </p:tav>
+                                        <p:tav tm="100000">
+                                          <p:val>
+                                            <p:strVal val="#ppt_x"/>
+                                          </p:val>
+                                        </p:tav>
+                                      </p:tavLst>
+                                    </p:anim>
+                                    <p:anim calcmode="lin" valueType="num">
+                                      <p:cBhvr additive="base">
+                                        <p:cTn id="19" dur="500" fill="hold"/>
+                                        <p:tgtEl>
+                                          <p:spTgt spid="5"/>
+                                        </p:tgtEl>
+                                        <p:attrNameLst>
+                                          <p:attrName>ppt_y</p:attrName>
+                                        </p:attrNameLst>
+                                      </p:cBhvr>
+                                      <p:tavLst>
+                                        <p:tav tm="0">
+                                          <p:val>
+                                            <p:strVal val="1+#ppt_h/2"/>
+                                          </p:val>
+                                        </p:tav>
+                                        <p:tav tm="100000">
+                                          <p:val>
+                                            <p:strVal val="#ppt_y"/>
+                                          </p:val>
+                                        </p:tav>
+                                      </p:tavLst>
+                                    </p:anim>
+                                  </p:childTnLst>
+                                </p:cTn>
+                              </p:par>
+                            </p:childTnLst>
+                          </p:cTn>
+                        </p:par>
+                        <p:par>
+                          <p:cTn id="20" fill="hold">
+                            <p:stCondLst>
+                              <p:cond delay="500"/>
+                            </p:stCondLst>
+                            <p:childTnLst>
+                              <p:par>
+                                <p:cTn id="21" presetID="2" presetClass="entr" presetSubtype="4" fill="hold" grpId="0" nodeType="afterEffect">
+                                  <p:stCondLst>
+                                    <p:cond delay="0"/>
+                                  </p:stCondLst>
+                                  <p:childTnLst>
+                                    <p:set>
+                                      <p:cBhvr>
+                                        <p:cTn id="22" dur="1" fill="hold">
+                                          <p:stCondLst>
+                                            <p:cond delay="0"/>
+                                          </p:stCondLst>
+                                        </p:cTn>
+                                        <p:tgtEl>
+                                          <p:spTgt spid="7"/>
+                                        </p:tgtEl>
+                                        <p:attrNameLst>
+                                          <p:attrName>style.visibility</p:attrName>
+                                        </p:attrNameLst>
+                                      </p:cBhvr>
+                                      <p:to>
+                                        <p:strVal val="visible"/>
+                                      </p:to>
+                                    </p:set>
+                                    <p:anim calcmode="lin" valueType="num">
+                                      <p:cBhvr additive="base">
+                                        <p:cTn id="23" dur="500" fill="hold"/>
+                                        <p:tgtEl>
+                                          <p:spTgt spid="7"/>
+                                        </p:tgtEl>
+                                        <p:attrNameLst>
+                                          <p:attrName>ppt_x</p:attrName>
+                                        </p:attrNameLst>
+                                      </p:cBhvr>
+                                      <p:tavLst>
+                                        <p:tav tm="0">
+                                          <p:val>
+                                            <p:strVal val="#ppt_x"/>
+                                          </p:val>
+                                        </p:tav>
+                                        <p:tav tm="100000">
+                                          <p:val>
+                                            <p:strVal val="#ppt_x"/>
+                                          </p:val>
+                                        </p:tav>
+                                      </p:tavLst>
+                                    </p:anim>
+                                    <p:anim calcmode="lin" valueType="num">
+                                      <p:cBhvr additive="base">
+                                        <p:cTn id="24" dur="500" fill="hold"/>
+                                        <p:tgtEl>
+                                          <p:spTgt spid="7"/>
+                                        </p:tgtEl>
+                                        <p:attrNameLst>
+                                          <p:attrName>ppt_y</p:attrName>
+                                        </p:attrNameLst>
+                                      </p:cBhvr>
+                                      <p:tavLst>
+                                        <p:tav tm="0">
+                                          <p:val>
+                                            <p:strVal val="1+#ppt_h/2"/>
+                                          </p:val>
+                                        </p:tav>
+                                        <p:tav tm="100000">
+                                          <p:val>
+                                            <p:strVal val="#ppt_y"/>
+                                          </p:val>
+                                        </p:tav>
+                                      </p:tavLst>
+                                    </p:anim>
+                                  </p:childTnLst>
+                                </p:cTn>
+                              </p:par>
+                            </p:childTnLst>
+                          </p:cTn>
+                        </p:par>
+                      </p:childTnLst>
+                    </p:cTn>
+                  </p:par>
+                </p:childTnLst>
+              </p:cTn>
+              <p:prevCondLst>
+                <p:cond evt="onPrev" delay="0">
+                  <p:tgtEl>
+                    <p:sldTgt/>
+                  </p:tgtEl>
+                </p:cond>
+              </p:prevCondLst>
+              <p:nextCondLst>
+                <p:cond evt="onNext" delay="0">
+                  <p:tgtEl>
+                    <p:sldTgt/>
+                  </p:tgtEl>
+                </p:cond>
+              </p:nextCondLst>
+            </p:seq>
+          </p:childTnLst>
+        </p:cTn>
+      </p:par>
+    </p:tnLst>
+    <p:bldLst>
+      <p:bldP spid="7" grpId="0"/>
+    </p:bldLst>
+  </p:timing>
+</p:sld>
+</file>
+
+<file path=ppt/slides/slide11.xml><?xml version="1.0" encoding="utf-8"?>
+<p:sld xmlns:a="http://schemas.openxmlformats.org/drawingml/2006/main" xmlns:r="http://schemas.openxmlformats.org/officeDocument/2006/relationships" xmlns:p="http://schemas.openxmlformats.org/presentationml/2006/main">
+  <p:cSld>
+    <p:spTree>
+      <p:nvGrpSpPr>
+        <p:cNvPr id="1" name=""/>
+        <p:cNvGrpSpPr/>
+        <p:nvPr/>
+      </p:nvGrpSpPr>
+      <p:grpSpPr>
+        <a:xfrm>
+          <a:off x="0" y="0"/>
+          <a:ext cx="0" cy="0"/>
+          <a:chOff x="0" y="0"/>
+          <a:chExt cx="0" cy="0"/>
+        </a:xfrm>
+      </p:grpSpPr>
+      <p:sp>
+        <p:nvSpPr>
+          <p:cNvPr id="2" name="内容占位符 1"/>
+          <p:cNvSpPr>
+            <a:spLocks noGrp="1"/>
+          </p:cNvSpPr>
+          <p:nvPr>
+            <p:ph sz="quarter" idx="10"/>
+          </p:nvPr>
+        </p:nvSpPr>
+        <p:spPr>
+          <a:xfrm>
+            <a:off x="927735" y="783590"/>
             <a:ext cx="9776460" cy="5269230"/>
           </a:xfrm>
         </p:spPr>
@@ -3663,7 +4381,7 @@
 </p:sld>
 </file>
 
-<file path=ppt/slides/slide11.xml><?xml version="1.0" encoding="utf-8"?>
+<file path=ppt/slides/slide12.xml><?xml version="1.0" encoding="utf-8"?>
 <p:sld xmlns:a="http://schemas.openxmlformats.org/drawingml/2006/main" xmlns:r="http://schemas.openxmlformats.org/officeDocument/2006/relationships" xmlns:p="http://schemas.openxmlformats.org/presentationml/2006/main">
   <p:cSld>
     <p:spTree>
@@ -4818,76 +5536,6 @@
               <a:t>简介</a:t>
             </a:r>
             <a:endParaRPr lang="zh-CN" altLang="en-US" dirty="0"/>
-          </a:p>
-        </p:txBody>
-      </p:sp>
-      <p:sp>
-        <p:nvSpPr>
-          <p:cNvPr id="6" name="文本框 5"/>
-          <p:cNvSpPr txBox="1"/>
-          <p:nvPr/>
-        </p:nvSpPr>
-        <p:spPr>
-          <a:xfrm>
-            <a:off x="5575300" y="6196330"/>
-            <a:ext cx="5033010" cy="398780"/>
-          </a:xfrm>
-          <a:prstGeom prst="rect">
-            <a:avLst/>
-          </a:prstGeom>
-          <a:noFill/>
-        </p:spPr>
-        <p:txBody>
-          <a:bodyPr wrap="square" rtlCol="0">
-            <a:spAutoFit/>
-          </a:bodyPr>
-          <a:lstStyle/>
-          <a:p>
-            <a:r>
-              <a:rPr lang="zh-CN" altLang="en-US" sz="2000">
-                <a:solidFill>
-                  <a:srgbClr val="FF0000"/>
-                </a:solidFill>
-              </a:rPr>
-              <a:t>参见实例</a:t>
-            </a:r>
-            <a:r>
-              <a:rPr lang="en-US" altLang="zh-CN" sz="2000">
-                <a:solidFill>
-                  <a:srgbClr val="FF0000"/>
-                </a:solidFill>
-              </a:rPr>
-              <a:t>Demo02 JSON</a:t>
-            </a:r>
-            <a:r>
-              <a:rPr lang="zh-CN" altLang="en-US" sz="2000">
-                <a:solidFill>
-                  <a:srgbClr val="FF0000"/>
-                </a:solidFill>
-              </a:rPr>
-              <a:t>简介</a:t>
-            </a:r>
-            <a:r>
-              <a:rPr lang="en-US" altLang="zh-CN" sz="2000">
-                <a:solidFill>
-                  <a:srgbClr val="FF0000"/>
-                </a:solidFill>
-              </a:rPr>
-              <a:t> </a:t>
-            </a:r>
-            <a:r>
-              <a:rPr lang="zh-CN" altLang="en-US" sz="2000">
-                <a:solidFill>
-                  <a:srgbClr val="FF0000"/>
-                </a:solidFill>
-              </a:rPr>
-              <a:t> </a:t>
-            </a:r>
-            <a:endParaRPr lang="en-US" altLang="zh-CN" sz="2000">
-              <a:solidFill>
-                <a:srgbClr val="FF0000"/>
-              </a:solidFill>
-            </a:endParaRPr>
           </a:p>
         </p:txBody>
       </p:sp>
@@ -5222,21 +5870,604 @@
                             </p:childTnLst>
                           </p:cTn>
                         </p:par>
+                      </p:childTnLst>
+                    </p:cTn>
+                  </p:par>
+                </p:childTnLst>
+              </p:cTn>
+              <p:prevCondLst>
+                <p:cond evt="onPrev" delay="0">
+                  <p:tgtEl>
+                    <p:sldTgt/>
+                  </p:tgtEl>
+                </p:cond>
+              </p:prevCondLst>
+              <p:nextCondLst>
+                <p:cond evt="onNext" delay="0">
+                  <p:tgtEl>
+                    <p:sldTgt/>
+                  </p:tgtEl>
+                </p:cond>
+              </p:nextCondLst>
+            </p:seq>
+          </p:childTnLst>
+        </p:cTn>
+      </p:par>
+    </p:tnLst>
+  </p:timing>
+</p:sld>
+</file>
+
+<file path=ppt/slides/slide4.xml><?xml version="1.0" encoding="utf-8"?>
+<p:sld xmlns:a="http://schemas.openxmlformats.org/drawingml/2006/main" xmlns:r="http://schemas.openxmlformats.org/officeDocument/2006/relationships" xmlns:p="http://schemas.openxmlformats.org/presentationml/2006/main">
+  <p:cSld>
+    <p:spTree>
+      <p:nvGrpSpPr>
+        <p:cNvPr id="1" name=""/>
+        <p:cNvGrpSpPr/>
+        <p:nvPr/>
+      </p:nvGrpSpPr>
+      <p:grpSpPr>
+        <a:xfrm>
+          <a:off x="0" y="0"/>
+          <a:ext cx="0" cy="0"/>
+          <a:chOff x="0" y="0"/>
+          <a:chExt cx="0" cy="0"/>
+        </a:xfrm>
+      </p:grpSpPr>
+      <p:sp>
+        <p:nvSpPr>
+          <p:cNvPr id="2" name="内容占位符 1"/>
+          <p:cNvSpPr>
+            <a:spLocks noGrp="1"/>
+          </p:cNvSpPr>
+          <p:nvPr>
+            <p:ph sz="quarter" idx="10"/>
+          </p:nvPr>
+        </p:nvSpPr>
+        <p:spPr>
+          <a:xfrm>
+            <a:off x="927735" y="783590"/>
+            <a:ext cx="10781665" cy="5269230"/>
+          </a:xfrm>
+        </p:spPr>
+        <p:txBody>
+          <a:bodyPr/>
+          <a:lstStyle/>
+          <a:p>
+            <a:pPr>
+              <a:lnSpc>
+                <a:spcPct val="150000"/>
+              </a:lnSpc>
+            </a:pPr>
+            <a:r>
+              <a:rPr sz="3200" dirty="0">
+                <a:solidFill>
+                  <a:schemeClr val="tx1"/>
+                </a:solidFill>
+                <a:sym typeface="+mn-ea"/>
+              </a:rPr>
+              <a:t>JSON</a:t>
+            </a:r>
+            <a:r>
+              <a:rPr lang="zh-CN" sz="3200" dirty="0">
+                <a:solidFill>
+                  <a:schemeClr val="tx1"/>
+                </a:solidFill>
+                <a:sym typeface="+mn-ea"/>
+              </a:rPr>
+              <a:t>实例（</a:t>
+            </a:r>
+            <a:r>
+              <a:rPr lang="en-US" altLang="zh-CN" sz="3200" dirty="0">
+                <a:solidFill>
+                  <a:schemeClr val="tx1"/>
+                </a:solidFill>
+                <a:sym typeface="+mn-ea"/>
+              </a:rPr>
+              <a:t>JSON</a:t>
+            </a:r>
+            <a:r>
+              <a:rPr lang="zh-CN" sz="3200" dirty="0">
+                <a:solidFill>
+                  <a:schemeClr val="tx1"/>
+                </a:solidFill>
+                <a:sym typeface="+mn-ea"/>
+              </a:rPr>
+              <a:t>练习：</a:t>
+            </a:r>
+            <a:r>
+              <a:rPr sz="3200" dirty="0">
+                <a:solidFill>
+                  <a:schemeClr val="tx1"/>
+                </a:solidFill>
+                <a:sym typeface="+mn-ea"/>
+              </a:rPr>
+              <a:t> http://www.json.cn/</a:t>
+            </a:r>
+            <a:r>
+              <a:rPr lang="zh-CN" sz="3200" dirty="0">
+                <a:solidFill>
+                  <a:schemeClr val="tx1"/>
+                </a:solidFill>
+                <a:sym typeface="+mn-ea"/>
+              </a:rPr>
+              <a:t>）</a:t>
+            </a:r>
+            <a:endParaRPr lang="zh-CN" sz="3200" dirty="0">
+              <a:solidFill>
+                <a:schemeClr val="tx1"/>
+              </a:solidFill>
+              <a:sym typeface="+mn-ea"/>
+            </a:endParaRPr>
+          </a:p>
+          <a:p>
+            <a:pPr marL="0" indent="0">
+              <a:lnSpc>
+                <a:spcPct val="160000"/>
+              </a:lnSpc>
+              <a:buNone/>
+            </a:pPr>
+            <a:endParaRPr lang="en-US" altLang="zh-CN" sz="1800" dirty="0">
+              <a:solidFill>
+                <a:schemeClr val="tx1"/>
+              </a:solidFill>
+              <a:sym typeface="+mn-ea"/>
+            </a:endParaRPr>
+          </a:p>
+        </p:txBody>
+      </p:sp>
+      <p:sp>
+        <p:nvSpPr>
+          <p:cNvPr id="3" name="内容占位符 2"/>
+          <p:cNvSpPr>
+            <a:spLocks noGrp="1"/>
+          </p:cNvSpPr>
+          <p:nvPr>
+            <p:ph sz="quarter" idx="11"/>
+          </p:nvPr>
+        </p:nvSpPr>
+        <p:spPr/>
+        <p:txBody>
+          <a:bodyPr/>
+          <a:lstStyle/>
+          <a:p>
+            <a:r>
+              <a:rPr lang="en-US" dirty="0"/>
+              <a:t>JSON</a:t>
+            </a:r>
+            <a:r>
+              <a:rPr lang="zh-CN" altLang="en-US" dirty="0"/>
+              <a:t>简介</a:t>
+            </a:r>
+            <a:endParaRPr lang="zh-CN" altLang="en-US" dirty="0"/>
+          </a:p>
+        </p:txBody>
+      </p:sp>
+      <p:sp>
+        <p:nvSpPr>
+          <p:cNvPr id="6" name="文本框 5"/>
+          <p:cNvSpPr txBox="1"/>
+          <p:nvPr/>
+        </p:nvSpPr>
+        <p:spPr>
+          <a:xfrm>
+            <a:off x="5575300" y="6339840"/>
+            <a:ext cx="5033010" cy="398780"/>
+          </a:xfrm>
+          <a:prstGeom prst="rect">
+            <a:avLst/>
+          </a:prstGeom>
+          <a:noFill/>
+        </p:spPr>
+        <p:txBody>
+          <a:bodyPr wrap="square" rtlCol="0">
+            <a:spAutoFit/>
+          </a:bodyPr>
+          <a:lstStyle/>
+          <a:p>
+            <a:r>
+              <a:rPr lang="zh-CN" altLang="en-US" sz="2000">
+                <a:solidFill>
+                  <a:srgbClr val="FF0000"/>
+                </a:solidFill>
+              </a:rPr>
+              <a:t>参见实例</a:t>
+            </a:r>
+            <a:r>
+              <a:rPr lang="en-US" altLang="zh-CN" sz="2000">
+                <a:solidFill>
+                  <a:srgbClr val="FF0000"/>
+                </a:solidFill>
+              </a:rPr>
+              <a:t>Demo02 JSON </a:t>
+            </a:r>
+            <a:r>
+              <a:rPr lang="zh-CN" altLang="en-US" sz="2000">
+                <a:solidFill>
+                  <a:srgbClr val="FF0000"/>
+                </a:solidFill>
+              </a:rPr>
+              <a:t> </a:t>
+            </a:r>
+            <a:endParaRPr lang="en-US" altLang="zh-CN" sz="2000">
+              <a:solidFill>
+                <a:srgbClr val="FF0000"/>
+              </a:solidFill>
+            </a:endParaRPr>
+          </a:p>
+        </p:txBody>
+      </p:sp>
+      <p:sp>
+        <p:nvSpPr>
+          <p:cNvPr id="5" name="文本框 4"/>
+          <p:cNvSpPr txBox="1"/>
+          <p:nvPr/>
+        </p:nvSpPr>
+        <p:spPr>
+          <a:xfrm>
+            <a:off x="5575300" y="5922010"/>
+            <a:ext cx="5033010" cy="398780"/>
+          </a:xfrm>
+          <a:prstGeom prst="rect">
+            <a:avLst/>
+          </a:prstGeom>
+          <a:noFill/>
+        </p:spPr>
+        <p:txBody>
+          <a:bodyPr wrap="square" rtlCol="0">
+            <a:spAutoFit/>
+          </a:bodyPr>
+          <a:p>
+            <a:r>
+              <a:rPr lang="en-US" altLang="zh-CN" sz="2000">
+                <a:solidFill>
+                  <a:srgbClr val="FF0000"/>
+                </a:solidFill>
+              </a:rPr>
+              <a:t>JSON</a:t>
+            </a:r>
+            <a:r>
+              <a:rPr lang="zh-CN" altLang="en-US" sz="2000">
+                <a:solidFill>
+                  <a:srgbClr val="FF0000"/>
+                </a:solidFill>
+              </a:rPr>
+              <a:t>更多介绍参见：http://json.org/ </a:t>
+            </a:r>
+            <a:endParaRPr lang="en-US" altLang="zh-CN" sz="2000">
+              <a:solidFill>
+                <a:srgbClr val="FF0000"/>
+              </a:solidFill>
+            </a:endParaRPr>
+          </a:p>
+        </p:txBody>
+      </p:sp>
+      <p:pic>
+        <p:nvPicPr>
+          <p:cNvPr id="8" name="图片 7" descr="VCFYX[OFPFV9A)P35L{O(C4"/>
+          <p:cNvPicPr>
+            <a:picLocks noChangeAspect="1"/>
+          </p:cNvPicPr>
+          <p:nvPr/>
+        </p:nvPicPr>
+        <p:blipFill>
+          <a:blip r:embed="rId1"/>
+          <a:stretch>
+            <a:fillRect/>
+          </a:stretch>
+        </p:blipFill>
+        <p:spPr>
+          <a:xfrm>
+            <a:off x="1090930" y="1550670"/>
+            <a:ext cx="7327265" cy="4320540"/>
+          </a:xfrm>
+          <a:prstGeom prst="rect">
+            <a:avLst/>
+          </a:prstGeom>
+        </p:spPr>
+      </p:pic>
+    </p:spTree>
+  </p:cSld>
+  <p:clrMapOvr>
+    <a:masterClrMapping/>
+  </p:clrMapOvr>
+  <p:timing>
+    <p:tnLst>
+      <p:par>
+        <p:cTn id="1" dur="indefinite" restart="never" nodeType="tmRoot">
+          <p:childTnLst>
+            <p:seq concurrent="1" nextAc="seek">
+              <p:cTn id="2" dur="indefinite" nodeType="mainSeq">
+                <p:childTnLst>
+                  <p:par>
+                    <p:cTn id="3" fill="hold">
+                      <p:stCondLst>
+                        <p:cond delay="indefinite"/>
+                      </p:stCondLst>
+                      <p:childTnLst>
                         <p:par>
-                          <p:cTn id="21" fill="hold">
+                          <p:cTn id="4" fill="hold">
                             <p:stCondLst>
-                              <p:cond delay="500"/>
+                              <p:cond delay="0"/>
                             </p:stCondLst>
                             <p:childTnLst>
                               <p:par>
-                                <p:cTn id="22" presetID="2" presetClass="entr" presetSubtype="4" fill="hold" grpId="0" nodeType="afterEffect">
+                                <p:cTn id="5" presetID="2" presetClass="entr" presetSubtype="4" fill="hold" nodeType="clickEffect">
                                   <p:stCondLst>
                                     <p:cond delay="0"/>
                                   </p:stCondLst>
                                   <p:childTnLst>
                                     <p:set>
                                       <p:cBhvr>
-                                        <p:cTn id="23" dur="1" fill="hold">
+                                        <p:cTn id="6" dur="1" fill="hold">
+                                          <p:stCondLst>
+                                            <p:cond delay="0"/>
+                                          </p:stCondLst>
+                                        </p:cTn>
+                                        <p:tgtEl>
+                                          <p:spTgt spid="2">
+                                            <p:txEl>
+                                              <p:pRg st="0" end="0"/>
+                                            </p:txEl>
+                                          </p:spTgt>
+                                        </p:tgtEl>
+                                        <p:attrNameLst>
+                                          <p:attrName>style.visibility</p:attrName>
+                                        </p:attrNameLst>
+                                      </p:cBhvr>
+                                      <p:to>
+                                        <p:strVal val="visible"/>
+                                      </p:to>
+                                    </p:set>
+                                    <p:anim calcmode="lin" valueType="num">
+                                      <p:cBhvr additive="base">
+                                        <p:cTn id="7" dur="500" fill="hold"/>
+                                        <p:tgtEl>
+                                          <p:spTgt spid="2">
+                                            <p:txEl>
+                                              <p:pRg st="0" end="0"/>
+                                            </p:txEl>
+                                          </p:spTgt>
+                                        </p:tgtEl>
+                                        <p:attrNameLst>
+                                          <p:attrName>ppt_x</p:attrName>
+                                        </p:attrNameLst>
+                                      </p:cBhvr>
+                                      <p:tavLst>
+                                        <p:tav tm="0">
+                                          <p:val>
+                                            <p:strVal val="#ppt_x"/>
+                                          </p:val>
+                                        </p:tav>
+                                        <p:tav tm="100000">
+                                          <p:val>
+                                            <p:strVal val="#ppt_x"/>
+                                          </p:val>
+                                        </p:tav>
+                                      </p:tavLst>
+                                    </p:anim>
+                                    <p:anim calcmode="lin" valueType="num">
+                                      <p:cBhvr additive="base">
+                                        <p:cTn id="8" dur="500" fill="hold"/>
+                                        <p:tgtEl>
+                                          <p:spTgt spid="2">
+                                            <p:txEl>
+                                              <p:pRg st="0" end="0"/>
+                                            </p:txEl>
+                                          </p:spTgt>
+                                        </p:tgtEl>
+                                        <p:attrNameLst>
+                                          <p:attrName>ppt_y</p:attrName>
+                                        </p:attrNameLst>
+                                      </p:cBhvr>
+                                      <p:tavLst>
+                                        <p:tav tm="0">
+                                          <p:val>
+                                            <p:strVal val="1+#ppt_h/2"/>
+                                          </p:val>
+                                        </p:tav>
+                                        <p:tav tm="100000">
+                                          <p:val>
+                                            <p:strVal val="#ppt_y"/>
+                                          </p:val>
+                                        </p:tav>
+                                      </p:tavLst>
+                                    </p:anim>
+                                  </p:childTnLst>
+                                </p:cTn>
+                              </p:par>
+                            </p:childTnLst>
+                          </p:cTn>
+                        </p:par>
+                        <p:par>
+                          <p:cTn id="9" fill="hold">
+                            <p:stCondLst>
+                              <p:cond delay="500"/>
+                            </p:stCondLst>
+                            <p:childTnLst>
+                              <p:par>
+                                <p:cTn id="10" presetID="2" presetClass="entr" presetSubtype="4" fill="hold" nodeType="afterEffect">
+                                  <p:stCondLst>
+                                    <p:cond delay="0"/>
+                                  </p:stCondLst>
+                                  <p:childTnLst>
+                                    <p:set>
+                                      <p:cBhvr>
+                                        <p:cTn id="11" dur="1" fill="hold">
+                                          <p:stCondLst>
+                                            <p:cond delay="0"/>
+                                          </p:stCondLst>
+                                        </p:cTn>
+                                        <p:tgtEl>
+                                          <p:spTgt spid="8"/>
+                                        </p:tgtEl>
+                                        <p:attrNameLst>
+                                          <p:attrName>style.visibility</p:attrName>
+                                        </p:attrNameLst>
+                                      </p:cBhvr>
+                                      <p:to>
+                                        <p:strVal val="visible"/>
+                                      </p:to>
+                                    </p:set>
+                                    <p:anim calcmode="lin" valueType="num">
+                                      <p:cBhvr additive="base">
+                                        <p:cTn id="12" dur="500" fill="hold"/>
+                                        <p:tgtEl>
+                                          <p:spTgt spid="8"/>
+                                        </p:tgtEl>
+                                        <p:attrNameLst>
+                                          <p:attrName>ppt_x</p:attrName>
+                                        </p:attrNameLst>
+                                      </p:cBhvr>
+                                      <p:tavLst>
+                                        <p:tav tm="0">
+                                          <p:val>
+                                            <p:strVal val="#ppt_x"/>
+                                          </p:val>
+                                        </p:tav>
+                                        <p:tav tm="100000">
+                                          <p:val>
+                                            <p:strVal val="#ppt_x"/>
+                                          </p:val>
+                                        </p:tav>
+                                      </p:tavLst>
+                                    </p:anim>
+                                    <p:anim calcmode="lin" valueType="num">
+                                      <p:cBhvr additive="base">
+                                        <p:cTn id="13" dur="500" fill="hold"/>
+                                        <p:tgtEl>
+                                          <p:spTgt spid="8"/>
+                                        </p:tgtEl>
+                                        <p:attrNameLst>
+                                          <p:attrName>ppt_y</p:attrName>
+                                        </p:attrNameLst>
+                                      </p:cBhvr>
+                                      <p:tavLst>
+                                        <p:tav tm="0">
+                                          <p:val>
+                                            <p:strVal val="1+#ppt_h/2"/>
+                                          </p:val>
+                                        </p:tav>
+                                        <p:tav tm="100000">
+                                          <p:val>
+                                            <p:strVal val="#ppt_y"/>
+                                          </p:val>
+                                        </p:tav>
+                                      </p:tavLst>
+                                    </p:anim>
+                                  </p:childTnLst>
+                                </p:cTn>
+                              </p:par>
+                            </p:childTnLst>
+                          </p:cTn>
+                        </p:par>
+                      </p:childTnLst>
+                    </p:cTn>
+                  </p:par>
+                  <p:par>
+                    <p:cTn id="14" fill="hold">
+                      <p:stCondLst>
+                        <p:cond delay="indefinite"/>
+                      </p:stCondLst>
+                      <p:childTnLst>
+                        <p:par>
+                          <p:cTn id="15" fill="hold">
+                            <p:stCondLst>
+                              <p:cond delay="0"/>
+                            </p:stCondLst>
+                            <p:childTnLst>
+                              <p:par>
+                                <p:cTn id="16" presetID="2" presetClass="entr" presetSubtype="4" fill="hold" grpId="0" nodeType="clickEffect">
+                                  <p:stCondLst>
+                                    <p:cond delay="0"/>
+                                  </p:stCondLst>
+                                  <p:childTnLst>
+                                    <p:set>
+                                      <p:cBhvr>
+                                        <p:cTn id="17" dur="1" fill="hold">
+                                          <p:stCondLst>
+                                            <p:cond delay="0"/>
+                                          </p:stCondLst>
+                                        </p:cTn>
+                                        <p:tgtEl>
+                                          <p:spTgt spid="5"/>
+                                        </p:tgtEl>
+                                        <p:attrNameLst>
+                                          <p:attrName>style.visibility</p:attrName>
+                                        </p:attrNameLst>
+                                      </p:cBhvr>
+                                      <p:to>
+                                        <p:strVal val="visible"/>
+                                      </p:to>
+                                    </p:set>
+                                    <p:anim calcmode="lin" valueType="num">
+                                      <p:cBhvr additive="base">
+                                        <p:cTn id="18" dur="500" fill="hold"/>
+                                        <p:tgtEl>
+                                          <p:spTgt spid="5"/>
+                                        </p:tgtEl>
+                                        <p:attrNameLst>
+                                          <p:attrName>ppt_x</p:attrName>
+                                        </p:attrNameLst>
+                                      </p:cBhvr>
+                                      <p:tavLst>
+                                        <p:tav tm="0">
+                                          <p:val>
+                                            <p:strVal val="#ppt_x"/>
+                                          </p:val>
+                                        </p:tav>
+                                        <p:tav tm="100000">
+                                          <p:val>
+                                            <p:strVal val="#ppt_x"/>
+                                          </p:val>
+                                        </p:tav>
+                                      </p:tavLst>
+                                    </p:anim>
+                                    <p:anim calcmode="lin" valueType="num">
+                                      <p:cBhvr additive="base">
+                                        <p:cTn id="19" dur="500" fill="hold"/>
+                                        <p:tgtEl>
+                                          <p:spTgt spid="5"/>
+                                        </p:tgtEl>
+                                        <p:attrNameLst>
+                                          <p:attrName>ppt_y</p:attrName>
+                                        </p:attrNameLst>
+                                      </p:cBhvr>
+                                      <p:tavLst>
+                                        <p:tav tm="0">
+                                          <p:val>
+                                            <p:strVal val="1+#ppt_h/2"/>
+                                          </p:val>
+                                        </p:tav>
+                                        <p:tav tm="100000">
+                                          <p:val>
+                                            <p:strVal val="#ppt_y"/>
+                                          </p:val>
+                                        </p:tav>
+                                      </p:tavLst>
+                                    </p:anim>
+                                  </p:childTnLst>
+                                </p:cTn>
+                              </p:par>
+                            </p:childTnLst>
+                          </p:cTn>
+                        </p:par>
+                        <p:par>
+                          <p:cTn id="20" fill="hold">
+                            <p:stCondLst>
+                              <p:cond delay="500"/>
+                            </p:stCondLst>
+                            <p:childTnLst>
+                              <p:par>
+                                <p:cTn id="21" presetID="2" presetClass="entr" presetSubtype="4" fill="hold" grpId="0" nodeType="afterEffect">
+                                  <p:stCondLst>
+                                    <p:cond delay="0"/>
+                                  </p:stCondLst>
+                                  <p:childTnLst>
+                                    <p:set>
+                                      <p:cBhvr>
+                                        <p:cTn id="22" dur="1" fill="hold">
                                           <p:stCondLst>
                                             <p:cond delay="0"/>
                                           </p:stCondLst>
@@ -5254,7 +6485,7 @@
                                     </p:set>
                                     <p:anim calcmode="lin" valueType="num">
                                       <p:cBhvr additive="base">
-                                        <p:cTn id="24" dur="500" fill="hold"/>
+                                        <p:cTn id="23" dur="500" fill="hold"/>
                                         <p:tgtEl>
                                           <p:spTgt spid="6"/>
                                         </p:tgtEl>
@@ -5277,7 +6508,7 @@
                                     </p:anim>
                                     <p:anim calcmode="lin" valueType="num">
                                       <p:cBhvr additive="base">
-                                        <p:cTn id="25" dur="500" fill="hold"/>
+                                        <p:cTn id="24" dur="500" fill="hold"/>
                                         <p:tgtEl>
                                           <p:spTgt spid="6"/>
                                         </p:tgtEl>
@@ -5330,12 +6561,13 @@
     </p:tnLst>
     <p:bldLst>
       <p:bldP spid="6" grpId="0"/>
+      <p:bldP spid="5" grpId="0"/>
     </p:bldLst>
   </p:timing>
 </p:sld>
 </file>
 
-<file path=ppt/slides/slide4.xml><?xml version="1.0" encoding="utf-8"?>
+<file path=ppt/slides/slide5.xml><?xml version="1.0" encoding="utf-8"?>
 <p:sld xmlns:a="http://schemas.openxmlformats.org/drawingml/2006/main" xmlns:r="http://schemas.openxmlformats.org/officeDocument/2006/relationships" xmlns:p="http://schemas.openxmlformats.org/presentationml/2006/main">
   <p:cSld>
     <p:spTree>
@@ -5858,7 +7090,7 @@
 </p:sld>
 </file>
 
-<file path=ppt/slides/slide5.xml><?xml version="1.0" encoding="utf-8"?>
+<file path=ppt/slides/slide6.xml><?xml version="1.0" encoding="utf-8"?>
 <p:sld xmlns:a="http://schemas.openxmlformats.org/drawingml/2006/main" xmlns:r="http://schemas.openxmlformats.org/officeDocument/2006/relationships" xmlns:p="http://schemas.openxmlformats.org/presentationml/2006/main">
   <p:cSld>
     <p:spTree>
@@ -5916,7 +7148,7 @@
                 </a:solidFill>
                 <a:sym typeface="+mn-ea"/>
               </a:rPr>
-              <a:t>.stringify(value[, replacer [, space]])</a:t>
+              <a:t>.stringify(value [,replacer [,space] ] )</a:t>
             </a:r>
             <a:br>
               <a:rPr sz="3200" dirty="0">
@@ -5959,7 +7191,7 @@
                 </a:solidFill>
                 <a:sym typeface="+mn-ea"/>
               </a:rPr>
-              <a:t>JSON.parse(text[, reviver])</a:t>
+              <a:t>JSON.parse(text [,reviver])</a:t>
             </a:r>
             <a:br>
               <a:rPr lang="zh-CN" altLang="en-US" sz="3200" dirty="0">
@@ -6638,7 +7870,7 @@
 </p:sld>
 </file>
 
-<file path=ppt/slides/slide6.xml><?xml version="1.0" encoding="utf-8"?>
+<file path=ppt/slides/slide7.xml><?xml version="1.0" encoding="utf-8"?>
 <p:sld xmlns:a="http://schemas.openxmlformats.org/drawingml/2006/main" xmlns:r="http://schemas.openxmlformats.org/officeDocument/2006/relationships" xmlns:p="http://schemas.openxmlformats.org/presentationml/2006/main">
   <p:cSld>
     <p:spTree>
@@ -6696,16 +7928,16 @@
                 </a:solidFill>
                 <a:sym typeface="+mn-ea"/>
               </a:rPr>
-              <a:t>.stringify(</a:t>
+              <a:t>.stringify(value [</a:t>
             </a:r>
             <a:r>
               <a:rPr lang="en-US" sz="3200" dirty="0">
                 <a:solidFill>
-                  <a:schemeClr val="tx1"/>
+                  <a:srgbClr val="FF0000"/>
                 </a:solidFill>
                 <a:sym typeface="+mn-ea"/>
               </a:rPr>
-              <a:t>value[, replacer [, space]]</a:t>
+              <a:t>,replacer</a:t>
             </a:r>
             <a:r>
               <a:rPr lang="en-US" sz="3200" dirty="0">
@@ -6714,7 +7946,7 @@
                 </a:solidFill>
                 <a:sym typeface="+mn-ea"/>
               </a:rPr>
-              <a:t>)</a:t>
+              <a:t> [,space] ] )</a:t>
             </a:r>
             <a:br>
               <a:rPr lang="zh-CN" altLang="en-US" sz="3200" dirty="0">
@@ -6791,7 +8023,7 @@
         <p:spPr>
           <a:xfrm>
             <a:off x="5575300" y="6196330"/>
-            <a:ext cx="5033010" cy="398780"/>
+            <a:ext cx="5703570" cy="398780"/>
           </a:xfrm>
           <a:prstGeom prst="rect">
             <a:avLst/>
@@ -6818,7 +8050,7 @@
                   <a:srgbClr val="FF0000"/>
                 </a:solidFill>
               </a:rPr>
-              <a:t>Demo3 JSON</a:t>
+              <a:t>Demo4 JSON</a:t>
             </a:r>
             <a:r>
               <a:rPr lang="zh-CN" altLang="en-US" sz="2000">
@@ -6826,7 +8058,23 @@
                   <a:srgbClr val="FF0000"/>
                 </a:solidFill>
               </a:rPr>
-              <a:t>对象方法</a:t>
+              <a:t>对象</a:t>
+            </a:r>
+            <a:r>
+              <a:rPr lang="en-US" altLang="zh-CN" sz="2000">
+                <a:solidFill>
+                  <a:srgbClr val="FF0000"/>
+                </a:solidFill>
+              </a:rPr>
+              <a:t>stringify</a:t>
+            </a:r>
+            <a:r>
+              <a:rPr lang="zh-CN" altLang="en-US" sz="2000">
+                <a:solidFill>
+                  <a:srgbClr val="FF0000"/>
+                </a:solidFill>
+              </a:rPr>
+              <a:t>方法进阶</a:t>
             </a:r>
             <a:r>
               <a:rPr lang="en-US" altLang="zh-CN" sz="2000">
@@ -6996,7 +8244,7 @@
                             </p:stCondLst>
                             <p:childTnLst>
                               <p:par>
-                                <p:cTn id="10" presetID="2" presetClass="entr" presetSubtype="4" fill="hold" grpId="0" nodeType="afterEffect">
+                                <p:cTn id="10" presetID="2" presetClass="entr" presetSubtype="4" fill="hold" nodeType="afterEffect">
                                   <p:stCondLst>
                                     <p:cond delay="0"/>
                                   </p:stCondLst>
@@ -7004,6 +8252,97 @@
                                     <p:set>
                                       <p:cBhvr>
                                         <p:cTn id="11" dur="1" fill="hold">
+                                          <p:stCondLst>
+                                            <p:cond delay="0"/>
+                                          </p:stCondLst>
+                                        </p:cTn>
+                                        <p:tgtEl>
+                                          <p:spTgt spid="7"/>
+                                        </p:tgtEl>
+                                        <p:attrNameLst>
+                                          <p:attrName>style.visibility</p:attrName>
+                                        </p:attrNameLst>
+                                      </p:cBhvr>
+                                      <p:to>
+                                        <p:strVal val="visible"/>
+                                      </p:to>
+                                    </p:set>
+                                    <p:anim calcmode="lin" valueType="num">
+                                      <p:cBhvr additive="base">
+                                        <p:cTn id="12" dur="500" fill="hold"/>
+                                        <p:tgtEl>
+                                          <p:spTgt spid="7"/>
+                                        </p:tgtEl>
+                                        <p:attrNameLst>
+                                          <p:attrName>ppt_x</p:attrName>
+                                        </p:attrNameLst>
+                                      </p:cBhvr>
+                                      <p:tavLst>
+                                        <p:tav tm="0">
+                                          <p:val>
+                                            <p:strVal val="#ppt_x"/>
+                                          </p:val>
+                                        </p:tav>
+                                        <p:tav tm="100000">
+                                          <p:val>
+                                            <p:strVal val="#ppt_x"/>
+                                          </p:val>
+                                        </p:tav>
+                                      </p:tavLst>
+                                    </p:anim>
+                                    <p:anim calcmode="lin" valueType="num">
+                                      <p:cBhvr additive="base">
+                                        <p:cTn id="13" dur="500" fill="hold"/>
+                                        <p:tgtEl>
+                                          <p:spTgt spid="7"/>
+                                        </p:tgtEl>
+                                        <p:attrNameLst>
+                                          <p:attrName>ppt_y</p:attrName>
+                                        </p:attrNameLst>
+                                      </p:cBhvr>
+                                      <p:tavLst>
+                                        <p:tav tm="0">
+                                          <p:val>
+                                            <p:strVal val="1+#ppt_h/2"/>
+                                          </p:val>
+                                        </p:tav>
+                                        <p:tav tm="100000">
+                                          <p:val>
+                                            <p:strVal val="#ppt_y"/>
+                                          </p:val>
+                                        </p:tav>
+                                      </p:tavLst>
+                                    </p:anim>
+                                  </p:childTnLst>
+                                </p:cTn>
+                              </p:par>
+                            </p:childTnLst>
+                          </p:cTn>
+                        </p:par>
+                      </p:childTnLst>
+                    </p:cTn>
+                  </p:par>
+                  <p:par>
+                    <p:cTn id="14" fill="hold">
+                      <p:stCondLst>
+                        <p:cond delay="indefinite"/>
+                      </p:stCondLst>
+                      <p:childTnLst>
+                        <p:par>
+                          <p:cTn id="15" fill="hold">
+                            <p:stCondLst>
+                              <p:cond delay="0"/>
+                            </p:stCondLst>
+                            <p:childTnLst>
+                              <p:par>
+                                <p:cTn id="16" presetID="2" presetClass="entr" presetSubtype="4" fill="hold" grpId="0" nodeType="clickEffect">
+                                  <p:stCondLst>
+                                    <p:cond delay="0"/>
+                                  </p:stCondLst>
+                                  <p:childTnLst>
+                                    <p:set>
+                                      <p:cBhvr>
+                                        <p:cTn id="17" dur="1" fill="hold">
                                           <p:stCondLst>
                                             <p:cond delay="0"/>
                                           </p:stCondLst>
@@ -7021,7 +8360,7 @@
                                     </p:set>
                                     <p:anim calcmode="lin" valueType="num">
                                       <p:cBhvr additive="base">
-                                        <p:cTn id="12" dur="500" fill="hold"/>
+                                        <p:cTn id="18" dur="500" fill="hold"/>
                                         <p:tgtEl>
                                           <p:spTgt spid="6"/>
                                         </p:tgtEl>
@@ -7044,7 +8383,7 @@
                                     </p:anim>
                                     <p:anim calcmode="lin" valueType="num">
                                       <p:cBhvr additive="base">
-                                        <p:cTn id="13" dur="500" fill="hold"/>
+                                        <p:cTn id="19" dur="500" fill="hold"/>
                                         <p:tgtEl>
                                           <p:spTgt spid="6"/>
                                         </p:tgtEl>
@@ -7102,7 +8441,7 @@
 </p:sld>
 </file>
 
-<file path=ppt/slides/slide7.xml><?xml version="1.0" encoding="utf-8"?>
+<file path=ppt/slides/slide8.xml><?xml version="1.0" encoding="utf-8"?>
 <p:sld xmlns:a="http://schemas.openxmlformats.org/drawingml/2006/main" xmlns:r="http://schemas.openxmlformats.org/officeDocument/2006/relationships" xmlns:p="http://schemas.openxmlformats.org/presentationml/2006/main">
   <p:cSld>
     <p:spTree>
@@ -7151,16 +8490,16 @@
                 </a:solidFill>
                 <a:sym typeface="+mn-ea"/>
               </a:rPr>
-              <a:t>JSON.parse(</a:t>
+              <a:t>JSON.parse(text [</a:t>
             </a:r>
             <a:r>
               <a:rPr lang="en-US" altLang="zh-CN" sz="3200" dirty="0">
                 <a:solidFill>
-                  <a:schemeClr val="tx1"/>
+                  <a:srgbClr val="FF0000"/>
                 </a:solidFill>
                 <a:sym typeface="+mn-ea"/>
               </a:rPr>
-              <a:t>text[, reviver]</a:t>
+              <a:t>,reviver</a:t>
             </a:r>
             <a:r>
               <a:rPr lang="en-US" altLang="zh-CN" sz="3200" dirty="0">
@@ -7169,7 +8508,7 @@
                 </a:solidFill>
                 <a:sym typeface="+mn-ea"/>
               </a:rPr>
-              <a:t>)</a:t>
+              <a:t>])</a:t>
             </a:r>
             <a:br>
               <a:rPr lang="zh-CN" altLang="en-US" sz="3200" dirty="0">
@@ -7273,7 +8612,7 @@
                   <a:srgbClr val="FF0000"/>
                 </a:solidFill>
               </a:rPr>
-              <a:t>Demo3 JSON</a:t>
+              <a:t>Demo5 JSON</a:t>
             </a:r>
             <a:r>
               <a:rPr lang="zh-CN" altLang="en-US" sz="2000">
@@ -7281,7 +8620,23 @@
                   <a:srgbClr val="FF0000"/>
                 </a:solidFill>
               </a:rPr>
-              <a:t>对象方法</a:t>
+              <a:t>对象</a:t>
+            </a:r>
+            <a:r>
+              <a:rPr lang="en-US" altLang="zh-CN" sz="2000">
+                <a:solidFill>
+                  <a:srgbClr val="FF0000"/>
+                </a:solidFill>
+              </a:rPr>
+              <a:t>parse</a:t>
+            </a:r>
+            <a:r>
+              <a:rPr lang="zh-CN" altLang="en-US" sz="2000">
+                <a:solidFill>
+                  <a:srgbClr val="FF0000"/>
+                </a:solidFill>
+              </a:rPr>
+              <a:t>方法进阶</a:t>
             </a:r>
             <a:r>
               <a:rPr lang="en-US" altLang="zh-CN" sz="2000">
@@ -7307,6 +8662,30 @@
           </a:p>
         </p:txBody>
       </p:sp>
+      <p:pic>
+        <p:nvPicPr>
+          <p:cNvPr id="8" name="图片 7" descr="2$FZ9VT7(J9EPYME%P)@CMW"/>
+          <p:cNvPicPr>
+            <a:picLocks noChangeAspect="1"/>
+          </p:cNvPicPr>
+          <p:nvPr/>
+        </p:nvPicPr>
+        <p:blipFill>
+          <a:blip r:embed="rId1"/>
+          <a:stretch>
+            <a:fillRect/>
+          </a:stretch>
+        </p:blipFill>
+        <p:spPr>
+          <a:xfrm>
+            <a:off x="1090930" y="1610995"/>
+            <a:ext cx="10440035" cy="4306570"/>
+          </a:xfrm>
+          <a:prstGeom prst="rect">
+            <a:avLst/>
+          </a:prstGeom>
+        </p:spPr>
+      </p:pic>
     </p:spTree>
   </p:cSld>
   <p:clrMapOvr>
@@ -7420,21 +8799,112 @@
                             </p:childTnLst>
                           </p:cTn>
                         </p:par>
+                      </p:childTnLst>
+                    </p:cTn>
+                  </p:par>
+                  <p:par>
+                    <p:cTn id="9" fill="hold">
+                      <p:stCondLst>
+                        <p:cond delay="indefinite"/>
+                      </p:stCondLst>
+                      <p:childTnLst>
                         <p:par>
-                          <p:cTn id="9" fill="hold">
+                          <p:cTn id="10" fill="hold">
                             <p:stCondLst>
-                              <p:cond delay="500"/>
+                              <p:cond delay="0"/>
                             </p:stCondLst>
                             <p:childTnLst>
                               <p:par>
-                                <p:cTn id="10" presetID="2" presetClass="entr" presetSubtype="4" fill="hold" grpId="0" nodeType="afterEffect">
+                                <p:cTn id="11" presetID="2" presetClass="entr" presetSubtype="4" fill="hold" nodeType="clickEffect">
                                   <p:stCondLst>
                                     <p:cond delay="0"/>
                                   </p:stCondLst>
                                   <p:childTnLst>
                                     <p:set>
                                       <p:cBhvr>
-                                        <p:cTn id="11" dur="1" fill="hold">
+                                        <p:cTn id="12" dur="1" fill="hold">
+                                          <p:stCondLst>
+                                            <p:cond delay="0"/>
+                                          </p:stCondLst>
+                                        </p:cTn>
+                                        <p:tgtEl>
+                                          <p:spTgt spid="8"/>
+                                        </p:tgtEl>
+                                        <p:attrNameLst>
+                                          <p:attrName>style.visibility</p:attrName>
+                                        </p:attrNameLst>
+                                      </p:cBhvr>
+                                      <p:to>
+                                        <p:strVal val="visible"/>
+                                      </p:to>
+                                    </p:set>
+                                    <p:anim calcmode="lin" valueType="num">
+                                      <p:cBhvr additive="base">
+                                        <p:cTn id="13" dur="500" fill="hold"/>
+                                        <p:tgtEl>
+                                          <p:spTgt spid="8"/>
+                                        </p:tgtEl>
+                                        <p:attrNameLst>
+                                          <p:attrName>ppt_x</p:attrName>
+                                        </p:attrNameLst>
+                                      </p:cBhvr>
+                                      <p:tavLst>
+                                        <p:tav tm="0">
+                                          <p:val>
+                                            <p:strVal val="#ppt_x"/>
+                                          </p:val>
+                                        </p:tav>
+                                        <p:tav tm="100000">
+                                          <p:val>
+                                            <p:strVal val="#ppt_x"/>
+                                          </p:val>
+                                        </p:tav>
+                                      </p:tavLst>
+                                    </p:anim>
+                                    <p:anim calcmode="lin" valueType="num">
+                                      <p:cBhvr additive="base">
+                                        <p:cTn id="14" dur="500" fill="hold"/>
+                                        <p:tgtEl>
+                                          <p:spTgt spid="8"/>
+                                        </p:tgtEl>
+                                        <p:attrNameLst>
+                                          <p:attrName>ppt_y</p:attrName>
+                                        </p:attrNameLst>
+                                      </p:cBhvr>
+                                      <p:tavLst>
+                                        <p:tav tm="0">
+                                          <p:val>
+                                            <p:strVal val="1+#ppt_h/2"/>
+                                          </p:val>
+                                        </p:tav>
+                                        <p:tav tm="100000">
+                                          <p:val>
+                                            <p:strVal val="#ppt_y"/>
+                                          </p:val>
+                                        </p:tav>
+                                      </p:tavLst>
+                                    </p:anim>
+                                  </p:childTnLst>
+                                </p:cTn>
+                              </p:par>
+                            </p:childTnLst>
+                          </p:cTn>
+                        </p:par>
+                        <p:par>
+                          <p:cTn id="15" fill="hold">
+                            <p:stCondLst>
+                              <p:cond delay="500"/>
+                            </p:stCondLst>
+                            <p:childTnLst>
+                              <p:par>
+                                <p:cTn id="16" presetID="2" presetClass="entr" presetSubtype="4" fill="hold" grpId="0" nodeType="afterEffect">
+                                  <p:stCondLst>
+                                    <p:cond delay="0"/>
+                                  </p:stCondLst>
+                                  <p:childTnLst>
+                                    <p:set>
+                                      <p:cBhvr>
+                                        <p:cTn id="17" dur="1" fill="hold">
                                           <p:stCondLst>
                                             <p:cond delay="0"/>
                                           </p:stCondLst>
@@ -7452,7 +8922,7 @@
                                     </p:set>
                                     <p:anim calcmode="lin" valueType="num">
                                       <p:cBhvr additive="base">
-                                        <p:cTn id="12" dur="500" fill="hold"/>
+                                        <p:cTn id="18" dur="500" fill="hold"/>
                                         <p:tgtEl>
                                           <p:spTgt spid="6"/>
                                         </p:tgtEl>
@@ -7475,7 +8945,7 @@
                                     </p:anim>
                                     <p:anim calcmode="lin" valueType="num">
                                       <p:cBhvr additive="base">
-                                        <p:cTn id="13" dur="500" fill="hold"/>
+                                        <p:cTn id="19" dur="500" fill="hold"/>
                                         <p:tgtEl>
                                           <p:spTgt spid="6"/>
                                         </p:tgtEl>
@@ -7533,7 +9003,7 @@
 </p:sld>
 </file>
 
-<file path=ppt/slides/slide8.xml><?xml version="1.0" encoding="utf-8"?>
+<file path=ppt/slides/slide9.xml><?xml version="1.0" encoding="utf-8"?>
 <p:sld xmlns:a="http://schemas.openxmlformats.org/drawingml/2006/main" xmlns:r="http://schemas.openxmlformats.org/officeDocument/2006/relationships" xmlns:p="http://schemas.openxmlformats.org/presentationml/2006/main">
   <p:cSld>
     <p:spTree>
@@ -8052,667 +9522,6 @@
         <p:cTn id="1" dur="indefinite" restart="never" nodeType="tmRoot"/>
       </p:par>
     </p:tnLst>
-  </p:timing>
-</p:sld>
-</file>
-
-<file path=ppt/slides/slide9.xml><?xml version="1.0" encoding="utf-8"?>
-<p:sld xmlns:a="http://schemas.openxmlformats.org/drawingml/2006/main" xmlns:r="http://schemas.openxmlformats.org/officeDocument/2006/relationships" xmlns:p="http://schemas.openxmlformats.org/presentationml/2006/main">
-  <p:cSld>
-    <p:spTree>
-      <p:nvGrpSpPr>
-        <p:cNvPr id="1" name=""/>
-        <p:cNvGrpSpPr/>
-        <p:nvPr/>
-      </p:nvGrpSpPr>
-      <p:grpSpPr>
-        <a:xfrm>
-          <a:off x="0" y="0"/>
-          <a:ext cx="0" cy="0"/>
-          <a:chOff x="0" y="0"/>
-          <a:chExt cx="0" cy="0"/>
-        </a:xfrm>
-      </p:grpSpPr>
-      <p:sp>
-        <p:nvSpPr>
-          <p:cNvPr id="2" name="内容占位符 1"/>
-          <p:cNvSpPr>
-            <a:spLocks noGrp="1"/>
-          </p:cNvSpPr>
-          <p:nvPr>
-            <p:ph sz="quarter" idx="10"/>
-          </p:nvPr>
-        </p:nvSpPr>
-        <p:spPr>
-          <a:xfrm>
-            <a:off x="927735" y="783590"/>
-            <a:ext cx="10781665" cy="5269230"/>
-          </a:xfrm>
-        </p:spPr>
-        <p:txBody>
-          <a:bodyPr/>
-          <a:lstStyle/>
-          <a:p>
-            <a:pPr>
-              <a:lnSpc>
-                <a:spcPct val="150000"/>
-              </a:lnSpc>
-            </a:pPr>
-            <a:r>
-              <a:rPr sz="3200" dirty="0">
-                <a:solidFill>
-                  <a:schemeClr val="tx1"/>
-                </a:solidFill>
-                <a:sym typeface="+mn-ea"/>
-              </a:rPr>
-              <a:t>JSON</a:t>
-            </a:r>
-            <a:r>
-              <a:rPr lang="zh-CN" sz="3200" dirty="0">
-                <a:solidFill>
-                  <a:schemeClr val="tx1"/>
-                </a:solidFill>
-                <a:sym typeface="+mn-ea"/>
-              </a:rPr>
-              <a:t>案例</a:t>
-            </a:r>
-            <a:r>
-              <a:rPr lang="en-US" altLang="zh-CN" sz="3200" dirty="0">
-                <a:solidFill>
-                  <a:schemeClr val="tx1"/>
-                </a:solidFill>
-                <a:sym typeface="+mn-ea"/>
-              </a:rPr>
-              <a:t>-</a:t>
-            </a:r>
-            <a:r>
-              <a:rPr lang="zh-CN" sz="3200" dirty="0">
-                <a:solidFill>
-                  <a:schemeClr val="tx1"/>
-                </a:solidFill>
-                <a:sym typeface="+mn-ea"/>
-              </a:rPr>
-              <a:t>前后端之间的数据传输</a:t>
-            </a:r>
-            <a:br>
-              <a:rPr lang="zh-CN" altLang="en-US" sz="3200" dirty="0">
-                <a:solidFill>
-                  <a:schemeClr val="tx1"/>
-                </a:solidFill>
-                <a:sym typeface="+mn-ea"/>
-              </a:rPr>
-            </a:br>
-            <a:br>
-              <a:rPr lang="en-US" altLang="zh-CN" sz="2000" dirty="0">
-                <a:solidFill>
-                  <a:schemeClr val="tx1"/>
-                </a:solidFill>
-                <a:sym typeface="+mn-ea"/>
-              </a:rPr>
-            </a:br>
-            <a:endParaRPr lang="zh-CN" altLang="en-US" sz="2000" dirty="0">
-              <a:solidFill>
-                <a:schemeClr val="tx1"/>
-              </a:solidFill>
-              <a:sym typeface="+mn-ea"/>
-            </a:endParaRPr>
-          </a:p>
-          <a:p>
-            <a:pPr marL="0" indent="0">
-              <a:lnSpc>
-                <a:spcPct val="160000"/>
-              </a:lnSpc>
-              <a:buNone/>
-            </a:pPr>
-            <a:endParaRPr lang="en-US" altLang="zh-CN" sz="1800" dirty="0">
-              <a:solidFill>
-                <a:schemeClr val="tx1"/>
-              </a:solidFill>
-              <a:sym typeface="+mn-ea"/>
-            </a:endParaRPr>
-          </a:p>
-        </p:txBody>
-      </p:sp>
-      <p:sp>
-        <p:nvSpPr>
-          <p:cNvPr id="3" name="内容占位符 2"/>
-          <p:cNvSpPr>
-            <a:spLocks noGrp="1"/>
-          </p:cNvSpPr>
-          <p:nvPr>
-            <p:ph sz="quarter" idx="11"/>
-          </p:nvPr>
-        </p:nvSpPr>
-        <p:spPr/>
-        <p:txBody>
-          <a:bodyPr/>
-          <a:lstStyle/>
-          <a:p>
-            <a:r>
-              <a:rPr lang="en-US" dirty="0"/>
-              <a:t>JSON</a:t>
-            </a:r>
-            <a:r>
-              <a:rPr lang="zh-CN" altLang="en-US" dirty="0"/>
-              <a:t>案例</a:t>
-            </a:r>
-            <a:endParaRPr lang="zh-CN" altLang="en-US" dirty="0"/>
-          </a:p>
-        </p:txBody>
-      </p:sp>
-      <p:pic>
-        <p:nvPicPr>
-          <p:cNvPr id="4" name="图片 3"/>
-          <p:cNvPicPr>
-            <a:picLocks noChangeAspect="1"/>
-          </p:cNvPicPr>
-          <p:nvPr/>
-        </p:nvPicPr>
-        <p:blipFill>
-          <a:blip r:embed="rId1"/>
-          <a:stretch>
-            <a:fillRect/>
-          </a:stretch>
-        </p:blipFill>
-        <p:spPr>
-          <a:xfrm>
-            <a:off x="1449705" y="1704975"/>
-            <a:ext cx="8281670" cy="4040505"/>
-          </a:xfrm>
-          <a:prstGeom prst="rect">
-            <a:avLst/>
-          </a:prstGeom>
-        </p:spPr>
-      </p:pic>
-      <p:pic>
-        <p:nvPicPr>
-          <p:cNvPr id="5" name="图片 4"/>
-          <p:cNvPicPr>
-            <a:picLocks noChangeAspect="1"/>
-          </p:cNvPicPr>
-          <p:nvPr/>
-        </p:nvPicPr>
-        <p:blipFill>
-          <a:blip r:embed="rId2"/>
-          <a:stretch>
-            <a:fillRect/>
-          </a:stretch>
-        </p:blipFill>
-        <p:spPr>
-          <a:xfrm>
-            <a:off x="1449705" y="1561465"/>
-            <a:ext cx="9669145" cy="4904740"/>
-          </a:xfrm>
-          <a:prstGeom prst="rect">
-            <a:avLst/>
-          </a:prstGeom>
-        </p:spPr>
-      </p:pic>
-      <p:sp>
-        <p:nvSpPr>
-          <p:cNvPr id="7" name="文本框 6"/>
-          <p:cNvSpPr txBox="1"/>
-          <p:nvPr/>
-        </p:nvSpPr>
-        <p:spPr>
-          <a:xfrm>
-            <a:off x="6850380" y="6323330"/>
-            <a:ext cx="5033010" cy="398780"/>
-          </a:xfrm>
-          <a:prstGeom prst="rect">
-            <a:avLst/>
-          </a:prstGeom>
-          <a:noFill/>
-        </p:spPr>
-        <p:txBody>
-          <a:bodyPr wrap="square" rtlCol="0">
-            <a:spAutoFit/>
-          </a:bodyPr>
-          <a:lstStyle/>
-          <a:p>
-            <a:r>
-              <a:rPr lang="zh-CN" altLang="en-US" sz="2000">
-                <a:solidFill>
-                  <a:srgbClr val="FF0000"/>
-                </a:solidFill>
-              </a:rPr>
-              <a:t>参见</a:t>
-            </a:r>
-            <a:r>
-              <a:rPr lang="en-US" sz="2000">
-                <a:solidFill>
-                  <a:srgbClr val="FF0000"/>
-                </a:solidFill>
-              </a:rPr>
-              <a:t>NodeJsonTest</a:t>
-            </a:r>
-            <a:r>
-              <a:rPr lang="zh-CN" altLang="en-US" sz="2000">
-                <a:solidFill>
-                  <a:srgbClr val="FF0000"/>
-                </a:solidFill>
-              </a:rPr>
-              <a:t>实例</a:t>
-            </a:r>
-            <a:r>
-              <a:rPr lang="en-US" altLang="zh-CN" sz="2000">
-                <a:solidFill>
-                  <a:srgbClr val="FF0000"/>
-                </a:solidFill>
-              </a:rPr>
-              <a:t> </a:t>
-            </a:r>
-            <a:r>
-              <a:rPr lang="zh-CN" altLang="en-US" sz="2000">
-                <a:solidFill>
-                  <a:srgbClr val="FF0000"/>
-                </a:solidFill>
-              </a:rPr>
-              <a:t> </a:t>
-            </a:r>
-            <a:endParaRPr lang="en-US" altLang="zh-CN" sz="2000">
-              <a:solidFill>
-                <a:srgbClr val="FF0000"/>
-              </a:solidFill>
-            </a:endParaRPr>
-          </a:p>
-        </p:txBody>
-      </p:sp>
-    </p:spTree>
-  </p:cSld>
-  <p:clrMapOvr>
-    <a:masterClrMapping/>
-  </p:clrMapOvr>
-  <p:timing>
-    <p:tnLst>
-      <p:par>
-        <p:cTn id="1" dur="indefinite" restart="never" nodeType="tmRoot">
-          <p:childTnLst>
-            <p:seq concurrent="1" nextAc="seek">
-              <p:cTn id="2" dur="indefinite" nodeType="mainSeq">
-                <p:childTnLst>
-                  <p:par>
-                    <p:cTn id="3" fill="hold">
-                      <p:stCondLst>
-                        <p:cond delay="indefinite"/>
-                      </p:stCondLst>
-                      <p:childTnLst>
-                        <p:par>
-                          <p:cTn id="4" fill="hold">
-                            <p:stCondLst>
-                              <p:cond delay="0"/>
-                            </p:stCondLst>
-                            <p:childTnLst>
-                              <p:par>
-                                <p:cTn id="5" presetID="2" presetClass="entr" presetSubtype="4" fill="hold" nodeType="clickEffect">
-                                  <p:stCondLst>
-                                    <p:cond delay="0"/>
-                                  </p:stCondLst>
-                                  <p:childTnLst>
-                                    <p:set>
-                                      <p:cBhvr>
-                                        <p:cTn id="6" dur="1" fill="hold">
-                                          <p:stCondLst>
-                                            <p:cond delay="0"/>
-                                          </p:stCondLst>
-                                        </p:cTn>
-                                        <p:tgtEl>
-                                          <p:spTgt spid="2">
-                                            <p:txEl>
-                                              <p:pRg st="0" end="0"/>
-                                            </p:txEl>
-                                          </p:spTgt>
-                                        </p:tgtEl>
-                                        <p:attrNameLst>
-                                          <p:attrName>style.visibility</p:attrName>
-                                        </p:attrNameLst>
-                                      </p:cBhvr>
-                                      <p:to>
-                                        <p:strVal val="visible"/>
-                                      </p:to>
-                                    </p:set>
-                                    <p:anim calcmode="lin" valueType="num">
-                                      <p:cBhvr additive="base">
-                                        <p:cTn id="7" dur="500" fill="hold"/>
-                                        <p:tgtEl>
-                                          <p:spTgt spid="2">
-                                            <p:txEl>
-                                              <p:pRg st="0" end="0"/>
-                                            </p:txEl>
-                                          </p:spTgt>
-                                        </p:tgtEl>
-                                        <p:attrNameLst>
-                                          <p:attrName>ppt_x</p:attrName>
-                                        </p:attrNameLst>
-                                      </p:cBhvr>
-                                      <p:tavLst>
-                                        <p:tav tm="0">
-                                          <p:val>
-                                            <p:strVal val="#ppt_x"/>
-                                          </p:val>
-                                        </p:tav>
-                                        <p:tav tm="100000">
-                                          <p:val>
-                                            <p:strVal val="#ppt_x"/>
-                                          </p:val>
-                                        </p:tav>
-                                      </p:tavLst>
-                                    </p:anim>
-                                    <p:anim calcmode="lin" valueType="num">
-                                      <p:cBhvr additive="base">
-                                        <p:cTn id="8" dur="500" fill="hold"/>
-                                        <p:tgtEl>
-                                          <p:spTgt spid="2">
-                                            <p:txEl>
-                                              <p:pRg st="0" end="0"/>
-                                            </p:txEl>
-                                          </p:spTgt>
-                                        </p:tgtEl>
-                                        <p:attrNameLst>
-                                          <p:attrName>ppt_y</p:attrName>
-                                        </p:attrNameLst>
-                                      </p:cBhvr>
-                                      <p:tavLst>
-                                        <p:tav tm="0">
-                                          <p:val>
-                                            <p:strVal val="1+#ppt_h/2"/>
-                                          </p:val>
-                                        </p:tav>
-                                        <p:tav tm="100000">
-                                          <p:val>
-                                            <p:strVal val="#ppt_y"/>
-                                          </p:val>
-                                        </p:tav>
-                                      </p:tavLst>
-                                    </p:anim>
-                                  </p:childTnLst>
-                                </p:cTn>
-                              </p:par>
-                            </p:childTnLst>
-                          </p:cTn>
-                        </p:par>
-                        <p:par>
-                          <p:cTn id="9" fill="hold">
-                            <p:stCondLst>
-                              <p:cond delay="500"/>
-                            </p:stCondLst>
-                            <p:childTnLst>
-                              <p:par>
-                                <p:cTn id="10" presetID="2" presetClass="entr" presetSubtype="4" fill="hold" nodeType="afterEffect">
-                                  <p:stCondLst>
-                                    <p:cond delay="0"/>
-                                  </p:stCondLst>
-                                  <p:childTnLst>
-                                    <p:set>
-                                      <p:cBhvr>
-                                        <p:cTn id="11" dur="1" fill="hold">
-                                          <p:stCondLst>
-                                            <p:cond delay="0"/>
-                                          </p:stCondLst>
-                                        </p:cTn>
-                                        <p:tgtEl>
-                                          <p:spTgt spid="4"/>
-                                        </p:tgtEl>
-                                        <p:attrNameLst>
-                                          <p:attrName>style.visibility</p:attrName>
-                                        </p:attrNameLst>
-                                      </p:cBhvr>
-                                      <p:to>
-                                        <p:strVal val="visible"/>
-                                      </p:to>
-                                    </p:set>
-                                    <p:anim calcmode="lin" valueType="num">
-                                      <p:cBhvr additive="base">
-                                        <p:cTn id="12" dur="500" fill="hold"/>
-                                        <p:tgtEl>
-                                          <p:spTgt spid="4"/>
-                                        </p:tgtEl>
-                                        <p:attrNameLst>
-                                          <p:attrName>ppt_x</p:attrName>
-                                        </p:attrNameLst>
-                                      </p:cBhvr>
-                                      <p:tavLst>
-                                        <p:tav tm="0">
-                                          <p:val>
-                                            <p:strVal val="#ppt_x"/>
-                                          </p:val>
-                                        </p:tav>
-                                        <p:tav tm="100000">
-                                          <p:val>
-                                            <p:strVal val="#ppt_x"/>
-                                          </p:val>
-                                        </p:tav>
-                                      </p:tavLst>
-                                    </p:anim>
-                                    <p:anim calcmode="lin" valueType="num">
-                                      <p:cBhvr additive="base">
-                                        <p:cTn id="13" dur="500" fill="hold"/>
-                                        <p:tgtEl>
-                                          <p:spTgt spid="4"/>
-                                        </p:tgtEl>
-                                        <p:attrNameLst>
-                                          <p:attrName>ppt_y</p:attrName>
-                                        </p:attrNameLst>
-                                      </p:cBhvr>
-                                      <p:tavLst>
-                                        <p:tav tm="0">
-                                          <p:val>
-                                            <p:strVal val="1+#ppt_h/2"/>
-                                          </p:val>
-                                        </p:tav>
-                                        <p:tav tm="100000">
-                                          <p:val>
-                                            <p:strVal val="#ppt_y"/>
-                                          </p:val>
-                                        </p:tav>
-                                      </p:tavLst>
-                                    </p:anim>
-                                  </p:childTnLst>
-                                </p:cTn>
-                              </p:par>
-                            </p:childTnLst>
-                          </p:cTn>
-                        </p:par>
-                      </p:childTnLst>
-                    </p:cTn>
-                  </p:par>
-                  <p:par>
-                    <p:cTn id="14" fill="hold">
-                      <p:stCondLst>
-                        <p:cond delay="indefinite"/>
-                      </p:stCondLst>
-                      <p:childTnLst>
-                        <p:par>
-                          <p:cTn id="15" fill="hold">
-                            <p:stCondLst>
-                              <p:cond delay="0"/>
-                            </p:stCondLst>
-                            <p:childTnLst>
-                              <p:par>
-                                <p:cTn id="16" presetID="2" presetClass="entr" presetSubtype="4" fill="hold" nodeType="clickEffect">
-                                  <p:stCondLst>
-                                    <p:cond delay="0"/>
-                                  </p:stCondLst>
-                                  <p:childTnLst>
-                                    <p:set>
-                                      <p:cBhvr>
-                                        <p:cTn id="17" dur="1" fill="hold">
-                                          <p:stCondLst>
-                                            <p:cond delay="0"/>
-                                          </p:stCondLst>
-                                        </p:cTn>
-                                        <p:tgtEl>
-                                          <p:spTgt spid="5"/>
-                                        </p:tgtEl>
-                                        <p:attrNameLst>
-                                          <p:attrName>style.visibility</p:attrName>
-                                        </p:attrNameLst>
-                                      </p:cBhvr>
-                                      <p:to>
-                                        <p:strVal val="visible"/>
-                                      </p:to>
-                                    </p:set>
-                                    <p:anim calcmode="lin" valueType="num">
-                                      <p:cBhvr additive="base">
-                                        <p:cTn id="18" dur="500" fill="hold"/>
-                                        <p:tgtEl>
-                                          <p:spTgt spid="5"/>
-                                        </p:tgtEl>
-                                        <p:attrNameLst>
-                                          <p:attrName>ppt_x</p:attrName>
-                                        </p:attrNameLst>
-                                      </p:cBhvr>
-                                      <p:tavLst>
-                                        <p:tav tm="0">
-                                          <p:val>
-                                            <p:strVal val="#ppt_x"/>
-                                          </p:val>
-                                        </p:tav>
-                                        <p:tav tm="100000">
-                                          <p:val>
-                                            <p:strVal val="#ppt_x"/>
-                                          </p:val>
-                                        </p:tav>
-                                      </p:tavLst>
-                                    </p:anim>
-                                    <p:anim calcmode="lin" valueType="num">
-                                      <p:cBhvr additive="base">
-                                        <p:cTn id="19" dur="500" fill="hold"/>
-                                        <p:tgtEl>
-                                          <p:spTgt spid="5"/>
-                                        </p:tgtEl>
-                                        <p:attrNameLst>
-                                          <p:attrName>ppt_y</p:attrName>
-                                        </p:attrNameLst>
-                                      </p:cBhvr>
-                                      <p:tavLst>
-                                        <p:tav tm="0">
-                                          <p:val>
-                                            <p:strVal val="1+#ppt_h/2"/>
-                                          </p:val>
-                                        </p:tav>
-                                        <p:tav tm="100000">
-                                          <p:val>
-                                            <p:strVal val="#ppt_y"/>
-                                          </p:val>
-                                        </p:tav>
-                                      </p:tavLst>
-                                    </p:anim>
-                                  </p:childTnLst>
-                                </p:cTn>
-                              </p:par>
-                            </p:childTnLst>
-                          </p:cTn>
-                        </p:par>
-                        <p:par>
-                          <p:cTn id="20" fill="hold">
-                            <p:stCondLst>
-                              <p:cond delay="500"/>
-                            </p:stCondLst>
-                            <p:childTnLst>
-                              <p:par>
-                                <p:cTn id="21" presetID="2" presetClass="entr" presetSubtype="4" fill="hold" grpId="0" nodeType="afterEffect">
-                                  <p:stCondLst>
-                                    <p:cond delay="0"/>
-                                  </p:stCondLst>
-                                  <p:childTnLst>
-                                    <p:set>
-                                      <p:cBhvr>
-                                        <p:cTn id="22" dur="1" fill="hold">
-                                          <p:stCondLst>
-                                            <p:cond delay="0"/>
-                                          </p:stCondLst>
-                                        </p:cTn>
-                                        <p:tgtEl>
-                                          <p:spTgt spid="7"/>
-                                        </p:tgtEl>
-                                        <p:attrNameLst>
-                                          <p:attrName>style.visibility</p:attrName>
-                                        </p:attrNameLst>
-                                      </p:cBhvr>
-                                      <p:to>
-                                        <p:strVal val="visible"/>
-                                      </p:to>
-                                    </p:set>
-                                    <p:anim calcmode="lin" valueType="num">
-                                      <p:cBhvr additive="base">
-                                        <p:cTn id="23" dur="500" fill="hold"/>
-                                        <p:tgtEl>
-                                          <p:spTgt spid="7"/>
-                                        </p:tgtEl>
-                                        <p:attrNameLst>
-                                          <p:attrName>ppt_x</p:attrName>
-                                        </p:attrNameLst>
-                                      </p:cBhvr>
-                                      <p:tavLst>
-                                        <p:tav tm="0">
-                                          <p:val>
-                                            <p:strVal val="#ppt_x"/>
-                                          </p:val>
-                                        </p:tav>
-                                        <p:tav tm="100000">
-                                          <p:val>
-                                            <p:strVal val="#ppt_x"/>
-                                          </p:val>
-                                        </p:tav>
-                                      </p:tavLst>
-                                    </p:anim>
-                                    <p:anim calcmode="lin" valueType="num">
-                                      <p:cBhvr additive="base">
-                                        <p:cTn id="24" dur="500" fill="hold"/>
-                                        <p:tgtEl>
-                                          <p:spTgt spid="7"/>
-                                        </p:tgtEl>
-                                        <p:attrNameLst>
-                                          <p:attrName>ppt_y</p:attrName>
-                                        </p:attrNameLst>
-                                      </p:cBhvr>
-                                      <p:tavLst>
-                                        <p:tav tm="0">
-                                          <p:val>
-                                            <p:strVal val="1+#ppt_h/2"/>
-                                          </p:val>
-                                        </p:tav>
-                                        <p:tav tm="100000">
-                                          <p:val>
-                                            <p:strVal val="#ppt_y"/>
-                                          </p:val>
-                                        </p:tav>
-                                      </p:tavLst>
-                                    </p:anim>
-                                  </p:childTnLst>
-                                </p:cTn>
-                              </p:par>
-                            </p:childTnLst>
-                          </p:cTn>
-                        </p:par>
-                      </p:childTnLst>
-                    </p:cTn>
-                  </p:par>
-                </p:childTnLst>
-              </p:cTn>
-              <p:prevCondLst>
-                <p:cond evt="onPrev" delay="0">
-                  <p:tgtEl>
-                    <p:sldTgt/>
-                  </p:tgtEl>
-                </p:cond>
-              </p:prevCondLst>
-              <p:nextCondLst>
-                <p:cond evt="onNext" delay="0">
-                  <p:tgtEl>
-                    <p:sldTgt/>
-                  </p:tgtEl>
-                </p:cond>
-              </p:nextCondLst>
-            </p:seq>
-          </p:childTnLst>
-        </p:cTn>
-      </p:par>
-    </p:tnLst>
-    <p:bldLst>
-      <p:bldP spid="7" grpId="0"/>
-    </p:bldLst>
   </p:timing>
 </p:sld>
 </file>
